--- a/안내문.pptx
+++ b/안내문.pptx
@@ -254,7 +254,7 @@
           <a:p>
             <a:fld id="{7E1832A6-1F0C-4D78-9E62-A19FBE4AF3E3}" type="datetimeFigureOut">
               <a:rPr lang="ko-KR" altLang="en-US" smtClean="0"/>
-              <a:t>2020-12-30</a:t>
+              <a:t>2021-01-03</a:t>
             </a:fld>
             <a:endParaRPr lang="ko-KR" altLang="en-US"/>
           </a:p>
@@ -424,7 +424,7 @@
           <a:p>
             <a:fld id="{7E1832A6-1F0C-4D78-9E62-A19FBE4AF3E3}" type="datetimeFigureOut">
               <a:rPr lang="ko-KR" altLang="en-US" smtClean="0"/>
-              <a:t>2020-12-30</a:t>
+              <a:t>2021-01-03</a:t>
             </a:fld>
             <a:endParaRPr lang="ko-KR" altLang="en-US"/>
           </a:p>
@@ -604,7 +604,7 @@
           <a:p>
             <a:fld id="{7E1832A6-1F0C-4D78-9E62-A19FBE4AF3E3}" type="datetimeFigureOut">
               <a:rPr lang="ko-KR" altLang="en-US" smtClean="0"/>
-              <a:t>2020-12-30</a:t>
+              <a:t>2021-01-03</a:t>
             </a:fld>
             <a:endParaRPr lang="ko-KR" altLang="en-US"/>
           </a:p>
@@ -774,7 +774,7 @@
           <a:p>
             <a:fld id="{7E1832A6-1F0C-4D78-9E62-A19FBE4AF3E3}" type="datetimeFigureOut">
               <a:rPr lang="ko-KR" altLang="en-US" smtClean="0"/>
-              <a:t>2020-12-30</a:t>
+              <a:t>2021-01-03</a:t>
             </a:fld>
             <a:endParaRPr lang="ko-KR" altLang="en-US"/>
           </a:p>
@@ -1018,7 +1018,7 @@
           <a:p>
             <a:fld id="{7E1832A6-1F0C-4D78-9E62-A19FBE4AF3E3}" type="datetimeFigureOut">
               <a:rPr lang="ko-KR" altLang="en-US" smtClean="0"/>
-              <a:t>2020-12-30</a:t>
+              <a:t>2021-01-03</a:t>
             </a:fld>
             <a:endParaRPr lang="ko-KR" altLang="en-US"/>
           </a:p>
@@ -1250,7 +1250,7 @@
           <a:p>
             <a:fld id="{7E1832A6-1F0C-4D78-9E62-A19FBE4AF3E3}" type="datetimeFigureOut">
               <a:rPr lang="ko-KR" altLang="en-US" smtClean="0"/>
-              <a:t>2020-12-30</a:t>
+              <a:t>2021-01-03</a:t>
             </a:fld>
             <a:endParaRPr lang="ko-KR" altLang="en-US"/>
           </a:p>
@@ -1617,7 +1617,7 @@
           <a:p>
             <a:fld id="{7E1832A6-1F0C-4D78-9E62-A19FBE4AF3E3}" type="datetimeFigureOut">
               <a:rPr lang="ko-KR" altLang="en-US" smtClean="0"/>
-              <a:t>2020-12-30</a:t>
+              <a:t>2021-01-03</a:t>
             </a:fld>
             <a:endParaRPr lang="ko-KR" altLang="en-US"/>
           </a:p>
@@ -1735,7 +1735,7 @@
           <a:p>
             <a:fld id="{7E1832A6-1F0C-4D78-9E62-A19FBE4AF3E3}" type="datetimeFigureOut">
               <a:rPr lang="ko-KR" altLang="en-US" smtClean="0"/>
-              <a:t>2020-12-30</a:t>
+              <a:t>2021-01-03</a:t>
             </a:fld>
             <a:endParaRPr lang="ko-KR" altLang="en-US"/>
           </a:p>
@@ -1830,7 +1830,7 @@
           <a:p>
             <a:fld id="{7E1832A6-1F0C-4D78-9E62-A19FBE4AF3E3}" type="datetimeFigureOut">
               <a:rPr lang="ko-KR" altLang="en-US" smtClean="0"/>
-              <a:t>2020-12-30</a:t>
+              <a:t>2021-01-03</a:t>
             </a:fld>
             <a:endParaRPr lang="ko-KR" altLang="en-US"/>
           </a:p>
@@ -2107,7 +2107,7 @@
           <a:p>
             <a:fld id="{7E1832A6-1F0C-4D78-9E62-A19FBE4AF3E3}" type="datetimeFigureOut">
               <a:rPr lang="ko-KR" altLang="en-US" smtClean="0"/>
-              <a:t>2020-12-30</a:t>
+              <a:t>2021-01-03</a:t>
             </a:fld>
             <a:endParaRPr lang="ko-KR" altLang="en-US"/>
           </a:p>
@@ -2364,7 +2364,7 @@
           <a:p>
             <a:fld id="{7E1832A6-1F0C-4D78-9E62-A19FBE4AF3E3}" type="datetimeFigureOut">
               <a:rPr lang="ko-KR" altLang="en-US" smtClean="0"/>
-              <a:t>2020-12-30</a:t>
+              <a:t>2021-01-03</a:t>
             </a:fld>
             <a:endParaRPr lang="ko-KR" altLang="en-US"/>
           </a:p>
@@ -2577,7 +2577,7 @@
           <a:p>
             <a:fld id="{7E1832A6-1F0C-4D78-9E62-A19FBE4AF3E3}" type="datetimeFigureOut">
               <a:rPr lang="ko-KR" altLang="en-US" smtClean="0"/>
-              <a:t>2020-12-30</a:t>
+              <a:t>2021-01-03</a:t>
             </a:fld>
             <a:endParaRPr lang="ko-KR" altLang="en-US"/>
           </a:p>
@@ -2991,7 +2991,7 @@
         <p:spPr>
           <a:xfrm>
             <a:off x="556183" y="655908"/>
-            <a:ext cx="5750614" cy="1477328"/>
+            <a:ext cx="5750614" cy="2169825"/>
           </a:xfrm>
           <a:prstGeom prst="rect">
             <a:avLst/>
@@ -3116,21 +3116,7 @@
                 <a:latin typeface="나눔바른고딕OTF" panose="02020603020101020101" pitchFamily="18" charset="-127"/>
                 <a:ea typeface="나눔바른고딕OTF" panose="02020603020101020101" pitchFamily="18" charset="-127"/>
               </a:rPr>
-              <a:t>이번에 코칭 교재가 너무 잘 만들어져서 꼭 한 번 보셨으면 하는 마음에서</a:t>
-            </a:r>
-            <a:r>
-              <a:rPr lang="en-US" altLang="ko-KR" sz="1000" dirty="0" smtClean="0">
-                <a:ln>
-                  <a:solidFill>
-                    <a:schemeClr val="tx1">
-                      <a:alpha val="0"/>
-                    </a:schemeClr>
-                  </a:solidFill>
-                </a:ln>
-                <a:latin typeface="나눔바른고딕OTF" panose="02020603020101020101" pitchFamily="18" charset="-127"/>
-                <a:ea typeface="나눔바른고딕OTF" panose="02020603020101020101" pitchFamily="18" charset="-127"/>
-              </a:rPr>
-              <a:t>, </a:t>
+              <a:t>이번에 코칭 교재가 너무 잘 </a:t>
             </a:r>
             <a:r>
               <a:rPr lang="ko-KR" altLang="en-US" sz="1000" dirty="0" smtClean="0">
@@ -3144,7 +3130,7 @@
                 <a:latin typeface="나눔바른고딕OTF" panose="02020603020101020101" pitchFamily="18" charset="-127"/>
                 <a:ea typeface="나눔바른고딕OTF" panose="02020603020101020101" pitchFamily="18" charset="-127"/>
               </a:rPr>
-              <a:t>교재 중 한 권을 더 넣어 드렸습니다</a:t>
+              <a:t>만들어졌습니다</a:t>
             </a:r>
             <a:r>
               <a:rPr lang="en-US" altLang="ko-KR" sz="1000" dirty="0" smtClean="0">
@@ -3179,21 +3165,7 @@
                 <a:latin typeface="나눔바른고딕OTF" panose="02020603020101020101" pitchFamily="18" charset="-127"/>
                 <a:ea typeface="나눔바른고딕OTF" panose="02020603020101020101" pitchFamily="18" charset="-127"/>
               </a:rPr>
-              <a:t>교재와 같이 </a:t>
-            </a:r>
-            <a:r>
-              <a:rPr lang="ko-KR" altLang="en-US" sz="1000" dirty="0" err="1" smtClean="0">
-                <a:ln>
-                  <a:solidFill>
-                    <a:schemeClr val="tx1">
-                      <a:alpha val="0"/>
-                    </a:schemeClr>
-                  </a:solidFill>
-                </a:ln>
-                <a:latin typeface="나눔바른고딕OTF" panose="02020603020101020101" pitchFamily="18" charset="-127"/>
-                <a:ea typeface="나눔바른고딕OTF" panose="02020603020101020101" pitchFamily="18" charset="-127"/>
-              </a:rPr>
-              <a:t>공부해보실</a:t>
+              <a:t>꼭 </a:t>
             </a:r>
             <a:r>
               <a:rPr lang="ko-KR" altLang="en-US" sz="1000" dirty="0" smtClean="0">
@@ -3207,7 +3179,21 @@
                 <a:latin typeface="나눔바른고딕OTF" panose="02020603020101020101" pitchFamily="18" charset="-127"/>
                 <a:ea typeface="나눔바른고딕OTF" panose="02020603020101020101" pitchFamily="18" charset="-127"/>
               </a:rPr>
-              <a:t> 수 있도록 </a:t>
+              <a:t>한 번 보셨으면 하는 </a:t>
+            </a:r>
+            <a:r>
+              <a:rPr lang="ko-KR" altLang="en-US" sz="1000" dirty="0" smtClean="0">
+                <a:ln>
+                  <a:solidFill>
+                    <a:schemeClr val="tx1">
+                      <a:alpha val="0"/>
+                    </a:schemeClr>
+                  </a:solidFill>
+                </a:ln>
+                <a:latin typeface="나눔바른고딕OTF" panose="02020603020101020101" pitchFamily="18" charset="-127"/>
+                <a:ea typeface="나눔바른고딕OTF" panose="02020603020101020101" pitchFamily="18" charset="-127"/>
+              </a:rPr>
+              <a:t>마음에서</a:t>
             </a:r>
             <a:r>
               <a:rPr lang="en-US" altLang="ko-KR" sz="1000" dirty="0" smtClean="0">
@@ -3221,7 +3207,7 @@
                 <a:latin typeface="나눔바른고딕OTF" panose="02020603020101020101" pitchFamily="18" charset="-127"/>
                 <a:ea typeface="나눔바른고딕OTF" panose="02020603020101020101" pitchFamily="18" charset="-127"/>
               </a:rPr>
-              <a:t>___________________</a:t>
+              <a:t> </a:t>
             </a:r>
             <a:r>
               <a:rPr lang="ko-KR" altLang="en-US" sz="1000" dirty="0" smtClean="0">
@@ -3235,21 +3221,7 @@
                 <a:latin typeface="나눔바른고딕OTF" panose="02020603020101020101" pitchFamily="18" charset="-127"/>
                 <a:ea typeface="나눔바른고딕OTF" panose="02020603020101020101" pitchFamily="18" charset="-127"/>
               </a:rPr>
-              <a:t>까지 체험 가능한 </a:t>
-            </a:r>
-            <a:r>
-              <a:rPr lang="ko-KR" altLang="en-US" sz="1000" dirty="0" err="1" smtClean="0">
-                <a:ln>
-                  <a:solidFill>
-                    <a:schemeClr val="tx1">
-                      <a:alpha val="0"/>
-                    </a:schemeClr>
-                  </a:solidFill>
-                </a:ln>
-                <a:latin typeface="나눔바른고딕OTF" panose="02020603020101020101" pitchFamily="18" charset="-127"/>
-                <a:ea typeface="나눔바른고딕OTF" panose="02020603020101020101" pitchFamily="18" charset="-127"/>
-              </a:rPr>
-              <a:t>수강권도</a:t>
+              <a:t>교재를 </a:t>
             </a:r>
             <a:r>
               <a:rPr lang="ko-KR" altLang="en-US" sz="1000" dirty="0" smtClean="0">
@@ -3263,7 +3235,49 @@
                 <a:latin typeface="나눔바른고딕OTF" panose="02020603020101020101" pitchFamily="18" charset="-127"/>
                 <a:ea typeface="나눔바른고딕OTF" panose="02020603020101020101" pitchFamily="18" charset="-127"/>
               </a:rPr>
-              <a:t> 함께 넣어드렸습니다</a:t>
+              <a:t>한 </a:t>
+            </a:r>
+            <a:r>
+              <a:rPr lang="ko-KR" altLang="en-US" sz="1000" dirty="0" smtClean="0">
+                <a:ln>
+                  <a:solidFill>
+                    <a:schemeClr val="tx1">
+                      <a:alpha val="0"/>
+                    </a:schemeClr>
+                  </a:solidFill>
+                </a:ln>
+                <a:latin typeface="나눔바른고딕OTF" panose="02020603020101020101" pitchFamily="18" charset="-127"/>
+                <a:ea typeface="나눔바른고딕OTF" panose="02020603020101020101" pitchFamily="18" charset="-127"/>
+              </a:rPr>
+              <a:t>권 </a:t>
+            </a:r>
+            <a:r>
+              <a:rPr lang="ko-KR" altLang="en-US" sz="1000" dirty="0" smtClean="0">
+                <a:ln>
+                  <a:solidFill>
+                    <a:schemeClr val="tx1">
+                      <a:alpha val="0"/>
+                    </a:schemeClr>
+                  </a:solidFill>
+                </a:ln>
+                <a:latin typeface="나눔바른고딕OTF" panose="02020603020101020101" pitchFamily="18" charset="-127"/>
+                <a:ea typeface="나눔바른고딕OTF" panose="02020603020101020101" pitchFamily="18" charset="-127"/>
+              </a:rPr>
+              <a:t>더 </a:t>
+            </a:r>
+            <a:r>
+              <a:rPr lang="ko-KR" altLang="en-US" sz="1000" dirty="0" smtClean="0">
+                <a:ln>
+                  <a:solidFill>
+                    <a:schemeClr val="tx1">
+                      <a:alpha val="0"/>
+                    </a:schemeClr>
+                  </a:solidFill>
+                </a:ln>
+                <a:latin typeface="나눔바른고딕OTF" panose="02020603020101020101" pitchFamily="18" charset="-127"/>
+                <a:ea typeface="나눔바른고딕OTF" panose="02020603020101020101" pitchFamily="18" charset="-127"/>
+              </a:rPr>
+              <a:t>넣었습니다</a:t>
             </a:r>
             <a:r>
               <a:rPr lang="en-US" altLang="ko-KR" sz="1000" dirty="0" smtClean="0">
@@ -3286,34 +3300,17 @@
                 <a:spcPct val="150000"/>
               </a:lnSpc>
             </a:pPr>
-            <a:r>
-              <a:rPr lang="ko-KR" altLang="en-US" sz="1000" dirty="0" smtClean="0">
-                <a:ln>
-                  <a:solidFill>
-                    <a:schemeClr val="tx1">
-                      <a:alpha val="0"/>
-                    </a:schemeClr>
-                  </a:solidFill>
-                </a:ln>
-                <a:latin typeface="나눔바른고딕OTF" panose="02020603020101020101" pitchFamily="18" charset="-127"/>
-                <a:ea typeface="나눔바른고딕OTF" panose="02020603020101020101" pitchFamily="18" charset="-127"/>
-              </a:rPr>
-              <a:t>모쪼록 잘 활용하셨으면 좋겠습니다 </a:t>
-            </a:r>
-            <a:r>
-              <a:rPr lang="en-US" altLang="ko-KR" sz="1000" dirty="0" smtClean="0">
-                <a:ln>
-                  <a:solidFill>
-                    <a:schemeClr val="tx1">
-                      <a:alpha val="0"/>
-                    </a:schemeClr>
-                  </a:solidFill>
-                </a:ln>
-                <a:latin typeface="나눔바른고딕OTF" panose="02020603020101020101" pitchFamily="18" charset="-127"/>
-                <a:ea typeface="나눔바른고딕OTF" panose="02020603020101020101" pitchFamily="18" charset="-127"/>
-              </a:rPr>
-              <a:t>: )</a:t>
-            </a:r>
+            <a:endParaRPr lang="en-US" altLang="ko-KR" sz="1000" dirty="0" smtClean="0">
+              <a:ln>
+                <a:solidFill>
+                  <a:schemeClr val="tx1">
+                    <a:alpha val="0"/>
+                  </a:schemeClr>
+                </a:solidFill>
+              </a:ln>
+              <a:latin typeface="나눔바른고딕OTF" panose="02020603020101020101" pitchFamily="18" charset="-127"/>
+              <a:ea typeface="나눔바른고딕OTF" panose="02020603020101020101" pitchFamily="18" charset="-127"/>
+            </a:endParaRPr>
           </a:p>
           <a:p>
             <a:pPr>
@@ -3321,6 +3318,231 @@
                 <a:spcPct val="150000"/>
               </a:lnSpc>
             </a:pPr>
+            <a:r>
+              <a:rPr lang="ko-KR" altLang="en-US" sz="1000" dirty="0" smtClean="0">
+                <a:ln>
+                  <a:solidFill>
+                    <a:schemeClr val="tx1">
+                      <a:alpha val="0"/>
+                    </a:schemeClr>
+                  </a:solidFill>
+                </a:ln>
+                <a:latin typeface="나눔바른고딕OTF" panose="02020603020101020101" pitchFamily="18" charset="-127"/>
+                <a:ea typeface="나눔바른고딕OTF" panose="02020603020101020101" pitchFamily="18" charset="-127"/>
+              </a:rPr>
+              <a:t>교재와 같이 </a:t>
+            </a:r>
+            <a:r>
+              <a:rPr lang="ko-KR" altLang="en-US" sz="1000" dirty="0" smtClean="0">
+                <a:ln>
+                  <a:solidFill>
+                    <a:schemeClr val="tx1">
+                      <a:alpha val="0"/>
+                    </a:schemeClr>
+                  </a:solidFill>
+                </a:ln>
+                <a:latin typeface="나눔바른고딕OTF" panose="02020603020101020101" pitchFamily="18" charset="-127"/>
+                <a:ea typeface="나눔바른고딕OTF" panose="02020603020101020101" pitchFamily="18" charset="-127"/>
+              </a:rPr>
+              <a:t>공부해 보실 </a:t>
+            </a:r>
+            <a:r>
+              <a:rPr lang="ko-KR" altLang="en-US" sz="1000" dirty="0" smtClean="0">
+                <a:ln>
+                  <a:solidFill>
+                    <a:schemeClr val="tx1">
+                      <a:alpha val="0"/>
+                    </a:schemeClr>
+                  </a:solidFill>
+                </a:ln>
+                <a:latin typeface="나눔바른고딕OTF" panose="02020603020101020101" pitchFamily="18" charset="-127"/>
+                <a:ea typeface="나눔바른고딕OTF" panose="02020603020101020101" pitchFamily="18" charset="-127"/>
+              </a:rPr>
+              <a:t>수 있도록 </a:t>
+            </a:r>
+            <a:r>
+              <a:rPr lang="en-US" altLang="ko-KR" sz="1000" dirty="0" smtClean="0">
+                <a:ln>
+                  <a:solidFill>
+                    <a:schemeClr val="tx1">
+                      <a:alpha val="0"/>
+                    </a:schemeClr>
+                  </a:solidFill>
+                </a:ln>
+                <a:latin typeface="나눔바른고딕OTF" panose="02020603020101020101" pitchFamily="18" charset="-127"/>
+                <a:ea typeface="나눔바른고딕OTF" panose="02020603020101020101" pitchFamily="18" charset="-127"/>
+              </a:rPr>
+              <a:t>___________________</a:t>
+            </a:r>
+            <a:r>
+              <a:rPr lang="ko-KR" altLang="en-US" sz="1000" dirty="0" smtClean="0">
+                <a:ln>
+                  <a:solidFill>
+                    <a:schemeClr val="tx1">
+                      <a:alpha val="0"/>
+                    </a:schemeClr>
+                  </a:solidFill>
+                </a:ln>
+                <a:latin typeface="나눔바른고딕OTF" panose="02020603020101020101" pitchFamily="18" charset="-127"/>
+                <a:ea typeface="나눔바른고딕OTF" panose="02020603020101020101" pitchFamily="18" charset="-127"/>
+              </a:rPr>
+              <a:t>까지 체험 가능한 </a:t>
+            </a:r>
+            <a:r>
+              <a:rPr lang="ko-KR" altLang="en-US" sz="1000" dirty="0" err="1" smtClean="0">
+                <a:ln>
+                  <a:solidFill>
+                    <a:schemeClr val="tx1">
+                      <a:alpha val="0"/>
+                    </a:schemeClr>
+                  </a:solidFill>
+                </a:ln>
+                <a:latin typeface="나눔바른고딕OTF" panose="02020603020101020101" pitchFamily="18" charset="-127"/>
+                <a:ea typeface="나눔바른고딕OTF" panose="02020603020101020101" pitchFamily="18" charset="-127"/>
+              </a:rPr>
+              <a:t>수강권도</a:t>
+            </a:r>
+            <a:r>
+              <a:rPr lang="ko-KR" altLang="en-US" sz="1000" dirty="0" smtClean="0">
+                <a:ln>
+                  <a:solidFill>
+                    <a:schemeClr val="tx1">
+                      <a:alpha val="0"/>
+                    </a:schemeClr>
+                  </a:solidFill>
+                </a:ln>
+                <a:latin typeface="나눔바른고딕OTF" panose="02020603020101020101" pitchFamily="18" charset="-127"/>
+                <a:ea typeface="나눔바른고딕OTF" panose="02020603020101020101" pitchFamily="18" charset="-127"/>
+              </a:rPr>
+              <a:t> 함께 넣어드렸습니다</a:t>
+            </a:r>
+            <a:r>
+              <a:rPr lang="en-US" altLang="ko-KR" sz="1000" dirty="0" smtClean="0">
+                <a:ln>
+                  <a:solidFill>
+                    <a:schemeClr val="tx1">
+                      <a:alpha val="0"/>
+                    </a:schemeClr>
+                  </a:solidFill>
+                </a:ln>
+                <a:latin typeface="나눔바른고딕OTF" panose="02020603020101020101" pitchFamily="18" charset="-127"/>
+                <a:ea typeface="나눔바른고딕OTF" panose="02020603020101020101" pitchFamily="18" charset="-127"/>
+              </a:rPr>
+              <a:t>.</a:t>
+            </a:r>
+          </a:p>
+          <a:p>
+            <a:pPr>
+              <a:lnSpc>
+                <a:spcPct val="150000"/>
+              </a:lnSpc>
+            </a:pPr>
+            <a:r>
+              <a:rPr lang="ko-KR" altLang="en-US" sz="1000" dirty="0" smtClean="0">
+                <a:ln>
+                  <a:solidFill>
+                    <a:schemeClr val="tx1">
+                      <a:alpha val="0"/>
+                    </a:schemeClr>
+                  </a:solidFill>
+                </a:ln>
+                <a:latin typeface="나눔바른고딕OTF" panose="02020603020101020101" pitchFamily="18" charset="-127"/>
+                <a:ea typeface="나눔바른고딕OTF" panose="02020603020101020101" pitchFamily="18" charset="-127"/>
+              </a:rPr>
+              <a:t>모쪼록 잘 활용하셨으면 </a:t>
+            </a:r>
+            <a:r>
+              <a:rPr lang="ko-KR" altLang="en-US" sz="1000" dirty="0" smtClean="0">
+                <a:ln>
+                  <a:solidFill>
+                    <a:schemeClr val="tx1">
+                      <a:alpha val="0"/>
+                    </a:schemeClr>
+                  </a:solidFill>
+                </a:ln>
+                <a:latin typeface="나눔바른고딕OTF" panose="02020603020101020101" pitchFamily="18" charset="-127"/>
+                <a:ea typeface="나눔바른고딕OTF" panose="02020603020101020101" pitchFamily="18" charset="-127"/>
+              </a:rPr>
+              <a:t>좋겠습니다</a:t>
+            </a:r>
+            <a:r>
+              <a:rPr lang="en-US" altLang="ko-KR" sz="1000" dirty="0" smtClean="0">
+                <a:ln>
+                  <a:solidFill>
+                    <a:schemeClr val="tx1">
+                      <a:alpha val="0"/>
+                    </a:schemeClr>
+                  </a:solidFill>
+                </a:ln>
+                <a:latin typeface="나눔바른고딕OTF" panose="02020603020101020101" pitchFamily="18" charset="-127"/>
+                <a:ea typeface="나눔바른고딕OTF" panose="02020603020101020101" pitchFamily="18" charset="-127"/>
+              </a:rPr>
+              <a:t>.</a:t>
+            </a:r>
+            <a:endParaRPr lang="en-US" altLang="ko-KR" sz="1000" dirty="0" smtClean="0">
+              <a:ln>
+                <a:solidFill>
+                  <a:schemeClr val="tx1">
+                    <a:alpha val="0"/>
+                  </a:schemeClr>
+                </a:solidFill>
+              </a:ln>
+              <a:latin typeface="나눔바른고딕OTF" panose="02020603020101020101" pitchFamily="18" charset="-127"/>
+              <a:ea typeface="나눔바른고딕OTF" panose="02020603020101020101" pitchFamily="18" charset="-127"/>
+            </a:endParaRPr>
+          </a:p>
+          <a:p>
+            <a:pPr>
+              <a:lnSpc>
+                <a:spcPct val="150000"/>
+              </a:lnSpc>
+            </a:pPr>
+            <a:endParaRPr lang="en-US" altLang="ko-KR" sz="1000" dirty="0" smtClean="0">
+              <a:ln>
+                <a:solidFill>
+                  <a:schemeClr val="tx1">
+                    <a:alpha val="0"/>
+                  </a:schemeClr>
+                </a:solidFill>
+              </a:ln>
+              <a:latin typeface="나눔바른고딕OTF" panose="02020603020101020101" pitchFamily="18" charset="-127"/>
+              <a:ea typeface="나눔바른고딕OTF" panose="02020603020101020101" pitchFamily="18" charset="-127"/>
+            </a:endParaRPr>
+          </a:p>
+          <a:p>
+            <a:pPr>
+              <a:lnSpc>
+                <a:spcPct val="150000"/>
+              </a:lnSpc>
+            </a:pPr>
+            <a:r>
+              <a:rPr lang="ko-KR" altLang="en-US" sz="1000" dirty="0" smtClean="0">
+                <a:ln>
+                  <a:solidFill>
+                    <a:schemeClr val="tx1">
+                      <a:alpha val="0"/>
+                    </a:schemeClr>
+                  </a:solidFill>
+                </a:ln>
+                <a:latin typeface="나눔바른고딕OTF" panose="02020603020101020101" pitchFamily="18" charset="-127"/>
+                <a:ea typeface="나눔바른고딕OTF" panose="02020603020101020101" pitchFamily="18" charset="-127"/>
+              </a:rPr>
+              <a:t>코칭 교재 관련하여 궁금하신 점 있으면 채팅으로 남겨주세요</a:t>
+            </a:r>
+            <a:r>
+              <a:rPr lang="en-US" altLang="ko-KR" sz="1000" dirty="0" smtClean="0">
+                <a:ln>
+                  <a:solidFill>
+                    <a:schemeClr val="tx1">
+                      <a:alpha val="0"/>
+                    </a:schemeClr>
+                  </a:solidFill>
+                </a:ln>
+                <a:latin typeface="나눔바른고딕OTF" panose="02020603020101020101" pitchFamily="18" charset="-127"/>
+                <a:ea typeface="나눔바른고딕OTF" panose="02020603020101020101" pitchFamily="18" charset="-127"/>
+              </a:rPr>
+              <a:t> :)</a:t>
+            </a:r>
             <a:endParaRPr lang="ko-KR" altLang="en-US" sz="1000" dirty="0">
               <a:ln>
                 <a:solidFill>
@@ -3439,7 +3661,7 @@
         </p:nvSpPr>
         <p:spPr>
           <a:xfrm>
-            <a:off x="556183" y="2732536"/>
+            <a:off x="556183" y="3706756"/>
             <a:ext cx="5750614" cy="534762"/>
           </a:xfrm>
           <a:prstGeom prst="rect">
@@ -3666,7 +3888,7 @@
         </p:nvSpPr>
         <p:spPr>
           <a:xfrm>
-            <a:off x="556183" y="3599217"/>
+            <a:off x="556183" y="4573437"/>
             <a:ext cx="5750614" cy="534762"/>
           </a:xfrm>
           <a:prstGeom prst="rect">

--- a/안내문.pptx
+++ b/안내문.pptx
@@ -254,7 +254,7 @@
           <a:p>
             <a:fld id="{7E1832A6-1F0C-4D78-9E62-A19FBE4AF3E3}" type="datetimeFigureOut">
               <a:rPr lang="ko-KR" altLang="en-US" smtClean="0"/>
-              <a:t>2021-01-03</a:t>
+              <a:t>2021-01-04</a:t>
             </a:fld>
             <a:endParaRPr lang="ko-KR" altLang="en-US"/>
           </a:p>
@@ -424,7 +424,7 @@
           <a:p>
             <a:fld id="{7E1832A6-1F0C-4D78-9E62-A19FBE4AF3E3}" type="datetimeFigureOut">
               <a:rPr lang="ko-KR" altLang="en-US" smtClean="0"/>
-              <a:t>2021-01-03</a:t>
+              <a:t>2021-01-04</a:t>
             </a:fld>
             <a:endParaRPr lang="ko-KR" altLang="en-US"/>
           </a:p>
@@ -604,7 +604,7 @@
           <a:p>
             <a:fld id="{7E1832A6-1F0C-4D78-9E62-A19FBE4AF3E3}" type="datetimeFigureOut">
               <a:rPr lang="ko-KR" altLang="en-US" smtClean="0"/>
-              <a:t>2021-01-03</a:t>
+              <a:t>2021-01-04</a:t>
             </a:fld>
             <a:endParaRPr lang="ko-KR" altLang="en-US"/>
           </a:p>
@@ -774,7 +774,7 @@
           <a:p>
             <a:fld id="{7E1832A6-1F0C-4D78-9E62-A19FBE4AF3E3}" type="datetimeFigureOut">
               <a:rPr lang="ko-KR" altLang="en-US" smtClean="0"/>
-              <a:t>2021-01-03</a:t>
+              <a:t>2021-01-04</a:t>
             </a:fld>
             <a:endParaRPr lang="ko-KR" altLang="en-US"/>
           </a:p>
@@ -1018,7 +1018,7 @@
           <a:p>
             <a:fld id="{7E1832A6-1F0C-4D78-9E62-A19FBE4AF3E3}" type="datetimeFigureOut">
               <a:rPr lang="ko-KR" altLang="en-US" smtClean="0"/>
-              <a:t>2021-01-03</a:t>
+              <a:t>2021-01-04</a:t>
             </a:fld>
             <a:endParaRPr lang="ko-KR" altLang="en-US"/>
           </a:p>
@@ -1250,7 +1250,7 @@
           <a:p>
             <a:fld id="{7E1832A6-1F0C-4D78-9E62-A19FBE4AF3E3}" type="datetimeFigureOut">
               <a:rPr lang="ko-KR" altLang="en-US" smtClean="0"/>
-              <a:t>2021-01-03</a:t>
+              <a:t>2021-01-04</a:t>
             </a:fld>
             <a:endParaRPr lang="ko-KR" altLang="en-US"/>
           </a:p>
@@ -1617,7 +1617,7 @@
           <a:p>
             <a:fld id="{7E1832A6-1F0C-4D78-9E62-A19FBE4AF3E3}" type="datetimeFigureOut">
               <a:rPr lang="ko-KR" altLang="en-US" smtClean="0"/>
-              <a:t>2021-01-03</a:t>
+              <a:t>2021-01-04</a:t>
             </a:fld>
             <a:endParaRPr lang="ko-KR" altLang="en-US"/>
           </a:p>
@@ -1735,7 +1735,7 @@
           <a:p>
             <a:fld id="{7E1832A6-1F0C-4D78-9E62-A19FBE4AF3E3}" type="datetimeFigureOut">
               <a:rPr lang="ko-KR" altLang="en-US" smtClean="0"/>
-              <a:t>2021-01-03</a:t>
+              <a:t>2021-01-04</a:t>
             </a:fld>
             <a:endParaRPr lang="ko-KR" altLang="en-US"/>
           </a:p>
@@ -1830,7 +1830,7 @@
           <a:p>
             <a:fld id="{7E1832A6-1F0C-4D78-9E62-A19FBE4AF3E3}" type="datetimeFigureOut">
               <a:rPr lang="ko-KR" altLang="en-US" smtClean="0"/>
-              <a:t>2021-01-03</a:t>
+              <a:t>2021-01-04</a:t>
             </a:fld>
             <a:endParaRPr lang="ko-KR" altLang="en-US"/>
           </a:p>
@@ -2107,7 +2107,7 @@
           <a:p>
             <a:fld id="{7E1832A6-1F0C-4D78-9E62-A19FBE4AF3E3}" type="datetimeFigureOut">
               <a:rPr lang="ko-KR" altLang="en-US" smtClean="0"/>
-              <a:t>2021-01-03</a:t>
+              <a:t>2021-01-04</a:t>
             </a:fld>
             <a:endParaRPr lang="ko-KR" altLang="en-US"/>
           </a:p>
@@ -2364,7 +2364,7 @@
           <a:p>
             <a:fld id="{7E1832A6-1F0C-4D78-9E62-A19FBE4AF3E3}" type="datetimeFigureOut">
               <a:rPr lang="ko-KR" altLang="en-US" smtClean="0"/>
-              <a:t>2021-01-03</a:t>
+              <a:t>2021-01-04</a:t>
             </a:fld>
             <a:endParaRPr lang="ko-KR" altLang="en-US"/>
           </a:p>
@@ -2577,7 +2577,7 @@
           <a:p>
             <a:fld id="{7E1832A6-1F0C-4D78-9E62-A19FBE4AF3E3}" type="datetimeFigureOut">
               <a:rPr lang="ko-KR" altLang="en-US" smtClean="0"/>
-              <a:t>2021-01-03</a:t>
+              <a:t>2021-01-04</a:t>
             </a:fld>
             <a:endParaRPr lang="ko-KR" altLang="en-US"/>
           </a:p>
@@ -2984,14 +2984,171 @@
       </p:grpSpPr>
       <p:sp>
         <p:nvSpPr>
+          <p:cNvPr id="12" name="모서리가 둥근 직사각형 11"/>
+          <p:cNvSpPr/>
+          <p:nvPr/>
+        </p:nvSpPr>
+        <p:spPr>
+          <a:xfrm>
+            <a:off x="521999" y="3222023"/>
+            <a:ext cx="5822950" cy="5625684"/>
+          </a:xfrm>
+          <a:prstGeom prst="roundRect">
+            <a:avLst>
+              <a:gd name="adj" fmla="val 1904"/>
+            </a:avLst>
+          </a:prstGeom>
+          <a:solidFill>
+            <a:schemeClr val="bg1">
+              <a:lumMod val="95000"/>
+            </a:schemeClr>
+          </a:solidFill>
+          <a:ln>
+            <a:noFill/>
+          </a:ln>
+          <a:effectLst>
+            <a:outerShdw blurRad="50800" dist="12700" dir="2700000" algn="tl" rotWithShape="0">
+              <a:prstClr val="black">
+                <a:alpha val="17000"/>
+              </a:prstClr>
+            </a:outerShdw>
+          </a:effectLst>
+        </p:spPr>
+        <p:style>
+          <a:lnRef idx="2">
+            <a:schemeClr val="accent1">
+              <a:shade val="50000"/>
+            </a:schemeClr>
+          </a:lnRef>
+          <a:fillRef idx="1">
+            <a:schemeClr val="accent1"/>
+          </a:fillRef>
+          <a:effectRef idx="0">
+            <a:schemeClr val="accent1"/>
+          </a:effectRef>
+          <a:fontRef idx="minor">
+            <a:schemeClr val="lt1"/>
+          </a:fontRef>
+        </p:style>
+        <p:txBody>
+          <a:bodyPr rtlCol="0" anchor="ctr"/>
+          <a:lstStyle/>
+          <a:p>
+            <a:pPr algn="ctr"/>
+            <a:endParaRPr lang="ko-KR" altLang="en-US"/>
+          </a:p>
+        </p:txBody>
+      </p:sp>
+      <p:sp>
+        <p:nvSpPr>
+          <p:cNvPr id="25" name="모서리가 둥근 직사각형 24"/>
+          <p:cNvSpPr/>
+          <p:nvPr/>
+        </p:nvSpPr>
+        <p:spPr>
+          <a:xfrm>
+            <a:off x="806451" y="4094391"/>
+            <a:ext cx="2120628" cy="1556930"/>
+          </a:xfrm>
+          <a:prstGeom prst="roundRect">
+            <a:avLst>
+              <a:gd name="adj" fmla="val 2367"/>
+            </a:avLst>
+          </a:prstGeom>
+          <a:solidFill>
+            <a:schemeClr val="bg1">
+              <a:alpha val="59000"/>
+            </a:schemeClr>
+          </a:solidFill>
+          <a:ln>
+            <a:noFill/>
+          </a:ln>
+        </p:spPr>
+        <p:style>
+          <a:lnRef idx="2">
+            <a:schemeClr val="accent1">
+              <a:shade val="50000"/>
+            </a:schemeClr>
+          </a:lnRef>
+          <a:fillRef idx="1">
+            <a:schemeClr val="accent1"/>
+          </a:fillRef>
+          <a:effectRef idx="0">
+            <a:schemeClr val="accent1"/>
+          </a:effectRef>
+          <a:fontRef idx="minor">
+            <a:schemeClr val="lt1"/>
+          </a:fontRef>
+        </p:style>
+        <p:txBody>
+          <a:bodyPr rtlCol="0" anchor="ctr"/>
+          <a:lstStyle/>
+          <a:p>
+            <a:pPr algn="ctr"/>
+            <a:endParaRPr lang="ko-KR" altLang="en-US"/>
+          </a:p>
+        </p:txBody>
+      </p:sp>
+      <p:sp>
+        <p:nvSpPr>
+          <p:cNvPr id="21" name="모서리가 둥근 직사각형 20"/>
+          <p:cNvSpPr/>
+          <p:nvPr/>
+        </p:nvSpPr>
+        <p:spPr>
+          <a:xfrm>
+            <a:off x="806450" y="6654386"/>
+            <a:ext cx="5295247" cy="1972148"/>
+          </a:xfrm>
+          <a:prstGeom prst="roundRect">
+            <a:avLst>
+              <a:gd name="adj" fmla="val 2367"/>
+            </a:avLst>
+          </a:prstGeom>
+          <a:solidFill>
+            <a:schemeClr val="bg1">
+              <a:alpha val="59000"/>
+            </a:schemeClr>
+          </a:solidFill>
+          <a:ln>
+            <a:noFill/>
+          </a:ln>
+        </p:spPr>
+        <p:style>
+          <a:lnRef idx="2">
+            <a:schemeClr val="accent1">
+              <a:shade val="50000"/>
+            </a:schemeClr>
+          </a:lnRef>
+          <a:fillRef idx="1">
+            <a:schemeClr val="accent1"/>
+          </a:fillRef>
+          <a:effectRef idx="0">
+            <a:schemeClr val="accent1"/>
+          </a:effectRef>
+          <a:fontRef idx="minor">
+            <a:schemeClr val="lt1"/>
+          </a:fontRef>
+        </p:style>
+        <p:txBody>
+          <a:bodyPr rtlCol="0" anchor="ctr"/>
+          <a:lstStyle/>
+          <a:p>
+            <a:pPr algn="ctr"/>
+            <a:endParaRPr lang="ko-KR" altLang="en-US"/>
+          </a:p>
+        </p:txBody>
+      </p:sp>
+      <p:sp>
+        <p:nvSpPr>
           <p:cNvPr id="4" name="TextBox 3"/>
           <p:cNvSpPr txBox="1"/>
           <p:nvPr/>
         </p:nvSpPr>
         <p:spPr>
           <a:xfrm>
-            <a:off x="556183" y="655908"/>
-            <a:ext cx="5750614" cy="2169825"/>
+            <a:off x="692537" y="593601"/>
+            <a:ext cx="5468978" cy="2169825"/>
           </a:xfrm>
           <a:prstGeom prst="rect">
             <a:avLst/>
@@ -3018,6 +3175,9 @@
                     </a:schemeClr>
                   </a:solidFill>
                 </a:ln>
+                <a:solidFill>
+                  <a:schemeClr val="bg1"/>
+                </a:solidFill>
                 <a:latin typeface="나눔바른고딕OTF" panose="02020603020101020101" pitchFamily="18" charset="-127"/>
                 <a:ea typeface="나눔바른고딕OTF" panose="02020603020101020101" pitchFamily="18" charset="-127"/>
               </a:rPr>
@@ -3116,21 +3276,7 @@
                 <a:latin typeface="나눔바른고딕OTF" panose="02020603020101020101" pitchFamily="18" charset="-127"/>
                 <a:ea typeface="나눔바른고딕OTF" panose="02020603020101020101" pitchFamily="18" charset="-127"/>
               </a:rPr>
-              <a:t>이번에 코칭 교재가 너무 잘 </a:t>
-            </a:r>
-            <a:r>
-              <a:rPr lang="ko-KR" altLang="en-US" sz="1000" dirty="0" smtClean="0">
-                <a:ln>
-                  <a:solidFill>
-                    <a:schemeClr val="tx1">
-                      <a:alpha val="0"/>
-                    </a:schemeClr>
-                  </a:solidFill>
-                </a:ln>
-                <a:latin typeface="나눔바른고딕OTF" panose="02020603020101020101" pitchFamily="18" charset="-127"/>
-                <a:ea typeface="나눔바른고딕OTF" panose="02020603020101020101" pitchFamily="18" charset="-127"/>
-              </a:rPr>
-              <a:t>만들어졌습니다</a:t>
+              <a:t>이번에 코칭 교재가 너무 잘 만들어졌습니다</a:t>
             </a:r>
             <a:r>
               <a:rPr lang="en-US" altLang="ko-KR" sz="1000" dirty="0" smtClean="0">
@@ -3165,35 +3311,7 @@
                 <a:latin typeface="나눔바른고딕OTF" panose="02020603020101020101" pitchFamily="18" charset="-127"/>
                 <a:ea typeface="나눔바른고딕OTF" panose="02020603020101020101" pitchFamily="18" charset="-127"/>
               </a:rPr>
-              <a:t>꼭 </a:t>
-            </a:r>
-            <a:r>
-              <a:rPr lang="ko-KR" altLang="en-US" sz="1000" dirty="0" smtClean="0">
-                <a:ln>
-                  <a:solidFill>
-                    <a:schemeClr val="tx1">
-                      <a:alpha val="0"/>
-                    </a:schemeClr>
-                  </a:solidFill>
-                </a:ln>
-                <a:latin typeface="나눔바른고딕OTF" panose="02020603020101020101" pitchFamily="18" charset="-127"/>
-                <a:ea typeface="나눔바른고딕OTF" panose="02020603020101020101" pitchFamily="18" charset="-127"/>
-              </a:rPr>
-              <a:t>한 번 보셨으면 하는 </a:t>
-            </a:r>
-            <a:r>
-              <a:rPr lang="ko-KR" altLang="en-US" sz="1000" dirty="0" smtClean="0">
-                <a:ln>
-                  <a:solidFill>
-                    <a:schemeClr val="tx1">
-                      <a:alpha val="0"/>
-                    </a:schemeClr>
-                  </a:solidFill>
-                </a:ln>
-                <a:latin typeface="나눔바른고딕OTF" panose="02020603020101020101" pitchFamily="18" charset="-127"/>
-                <a:ea typeface="나눔바른고딕OTF" panose="02020603020101020101" pitchFamily="18" charset="-127"/>
-              </a:rPr>
-              <a:t>마음에서</a:t>
+              <a:t>꼭 한 번 보셨으면 하는 마음에서</a:t>
             </a:r>
             <a:r>
               <a:rPr lang="en-US" altLang="ko-KR" sz="1000" dirty="0" smtClean="0">
@@ -3221,63 +3339,7 @@
                 <a:latin typeface="나눔바른고딕OTF" panose="02020603020101020101" pitchFamily="18" charset="-127"/>
                 <a:ea typeface="나눔바른고딕OTF" panose="02020603020101020101" pitchFamily="18" charset="-127"/>
               </a:rPr>
-              <a:t>교재를 </a:t>
-            </a:r>
-            <a:r>
-              <a:rPr lang="ko-KR" altLang="en-US" sz="1000" dirty="0" smtClean="0">
-                <a:ln>
-                  <a:solidFill>
-                    <a:schemeClr val="tx1">
-                      <a:alpha val="0"/>
-                    </a:schemeClr>
-                  </a:solidFill>
-                </a:ln>
-                <a:latin typeface="나눔바른고딕OTF" panose="02020603020101020101" pitchFamily="18" charset="-127"/>
-                <a:ea typeface="나눔바른고딕OTF" panose="02020603020101020101" pitchFamily="18" charset="-127"/>
-              </a:rPr>
-              <a:t>한 </a:t>
-            </a:r>
-            <a:r>
-              <a:rPr lang="ko-KR" altLang="en-US" sz="1000" dirty="0" smtClean="0">
-                <a:ln>
-                  <a:solidFill>
-                    <a:schemeClr val="tx1">
-                      <a:alpha val="0"/>
-                    </a:schemeClr>
-                  </a:solidFill>
-                </a:ln>
-                <a:latin typeface="나눔바른고딕OTF" panose="02020603020101020101" pitchFamily="18" charset="-127"/>
-                <a:ea typeface="나눔바른고딕OTF" panose="02020603020101020101" pitchFamily="18" charset="-127"/>
-              </a:rPr>
-              <a:t>권 </a:t>
-            </a:r>
-            <a:r>
-              <a:rPr lang="ko-KR" altLang="en-US" sz="1000" dirty="0" smtClean="0">
-                <a:ln>
-                  <a:solidFill>
-                    <a:schemeClr val="tx1">
-                      <a:alpha val="0"/>
-                    </a:schemeClr>
-                  </a:solidFill>
-                </a:ln>
-                <a:latin typeface="나눔바른고딕OTF" panose="02020603020101020101" pitchFamily="18" charset="-127"/>
-                <a:ea typeface="나눔바른고딕OTF" panose="02020603020101020101" pitchFamily="18" charset="-127"/>
-              </a:rPr>
-              <a:t>더 </a:t>
-            </a:r>
-            <a:r>
-              <a:rPr lang="ko-KR" altLang="en-US" sz="1000" dirty="0" smtClean="0">
-                <a:ln>
-                  <a:solidFill>
-                    <a:schemeClr val="tx1">
-                      <a:alpha val="0"/>
-                    </a:schemeClr>
-                  </a:solidFill>
-                </a:ln>
-                <a:latin typeface="나눔바른고딕OTF" panose="02020603020101020101" pitchFamily="18" charset="-127"/>
-                <a:ea typeface="나눔바른고딕OTF" panose="02020603020101020101" pitchFamily="18" charset="-127"/>
-              </a:rPr>
-              <a:t>넣었습니다</a:t>
+              <a:t>교재를 한 권 더 넣었습니다</a:t>
             </a:r>
             <a:r>
               <a:rPr lang="en-US" altLang="ko-KR" sz="1000" dirty="0" smtClean="0">
@@ -3330,35 +3392,7 @@
                 <a:latin typeface="나눔바른고딕OTF" panose="02020603020101020101" pitchFamily="18" charset="-127"/>
                 <a:ea typeface="나눔바른고딕OTF" panose="02020603020101020101" pitchFamily="18" charset="-127"/>
               </a:rPr>
-              <a:t>교재와 같이 </a:t>
-            </a:r>
-            <a:r>
-              <a:rPr lang="ko-KR" altLang="en-US" sz="1000" dirty="0" smtClean="0">
-                <a:ln>
-                  <a:solidFill>
-                    <a:schemeClr val="tx1">
-                      <a:alpha val="0"/>
-                    </a:schemeClr>
-                  </a:solidFill>
-                </a:ln>
-                <a:latin typeface="나눔바른고딕OTF" panose="02020603020101020101" pitchFamily="18" charset="-127"/>
-                <a:ea typeface="나눔바른고딕OTF" panose="02020603020101020101" pitchFamily="18" charset="-127"/>
-              </a:rPr>
-              <a:t>공부해 보실 </a:t>
-            </a:r>
-            <a:r>
-              <a:rPr lang="ko-KR" altLang="en-US" sz="1000" dirty="0" smtClean="0">
-                <a:ln>
-                  <a:solidFill>
-                    <a:schemeClr val="tx1">
-                      <a:alpha val="0"/>
-                    </a:schemeClr>
-                  </a:solidFill>
-                </a:ln>
-                <a:latin typeface="나눔바른고딕OTF" panose="02020603020101020101" pitchFamily="18" charset="-127"/>
-                <a:ea typeface="나눔바른고딕OTF" panose="02020603020101020101" pitchFamily="18" charset="-127"/>
-              </a:rPr>
-              <a:t>수 있도록 </a:t>
+              <a:t>교재와 같이 공부해 보실 수 있도록 </a:t>
             </a:r>
             <a:r>
               <a:rPr lang="en-US" altLang="ko-KR" sz="1000" dirty="0" smtClean="0">
@@ -3369,6 +3403,9 @@
                     </a:schemeClr>
                   </a:solidFill>
                 </a:ln>
+                <a:solidFill>
+                  <a:schemeClr val="bg1"/>
+                </a:solidFill>
                 <a:latin typeface="나눔바른고딕OTF" panose="02020603020101020101" pitchFamily="18" charset="-127"/>
                 <a:ea typeface="나눔바른고딕OTF" panose="02020603020101020101" pitchFamily="18" charset="-127"/>
               </a:rPr>
@@ -3389,20 +3426,6 @@
               <a:t>까지 체험 가능한 </a:t>
             </a:r>
             <a:r>
-              <a:rPr lang="ko-KR" altLang="en-US" sz="1000" dirty="0" err="1" smtClean="0">
-                <a:ln>
-                  <a:solidFill>
-                    <a:schemeClr val="tx1">
-                      <a:alpha val="0"/>
-                    </a:schemeClr>
-                  </a:solidFill>
-                </a:ln>
-                <a:latin typeface="나눔바른고딕OTF" panose="02020603020101020101" pitchFamily="18" charset="-127"/>
-                <a:ea typeface="나눔바른고딕OTF" panose="02020603020101020101" pitchFamily="18" charset="-127"/>
-              </a:rPr>
-              <a:t>수강권도</a:t>
-            </a:r>
-            <a:r>
               <a:rPr lang="ko-KR" altLang="en-US" sz="1000" dirty="0" smtClean="0">
                 <a:ln>
                   <a:solidFill>
@@ -3414,7 +3437,21 @@
                 <a:latin typeface="나눔바른고딕OTF" panose="02020603020101020101" pitchFamily="18" charset="-127"/>
                 <a:ea typeface="나눔바른고딕OTF" panose="02020603020101020101" pitchFamily="18" charset="-127"/>
               </a:rPr>
-              <a:t> 함께 넣어드렸습니다</a:t>
+              <a:t>이용권도 </a:t>
+            </a:r>
+            <a:r>
+              <a:rPr lang="ko-KR" altLang="en-US" sz="1000" dirty="0" smtClean="0">
+                <a:ln>
+                  <a:solidFill>
+                    <a:schemeClr val="tx1">
+                      <a:alpha val="0"/>
+                    </a:schemeClr>
+                  </a:solidFill>
+                </a:ln>
+                <a:latin typeface="나눔바른고딕OTF" panose="02020603020101020101" pitchFamily="18" charset="-127"/>
+                <a:ea typeface="나눔바른고딕OTF" panose="02020603020101020101" pitchFamily="18" charset="-127"/>
+              </a:rPr>
+              <a:t>함께 넣어드렸습니다</a:t>
             </a:r>
             <a:r>
               <a:rPr lang="en-US" altLang="ko-KR" sz="1000" dirty="0" smtClean="0">
@@ -3449,21 +3486,7 @@
                 <a:latin typeface="나눔바른고딕OTF" panose="02020603020101020101" pitchFamily="18" charset="-127"/>
                 <a:ea typeface="나눔바른고딕OTF" panose="02020603020101020101" pitchFamily="18" charset="-127"/>
               </a:rPr>
-              <a:t>모쪼록 잘 활용하셨으면 </a:t>
-            </a:r>
-            <a:r>
-              <a:rPr lang="ko-KR" altLang="en-US" sz="1000" dirty="0" smtClean="0">
-                <a:ln>
-                  <a:solidFill>
-                    <a:schemeClr val="tx1">
-                      <a:alpha val="0"/>
-                    </a:schemeClr>
-                  </a:solidFill>
-                </a:ln>
-                <a:latin typeface="나눔바른고딕OTF" panose="02020603020101020101" pitchFamily="18" charset="-127"/>
-                <a:ea typeface="나눔바른고딕OTF" panose="02020603020101020101" pitchFamily="18" charset="-127"/>
-              </a:rPr>
-              <a:t>좋겠습니다</a:t>
+              <a:t>모쪼록 잘 활용하셨으면 좋겠습니다</a:t>
             </a:r>
             <a:r>
               <a:rPr lang="en-US" altLang="ko-KR" sz="1000" dirty="0" smtClean="0">
@@ -3479,17 +3502,6 @@
               </a:rPr>
               <a:t>.</a:t>
             </a:r>
-            <a:endParaRPr lang="en-US" altLang="ko-KR" sz="1000" dirty="0" smtClean="0">
-              <a:ln>
-                <a:solidFill>
-                  <a:schemeClr val="tx1">
-                    <a:alpha val="0"/>
-                  </a:schemeClr>
-                </a:solidFill>
-              </a:ln>
-              <a:latin typeface="나눔바른고딕OTF" panose="02020603020101020101" pitchFamily="18" charset="-127"/>
-              <a:ea typeface="나눔바른고딕OTF" panose="02020603020101020101" pitchFamily="18" charset="-127"/>
-            </a:endParaRPr>
           </a:p>
           <a:p>
             <a:pPr>
@@ -3559,20 +3571,20 @@
       </p:sp>
       <p:sp>
         <p:nvSpPr>
-          <p:cNvPr id="5" name="직사각형 4"/>
+          <p:cNvPr id="6" name="직사각형 5"/>
           <p:cNvSpPr/>
           <p:nvPr/>
         </p:nvSpPr>
         <p:spPr>
           <a:xfrm>
-            <a:off x="246020" y="230736"/>
-            <a:ext cx="6365959" cy="9426011"/>
+            <a:off x="179462" y="153825"/>
+            <a:ext cx="6509431" cy="9579835"/>
           </a:xfrm>
           <a:prstGeom prst="rect">
             <a:avLst/>
           </a:prstGeom>
           <a:noFill/>
-          <a:ln w="12700">
+          <a:ln w="22225" cmpd="dbl">
             <a:solidFill>
               <a:schemeClr val="bg2">
                 <a:lumMod val="90000"/>
@@ -3607,62 +3619,14 @@
       </p:sp>
       <p:sp>
         <p:nvSpPr>
-          <p:cNvPr id="6" name="직사각형 5"/>
-          <p:cNvSpPr/>
-          <p:nvPr/>
-        </p:nvSpPr>
-        <p:spPr>
-          <a:xfrm>
-            <a:off x="179462" y="153825"/>
-            <a:ext cx="6509431" cy="9579835"/>
-          </a:xfrm>
-          <a:prstGeom prst="rect">
-            <a:avLst/>
-          </a:prstGeom>
-          <a:noFill/>
-          <a:ln w="12700">
-            <a:solidFill>
-              <a:schemeClr val="bg2">
-                <a:lumMod val="90000"/>
-              </a:schemeClr>
-            </a:solidFill>
-          </a:ln>
-        </p:spPr>
-        <p:style>
-          <a:lnRef idx="2">
-            <a:schemeClr val="accent1">
-              <a:shade val="50000"/>
-            </a:schemeClr>
-          </a:lnRef>
-          <a:fillRef idx="1">
-            <a:schemeClr val="accent1"/>
-          </a:fillRef>
-          <a:effectRef idx="0">
-            <a:schemeClr val="accent1"/>
-          </a:effectRef>
-          <a:fontRef idx="minor">
-            <a:schemeClr val="lt1"/>
-          </a:fontRef>
-        </p:style>
-        <p:txBody>
-          <a:bodyPr rtlCol="0" anchor="ctr"/>
-          <a:lstStyle/>
-          <a:p>
-            <a:pPr algn="ctr"/>
-            <a:endParaRPr lang="ko-KR" altLang="en-US"/>
-          </a:p>
-        </p:txBody>
-      </p:sp>
-      <p:sp>
-        <p:nvSpPr>
           <p:cNvPr id="7" name="TextBox 6"/>
           <p:cNvSpPr txBox="1"/>
           <p:nvPr/>
         </p:nvSpPr>
         <p:spPr>
           <a:xfrm>
-            <a:off x="556183" y="3706756"/>
-            <a:ext cx="5750614" cy="534762"/>
+            <a:off x="684482" y="3756234"/>
+            <a:ext cx="3543377" cy="303929"/>
           </a:xfrm>
           <a:prstGeom prst="rect">
             <a:avLst/>
@@ -3674,52 +3638,6 @@
             <a:spAutoFit/>
           </a:bodyPr>
           <a:lstStyle/>
-          <a:p>
-            <a:pPr>
-              <a:lnSpc>
-                <a:spcPct val="150000"/>
-              </a:lnSpc>
-            </a:pPr>
-            <a:r>
-              <a:rPr lang="ko-KR" altLang="en-US" sz="1000" b="1" dirty="0" err="1" smtClean="0">
-                <a:ln>
-                  <a:solidFill>
-                    <a:schemeClr val="tx1">
-                      <a:alpha val="0"/>
-                    </a:schemeClr>
-                  </a:solidFill>
-                </a:ln>
-                <a:latin typeface="나눔바른고딕OTF" panose="02020603020101020101" pitchFamily="18" charset="-127"/>
-                <a:ea typeface="나눔바른고딕OTF" panose="02020603020101020101" pitchFamily="18" charset="-127"/>
-              </a:rPr>
-              <a:t>수강권</a:t>
-            </a:r>
-            <a:r>
-              <a:rPr lang="ko-KR" altLang="en-US" sz="1000" b="1" dirty="0" smtClean="0">
-                <a:ln>
-                  <a:solidFill>
-                    <a:schemeClr val="tx1">
-                      <a:alpha val="0"/>
-                    </a:schemeClr>
-                  </a:solidFill>
-                </a:ln>
-                <a:latin typeface="나눔바른고딕OTF" panose="02020603020101020101" pitchFamily="18" charset="-127"/>
-                <a:ea typeface="나눔바른고딕OTF" panose="02020603020101020101" pitchFamily="18" charset="-127"/>
-              </a:rPr>
-              <a:t> 등록 방법</a:t>
-            </a:r>
-            <a:endParaRPr lang="en-US" altLang="ko-KR" sz="1000" b="1" dirty="0" smtClean="0">
-              <a:ln>
-                <a:solidFill>
-                  <a:schemeClr val="tx1">
-                    <a:alpha val="0"/>
-                  </a:schemeClr>
-                </a:solidFill>
-              </a:ln>
-              <a:latin typeface="나눔바른고딕OTF" panose="02020603020101020101" pitchFamily="18" charset="-127"/>
-              <a:ea typeface="나눔바른고딕OTF" panose="02020603020101020101" pitchFamily="18" charset="-127"/>
-            </a:endParaRPr>
-          </a:p>
           <a:p>
             <a:pPr>
               <a:lnSpc>
@@ -3797,6 +3715,20 @@
               <a:t>&gt; </a:t>
             </a:r>
             <a:r>
+              <a:rPr lang="ko-KR" altLang="en-US" sz="1000" dirty="0" err="1" smtClean="0">
+                <a:ln>
+                  <a:solidFill>
+                    <a:schemeClr val="tx1">
+                      <a:alpha val="0"/>
+                    </a:schemeClr>
+                  </a:solidFill>
+                </a:ln>
+                <a:latin typeface="나눔바른고딕OTF" panose="02020603020101020101" pitchFamily="18" charset="-127"/>
+                <a:ea typeface="나눔바른고딕OTF" panose="02020603020101020101" pitchFamily="18" charset="-127"/>
+              </a:rPr>
+              <a:t>코칭앱</a:t>
+            </a:r>
+            <a:r>
               <a:rPr lang="ko-KR" altLang="en-US" sz="1000" dirty="0" smtClean="0">
                 <a:ln>
                   <a:solidFill>
@@ -3808,7 +3740,21 @@
                 <a:latin typeface="나눔바른고딕OTF" panose="02020603020101020101" pitchFamily="18" charset="-127"/>
                 <a:ea typeface="나눔바른고딕OTF" panose="02020603020101020101" pitchFamily="18" charset="-127"/>
               </a:rPr>
-              <a:t>코칭 이용권 </a:t>
+              <a:t> 체험 </a:t>
+            </a:r>
+            <a:r>
+              <a:rPr lang="ko-KR" altLang="en-US" sz="1000" dirty="0" smtClean="0">
+                <a:ln>
+                  <a:solidFill>
+                    <a:schemeClr val="tx1">
+                      <a:alpha val="0"/>
+                    </a:schemeClr>
+                  </a:solidFill>
+                </a:ln>
+                <a:latin typeface="나눔바른고딕OTF" panose="02020603020101020101" pitchFamily="18" charset="-127"/>
+                <a:ea typeface="나눔바른고딕OTF" panose="02020603020101020101" pitchFamily="18" charset="-127"/>
+              </a:rPr>
+              <a:t>이용권 </a:t>
             </a:r>
             <a:r>
               <a:rPr lang="en-US" altLang="ko-KR" sz="1000" dirty="0" smtClean="0">
@@ -3822,91 +3768,8 @@
                 <a:latin typeface="나눔바른고딕OTF" panose="02020603020101020101" pitchFamily="18" charset="-127"/>
                 <a:ea typeface="나눔바른고딕OTF" panose="02020603020101020101" pitchFamily="18" charset="-127"/>
               </a:rPr>
-              <a:t>(</a:t>
-            </a:r>
-            <a:r>
-              <a:rPr lang="ko-KR" altLang="en-US" sz="1000" dirty="0" smtClean="0">
-                <a:ln>
-                  <a:solidFill>
-                    <a:schemeClr val="tx1">
-                      <a:alpha val="0"/>
-                    </a:schemeClr>
-                  </a:solidFill>
-                </a:ln>
-                <a:latin typeface="나눔바른고딕OTF" panose="02020603020101020101" pitchFamily="18" charset="-127"/>
-                <a:ea typeface="나눔바른고딕OTF" panose="02020603020101020101" pitchFamily="18" charset="-127"/>
-              </a:rPr>
-              <a:t>맞나요</a:t>
-            </a:r>
-            <a:r>
-              <a:rPr lang="en-US" altLang="ko-KR" sz="1000" dirty="0" smtClean="0">
-                <a:ln>
-                  <a:solidFill>
-                    <a:schemeClr val="tx1">
-                      <a:alpha val="0"/>
-                    </a:schemeClr>
-                  </a:solidFill>
-                </a:ln>
-                <a:latin typeface="나눔바른고딕OTF" panose="02020603020101020101" pitchFamily="18" charset="-127"/>
-                <a:ea typeface="나눔바른고딕OTF" panose="02020603020101020101" pitchFamily="18" charset="-127"/>
-              </a:rPr>
-              <a:t>?) &gt; </a:t>
-            </a:r>
-            <a:r>
-              <a:rPr lang="ko-KR" altLang="en-US" sz="1000" dirty="0" smtClean="0">
-                <a:ln>
-                  <a:solidFill>
-                    <a:schemeClr val="tx1">
-                      <a:alpha val="0"/>
-                    </a:schemeClr>
-                  </a:solidFill>
-                </a:ln>
-                <a:latin typeface="나눔바른고딕OTF" panose="02020603020101020101" pitchFamily="18" charset="-127"/>
-                <a:ea typeface="나눔바른고딕OTF" panose="02020603020101020101" pitchFamily="18" charset="-127"/>
-              </a:rPr>
-              <a:t>이용권 등록</a:t>
-            </a:r>
-            <a:endParaRPr lang="ko-KR" altLang="en-US" sz="1000" dirty="0">
-              <a:ln>
-                <a:solidFill>
-                  <a:schemeClr val="tx1">
-                    <a:alpha val="0"/>
-                  </a:schemeClr>
-                </a:solidFill>
-              </a:ln>
-              <a:latin typeface="나눔바른고딕OTF" panose="02020603020101020101" pitchFamily="18" charset="-127"/>
-              <a:ea typeface="나눔바른고딕OTF" panose="02020603020101020101" pitchFamily="18" charset="-127"/>
-            </a:endParaRPr>
-          </a:p>
-        </p:txBody>
-      </p:sp>
-      <p:sp>
-        <p:nvSpPr>
-          <p:cNvPr id="8" name="TextBox 7"/>
-          <p:cNvSpPr txBox="1"/>
-          <p:nvPr/>
-        </p:nvSpPr>
-        <p:spPr>
-          <a:xfrm>
-            <a:off x="556183" y="4573437"/>
-            <a:ext cx="5750614" cy="534762"/>
-          </a:xfrm>
-          <a:prstGeom prst="rect">
-            <a:avLst/>
-          </a:prstGeom>
-          <a:noFill/>
-        </p:spPr>
-        <p:txBody>
-          <a:bodyPr wrap="square" rtlCol="0">
-            <a:spAutoFit/>
-          </a:bodyPr>
-          <a:lstStyle/>
-          <a:p>
-            <a:pPr>
-              <a:lnSpc>
-                <a:spcPct val="150000"/>
-              </a:lnSpc>
-            </a:pPr>
+              <a:t>&gt; </a:t>
+            </a:r>
             <a:r>
               <a:rPr lang="ko-KR" altLang="en-US" sz="1000" b="1" dirty="0" smtClean="0">
                 <a:ln>
@@ -3919,9 +3782,9 @@
                 <a:latin typeface="나눔바른고딕OTF" panose="02020603020101020101" pitchFamily="18" charset="-127"/>
                 <a:ea typeface="나눔바른고딕OTF" panose="02020603020101020101" pitchFamily="18" charset="-127"/>
               </a:rPr>
-              <a:t>수강 방법</a:t>
-            </a:r>
-            <a:endParaRPr lang="en-US" altLang="ko-KR" sz="1000" b="1" dirty="0" smtClean="0">
+              <a:t>사용하기</a:t>
+            </a:r>
+            <a:endParaRPr lang="ko-KR" altLang="en-US" sz="1000" b="1" dirty="0">
               <a:ln>
                 <a:solidFill>
                   <a:schemeClr val="tx1">
@@ -3933,6 +3796,29 @@
               <a:ea typeface="나눔바른고딕OTF" panose="02020603020101020101" pitchFamily="18" charset="-127"/>
             </a:endParaRPr>
           </a:p>
+        </p:txBody>
+      </p:sp>
+      <p:sp>
+        <p:nvSpPr>
+          <p:cNvPr id="8" name="TextBox 7"/>
+          <p:cNvSpPr txBox="1"/>
+          <p:nvPr/>
+        </p:nvSpPr>
+        <p:spPr>
+          <a:xfrm>
+            <a:off x="753062" y="6287795"/>
+            <a:ext cx="3819264" cy="323165"/>
+          </a:xfrm>
+          <a:prstGeom prst="rect">
+            <a:avLst/>
+          </a:prstGeom>
+          <a:noFill/>
+        </p:spPr>
+        <p:txBody>
+          <a:bodyPr wrap="square" rtlCol="0">
+            <a:spAutoFit/>
+          </a:bodyPr>
+          <a:lstStyle/>
           <a:p>
             <a:pPr>
               <a:lnSpc>
@@ -4021,7 +3907,91 @@
                 <a:latin typeface="나눔바른고딕OTF" panose="02020603020101020101" pitchFamily="18" charset="-127"/>
                 <a:ea typeface="나눔바른고딕OTF" panose="02020603020101020101" pitchFamily="18" charset="-127"/>
               </a:rPr>
-              <a:t>해당 과목 선택 후 수강</a:t>
+              <a:t>프라이빗노트 </a:t>
+            </a:r>
+            <a:r>
+              <a:rPr lang="ko-KR" altLang="en-US" sz="1000" dirty="0" err="1" smtClean="0">
+                <a:ln>
+                  <a:solidFill>
+                    <a:schemeClr val="tx1">
+                      <a:alpha val="0"/>
+                    </a:schemeClr>
+                  </a:solidFill>
+                </a:ln>
+                <a:latin typeface="나눔바른고딕OTF" panose="02020603020101020101" pitchFamily="18" charset="-127"/>
+                <a:ea typeface="나눔바른고딕OTF" panose="02020603020101020101" pitchFamily="18" charset="-127"/>
+              </a:rPr>
+              <a:t>코칭앱</a:t>
+            </a:r>
+            <a:r>
+              <a:rPr lang="ko-KR" altLang="en-US" sz="1000" dirty="0" smtClean="0">
+                <a:ln>
+                  <a:solidFill>
+                    <a:schemeClr val="tx1">
+                      <a:alpha val="0"/>
+                    </a:schemeClr>
+                  </a:solidFill>
+                </a:ln>
+                <a:latin typeface="나눔바른고딕OTF" panose="02020603020101020101" pitchFamily="18" charset="-127"/>
+                <a:ea typeface="나눔바른고딕OTF" panose="02020603020101020101" pitchFamily="18" charset="-127"/>
+              </a:rPr>
+              <a:t> 체험 </a:t>
+            </a:r>
+            <a:r>
+              <a:rPr lang="en-US" altLang="ko-KR" sz="1000" dirty="0" smtClean="0">
+                <a:ln>
+                  <a:solidFill>
+                    <a:schemeClr val="tx1">
+                      <a:alpha val="0"/>
+                    </a:schemeClr>
+                  </a:solidFill>
+                </a:ln>
+                <a:latin typeface="나눔바른고딕OTF" panose="02020603020101020101" pitchFamily="18" charset="-127"/>
+                <a:ea typeface="나눔바른고딕OTF" panose="02020603020101020101" pitchFamily="18" charset="-127"/>
+              </a:rPr>
+              <a:t>&gt; </a:t>
+            </a:r>
+            <a:r>
+              <a:rPr lang="ko-KR" altLang="en-US" sz="1000" b="1" dirty="0" smtClean="0">
+                <a:ln>
+                  <a:solidFill>
+                    <a:schemeClr val="tx1">
+                      <a:alpha val="0"/>
+                    </a:schemeClr>
+                  </a:solidFill>
+                </a:ln>
+                <a:latin typeface="나눔바른고딕OTF" panose="02020603020101020101" pitchFamily="18" charset="-127"/>
+                <a:ea typeface="나눔바른고딕OTF" panose="02020603020101020101" pitchFamily="18" charset="-127"/>
+              </a:rPr>
+              <a:t>해당 </a:t>
+            </a:r>
+            <a:r>
+              <a:rPr lang="ko-KR" altLang="en-US" sz="1000" b="1" dirty="0" smtClean="0">
+                <a:ln>
+                  <a:solidFill>
+                    <a:schemeClr val="tx1">
+                      <a:alpha val="0"/>
+                    </a:schemeClr>
+                  </a:solidFill>
+                </a:ln>
+                <a:latin typeface="나눔바른고딕OTF" panose="02020603020101020101" pitchFamily="18" charset="-127"/>
+                <a:ea typeface="나눔바른고딕OTF" panose="02020603020101020101" pitchFamily="18" charset="-127"/>
+              </a:rPr>
+              <a:t>과목 선택</a:t>
+            </a:r>
+            <a:r>
+              <a:rPr lang="ko-KR" altLang="en-US" sz="1000" dirty="0" smtClean="0">
+                <a:ln>
+                  <a:solidFill>
+                    <a:schemeClr val="tx1">
+                      <a:alpha val="0"/>
+                    </a:schemeClr>
+                  </a:solidFill>
+                </a:ln>
+                <a:latin typeface="나눔바른고딕OTF" panose="02020603020101020101" pitchFamily="18" charset="-127"/>
+                <a:ea typeface="나눔바른고딕OTF" panose="02020603020101020101" pitchFamily="18" charset="-127"/>
+              </a:rPr>
+              <a:t> 후 수강</a:t>
             </a:r>
             <a:endParaRPr lang="ko-KR" altLang="en-US" sz="1000" dirty="0">
               <a:ln>
@@ -4059,7 +4029,7 @@
         </p:blipFill>
         <p:spPr>
           <a:xfrm>
-            <a:off x="2927078" y="9285230"/>
+            <a:off x="2927078" y="9179690"/>
             <a:ext cx="850164" cy="221987"/>
           </a:xfrm>
           <a:prstGeom prst="rect">
@@ -4067,6 +4037,792 @@
           </a:prstGeom>
         </p:spPr>
       </p:pic>
+      <p:pic>
+        <p:nvPicPr>
+          <p:cNvPr id="2" name="그림 1"/>
+          <p:cNvPicPr>
+            <a:picLocks noChangeAspect="1"/>
+          </p:cNvPicPr>
+          <p:nvPr/>
+        </p:nvPicPr>
+        <p:blipFill>
+          <a:blip r:embed="rId3"/>
+          <a:stretch>
+            <a:fillRect/>
+          </a:stretch>
+        </p:blipFill>
+        <p:spPr>
+          <a:xfrm>
+            <a:off x="905674" y="6731297"/>
+            <a:ext cx="2474899" cy="1806717"/>
+          </a:xfrm>
+          <a:prstGeom prst="roundRect">
+            <a:avLst>
+              <a:gd name="adj" fmla="val 994"/>
+            </a:avLst>
+          </a:prstGeom>
+          <a:solidFill>
+            <a:srgbClr val="FFFFFF">
+              <a:shade val="85000"/>
+            </a:srgbClr>
+          </a:solidFill>
+          <a:ln>
+            <a:noFill/>
+          </a:ln>
+          <a:effectLst>
+            <a:outerShdw blurRad="50800" dist="12700" dir="2700000" algn="tl" rotWithShape="0">
+              <a:prstClr val="black">
+                <a:alpha val="40000"/>
+              </a:prstClr>
+            </a:outerShdw>
+          </a:effectLst>
+        </p:spPr>
+      </p:pic>
+      <p:pic>
+        <p:nvPicPr>
+          <p:cNvPr id="3" name="그림 2"/>
+          <p:cNvPicPr>
+            <a:picLocks noChangeAspect="1"/>
+          </p:cNvPicPr>
+          <p:nvPr/>
+        </p:nvPicPr>
+        <p:blipFill>
+          <a:blip r:embed="rId4"/>
+          <a:stretch>
+            <a:fillRect/>
+          </a:stretch>
+        </p:blipFill>
+        <p:spPr>
+          <a:xfrm>
+            <a:off x="3892351" y="6731297"/>
+            <a:ext cx="2128706" cy="1806717"/>
+          </a:xfrm>
+          <a:prstGeom prst="roundRect">
+            <a:avLst>
+              <a:gd name="adj" fmla="val 1389"/>
+            </a:avLst>
+          </a:prstGeom>
+          <a:solidFill>
+            <a:srgbClr val="FFFFFF">
+              <a:shade val="85000"/>
+            </a:srgbClr>
+          </a:solidFill>
+          <a:ln>
+            <a:noFill/>
+          </a:ln>
+          <a:effectLst>
+            <a:outerShdw blurRad="50800" dist="12700" dir="2700000" algn="tl" rotWithShape="0">
+              <a:prstClr val="black">
+                <a:alpha val="40000"/>
+              </a:prstClr>
+            </a:outerShdw>
+          </a:effectLst>
+        </p:spPr>
+      </p:pic>
+      <p:sp>
+        <p:nvSpPr>
+          <p:cNvPr id="9" name="이등변 삼각형 8"/>
+          <p:cNvSpPr/>
+          <p:nvPr/>
+        </p:nvSpPr>
+        <p:spPr>
+          <a:xfrm rot="5400000">
+            <a:off x="3372806" y="7542122"/>
+            <a:ext cx="557792" cy="196676"/>
+          </a:xfrm>
+          <a:prstGeom prst="triangle">
+            <a:avLst/>
+          </a:prstGeom>
+          <a:solidFill>
+            <a:schemeClr val="bg1">
+              <a:lumMod val="95000"/>
+            </a:schemeClr>
+          </a:solidFill>
+          <a:ln>
+            <a:noFill/>
+          </a:ln>
+          <a:effectLst>
+            <a:outerShdw blurRad="50800" dist="12700" dir="2700000" algn="tl" rotWithShape="0">
+              <a:prstClr val="black">
+                <a:alpha val="14000"/>
+              </a:prstClr>
+            </a:outerShdw>
+          </a:effectLst>
+        </p:spPr>
+        <p:style>
+          <a:lnRef idx="2">
+            <a:schemeClr val="accent1">
+              <a:shade val="50000"/>
+            </a:schemeClr>
+          </a:lnRef>
+          <a:fillRef idx="1">
+            <a:schemeClr val="accent1"/>
+          </a:fillRef>
+          <a:effectRef idx="0">
+            <a:schemeClr val="accent1"/>
+          </a:effectRef>
+          <a:fontRef idx="minor">
+            <a:schemeClr val="lt1"/>
+          </a:fontRef>
+        </p:style>
+        <p:txBody>
+          <a:bodyPr rtlCol="0" anchor="ctr"/>
+          <a:lstStyle/>
+          <a:p>
+            <a:pPr algn="ctr"/>
+            <a:endParaRPr lang="ko-KR" altLang="en-US"/>
+          </a:p>
+        </p:txBody>
+      </p:sp>
+      <p:sp>
+        <p:nvSpPr>
+          <p:cNvPr id="10" name="모서리가 둥근 직사각형 9"/>
+          <p:cNvSpPr/>
+          <p:nvPr/>
+        </p:nvSpPr>
+        <p:spPr>
+          <a:xfrm>
+            <a:off x="2545560" y="7782468"/>
+            <a:ext cx="807806" cy="728662"/>
+          </a:xfrm>
+          <a:prstGeom prst="roundRect">
+            <a:avLst>
+              <a:gd name="adj" fmla="val 3891"/>
+            </a:avLst>
+          </a:prstGeom>
+          <a:solidFill>
+            <a:schemeClr val="accent4">
+              <a:alpha val="12000"/>
+            </a:schemeClr>
+          </a:solidFill>
+          <a:ln w="28575">
+            <a:solidFill>
+              <a:srgbClr val="C00000">
+                <a:alpha val="50000"/>
+              </a:srgbClr>
+            </a:solidFill>
+          </a:ln>
+        </p:spPr>
+        <p:style>
+          <a:lnRef idx="2">
+            <a:schemeClr val="accent1">
+              <a:shade val="50000"/>
+            </a:schemeClr>
+          </a:lnRef>
+          <a:fillRef idx="1">
+            <a:schemeClr val="accent1"/>
+          </a:fillRef>
+          <a:effectRef idx="0">
+            <a:schemeClr val="accent1"/>
+          </a:effectRef>
+          <a:fontRef idx="minor">
+            <a:schemeClr val="lt1"/>
+          </a:fontRef>
+        </p:style>
+        <p:txBody>
+          <a:bodyPr rtlCol="0" anchor="ctr"/>
+          <a:lstStyle/>
+          <a:p>
+            <a:pPr algn="ctr"/>
+            <a:endParaRPr lang="ko-KR" altLang="en-US"/>
+          </a:p>
+        </p:txBody>
+      </p:sp>
+      <p:sp>
+        <p:nvSpPr>
+          <p:cNvPr id="11" name="위쪽 화살표 10"/>
+          <p:cNvSpPr/>
+          <p:nvPr/>
+        </p:nvSpPr>
+        <p:spPr>
+          <a:xfrm rot="18900000">
+            <a:off x="3184724" y="8113647"/>
+            <a:ext cx="89300" cy="151704"/>
+          </a:xfrm>
+          <a:prstGeom prst="upArrow">
+            <a:avLst>
+              <a:gd name="adj1" fmla="val 15179"/>
+              <a:gd name="adj2" fmla="val 114248"/>
+            </a:avLst>
+          </a:prstGeom>
+          <a:solidFill>
+            <a:schemeClr val="bg1"/>
+          </a:solidFill>
+          <a:ln w="9525">
+            <a:solidFill>
+              <a:schemeClr val="tx1">
+                <a:lumMod val="50000"/>
+                <a:lumOff val="50000"/>
+                <a:alpha val="65000"/>
+              </a:schemeClr>
+            </a:solidFill>
+          </a:ln>
+          <a:effectLst>
+            <a:outerShdw blurRad="50800" dist="38100" dir="2700000" algn="tl" rotWithShape="0">
+              <a:prstClr val="black">
+                <a:alpha val="40000"/>
+              </a:prstClr>
+            </a:outerShdw>
+          </a:effectLst>
+        </p:spPr>
+        <p:style>
+          <a:lnRef idx="2">
+            <a:schemeClr val="accent1">
+              <a:shade val="50000"/>
+            </a:schemeClr>
+          </a:lnRef>
+          <a:fillRef idx="1">
+            <a:schemeClr val="accent1"/>
+          </a:fillRef>
+          <a:effectRef idx="0">
+            <a:schemeClr val="accent1"/>
+          </a:effectRef>
+          <a:fontRef idx="minor">
+            <a:schemeClr val="lt1"/>
+          </a:fontRef>
+        </p:style>
+        <p:txBody>
+          <a:bodyPr rtlCol="0" anchor="ctr"/>
+          <a:lstStyle/>
+          <a:p>
+            <a:pPr algn="ctr"/>
+            <a:endParaRPr lang="ko-KR" altLang="en-US"/>
+          </a:p>
+        </p:txBody>
+      </p:sp>
+      <p:grpSp>
+        <p:nvGrpSpPr>
+          <p:cNvPr id="20" name="그룹 19"/>
+          <p:cNvGrpSpPr/>
+          <p:nvPr/>
+        </p:nvGrpSpPr>
+        <p:grpSpPr>
+          <a:xfrm>
+            <a:off x="821642" y="5938050"/>
+            <a:ext cx="1447877" cy="303929"/>
+            <a:chOff x="624763" y="5806906"/>
+            <a:chExt cx="1447877" cy="303929"/>
+          </a:xfrm>
+        </p:grpSpPr>
+        <p:sp>
+          <p:nvSpPr>
+            <p:cNvPr id="14" name="모서리가 둥근 직사각형 13"/>
+            <p:cNvSpPr/>
+            <p:nvPr/>
+          </p:nvSpPr>
+          <p:spPr>
+            <a:xfrm>
+              <a:off x="624763" y="5852160"/>
+              <a:ext cx="1447877" cy="254387"/>
+            </a:xfrm>
+            <a:prstGeom prst="roundRect">
+              <a:avLst>
+                <a:gd name="adj" fmla="val 50000"/>
+              </a:avLst>
+            </a:prstGeom>
+            <a:solidFill>
+              <a:schemeClr val="tx1">
+                <a:lumMod val="65000"/>
+                <a:lumOff val="35000"/>
+              </a:schemeClr>
+            </a:solidFill>
+            <a:ln>
+              <a:noFill/>
+            </a:ln>
+            <a:effectLst>
+              <a:outerShdw blurRad="38100" dist="12700" dir="2700000" algn="tl" rotWithShape="0">
+                <a:prstClr val="black">
+                  <a:alpha val="29000"/>
+                </a:prstClr>
+              </a:outerShdw>
+            </a:effectLst>
+          </p:spPr>
+          <p:style>
+            <a:lnRef idx="2">
+              <a:schemeClr val="accent1">
+                <a:shade val="50000"/>
+              </a:schemeClr>
+            </a:lnRef>
+            <a:fillRef idx="1">
+              <a:schemeClr val="accent1"/>
+            </a:fillRef>
+            <a:effectRef idx="0">
+              <a:schemeClr val="accent1"/>
+            </a:effectRef>
+            <a:fontRef idx="minor">
+              <a:schemeClr val="lt1"/>
+            </a:fontRef>
+          </p:style>
+          <p:txBody>
+            <a:bodyPr rtlCol="0" anchor="ctr"/>
+            <a:lstStyle/>
+            <a:p>
+              <a:pPr algn="ctr"/>
+              <a:endParaRPr lang="ko-KR" altLang="en-US"/>
+            </a:p>
+          </p:txBody>
+        </p:sp>
+        <p:sp>
+          <p:nvSpPr>
+            <p:cNvPr id="15" name="직사각형 14"/>
+            <p:cNvSpPr/>
+            <p:nvPr/>
+          </p:nvSpPr>
+          <p:spPr>
+            <a:xfrm>
+              <a:off x="1014314" y="5806906"/>
+              <a:ext cx="668773" cy="303929"/>
+            </a:xfrm>
+            <a:prstGeom prst="rect">
+              <a:avLst/>
+            </a:prstGeom>
+          </p:spPr>
+          <p:txBody>
+            <a:bodyPr wrap="none">
+              <a:spAutoFit/>
+            </a:bodyPr>
+            <a:lstStyle/>
+            <a:p>
+              <a:pPr>
+                <a:lnSpc>
+                  <a:spcPct val="150000"/>
+                </a:lnSpc>
+              </a:pPr>
+              <a:r>
+                <a:rPr lang="ko-KR" altLang="en-US" sz="1000" b="1" dirty="0">
+                  <a:ln>
+                    <a:solidFill>
+                      <a:schemeClr val="tx1">
+                        <a:alpha val="0"/>
+                      </a:schemeClr>
+                    </a:solidFill>
+                  </a:ln>
+                  <a:solidFill>
+                    <a:schemeClr val="bg1"/>
+                  </a:solidFill>
+                  <a:latin typeface="나눔바른고딕OTF" panose="02020603020101020101" pitchFamily="18" charset="-127"/>
+                  <a:ea typeface="나눔바른고딕OTF" panose="02020603020101020101" pitchFamily="18" charset="-127"/>
+                </a:rPr>
+                <a:t>수강 방법</a:t>
+              </a:r>
+              <a:endParaRPr lang="en-US" altLang="ko-KR" sz="1000" b="1" dirty="0">
+                <a:ln>
+                  <a:solidFill>
+                    <a:schemeClr val="tx1">
+                      <a:alpha val="0"/>
+                    </a:schemeClr>
+                  </a:solidFill>
+                </a:ln>
+                <a:solidFill>
+                  <a:schemeClr val="bg1"/>
+                </a:solidFill>
+                <a:latin typeface="나눔바른고딕OTF" panose="02020603020101020101" pitchFamily="18" charset="-127"/>
+                <a:ea typeface="나눔바른고딕OTF" panose="02020603020101020101" pitchFamily="18" charset="-127"/>
+              </a:endParaRPr>
+            </a:p>
+          </p:txBody>
+        </p:sp>
+      </p:grpSp>
+      <p:grpSp>
+        <p:nvGrpSpPr>
+          <p:cNvPr id="19" name="그룹 18"/>
+          <p:cNvGrpSpPr/>
+          <p:nvPr/>
+        </p:nvGrpSpPr>
+        <p:grpSpPr>
+          <a:xfrm>
+            <a:off x="753062" y="3441602"/>
+            <a:ext cx="1447877" cy="323165"/>
+            <a:chOff x="624763" y="3457395"/>
+            <a:chExt cx="1447877" cy="323165"/>
+          </a:xfrm>
+        </p:grpSpPr>
+        <p:sp>
+          <p:nvSpPr>
+            <p:cNvPr id="17" name="모서리가 둥근 직사각형 16"/>
+            <p:cNvSpPr/>
+            <p:nvPr/>
+          </p:nvSpPr>
+          <p:spPr>
+            <a:xfrm>
+              <a:off x="624763" y="3502649"/>
+              <a:ext cx="1447877" cy="254387"/>
+            </a:xfrm>
+            <a:prstGeom prst="roundRect">
+              <a:avLst>
+                <a:gd name="adj" fmla="val 50000"/>
+              </a:avLst>
+            </a:prstGeom>
+            <a:solidFill>
+              <a:schemeClr val="tx1">
+                <a:lumMod val="65000"/>
+                <a:lumOff val="35000"/>
+              </a:schemeClr>
+            </a:solidFill>
+            <a:ln>
+              <a:noFill/>
+            </a:ln>
+            <a:effectLst>
+              <a:outerShdw blurRad="38100" dist="12700" dir="2700000" algn="tl" rotWithShape="0">
+                <a:prstClr val="black">
+                  <a:alpha val="29000"/>
+                </a:prstClr>
+              </a:outerShdw>
+            </a:effectLst>
+          </p:spPr>
+          <p:style>
+            <a:lnRef idx="2">
+              <a:schemeClr val="accent1">
+                <a:shade val="50000"/>
+              </a:schemeClr>
+            </a:lnRef>
+            <a:fillRef idx="1">
+              <a:schemeClr val="accent1"/>
+            </a:fillRef>
+            <a:effectRef idx="0">
+              <a:schemeClr val="accent1"/>
+            </a:effectRef>
+            <a:fontRef idx="minor">
+              <a:schemeClr val="lt1"/>
+            </a:fontRef>
+          </p:style>
+          <p:txBody>
+            <a:bodyPr rtlCol="0" anchor="ctr"/>
+            <a:lstStyle/>
+            <a:p>
+              <a:pPr algn="ctr"/>
+              <a:endParaRPr lang="ko-KR" altLang="en-US"/>
+            </a:p>
+          </p:txBody>
+        </p:sp>
+        <p:sp>
+          <p:nvSpPr>
+            <p:cNvPr id="18" name="직사각형 17"/>
+            <p:cNvSpPr/>
+            <p:nvPr/>
+          </p:nvSpPr>
+          <p:spPr>
+            <a:xfrm>
+              <a:off x="829166" y="3457395"/>
+              <a:ext cx="1039067" cy="323165"/>
+            </a:xfrm>
+            <a:prstGeom prst="rect">
+              <a:avLst/>
+            </a:prstGeom>
+          </p:spPr>
+          <p:txBody>
+            <a:bodyPr wrap="none">
+              <a:spAutoFit/>
+            </a:bodyPr>
+            <a:lstStyle/>
+            <a:p>
+              <a:pPr>
+                <a:lnSpc>
+                  <a:spcPct val="150000"/>
+                </a:lnSpc>
+              </a:pPr>
+              <a:r>
+                <a:rPr lang="ko-KR" altLang="en-US" sz="1000" b="1" smtClean="0">
+                  <a:ln>
+                    <a:solidFill>
+                      <a:schemeClr val="tx1">
+                        <a:alpha val="0"/>
+                      </a:schemeClr>
+                    </a:solidFill>
+                  </a:ln>
+                  <a:solidFill>
+                    <a:schemeClr val="bg1"/>
+                  </a:solidFill>
+                  <a:latin typeface="나눔바른고딕OTF" panose="02020603020101020101" pitchFamily="18" charset="-127"/>
+                  <a:ea typeface="나눔바른고딕OTF" panose="02020603020101020101" pitchFamily="18" charset="-127"/>
+                </a:rPr>
+                <a:t>체험권</a:t>
+              </a:r>
+              <a:r>
+                <a:rPr lang="ko-KR" altLang="en-US" sz="1000" b="1" dirty="0" smtClean="0">
+                  <a:ln>
+                    <a:solidFill>
+                      <a:schemeClr val="tx1">
+                        <a:alpha val="0"/>
+                      </a:schemeClr>
+                    </a:solidFill>
+                  </a:ln>
+                  <a:solidFill>
+                    <a:schemeClr val="bg1"/>
+                  </a:solidFill>
+                  <a:latin typeface="나눔바른고딕OTF" panose="02020603020101020101" pitchFamily="18" charset="-127"/>
+                  <a:ea typeface="나눔바른고딕OTF" panose="02020603020101020101" pitchFamily="18" charset="-127"/>
+                </a:rPr>
+                <a:t> 등록 </a:t>
+              </a:r>
+              <a:r>
+                <a:rPr lang="ko-KR" altLang="en-US" sz="1000" b="1" dirty="0">
+                  <a:ln>
+                    <a:solidFill>
+                      <a:schemeClr val="tx1">
+                        <a:alpha val="0"/>
+                      </a:schemeClr>
+                    </a:solidFill>
+                  </a:ln>
+                  <a:solidFill>
+                    <a:schemeClr val="bg1"/>
+                  </a:solidFill>
+                  <a:latin typeface="나눔바른고딕OTF" panose="02020603020101020101" pitchFamily="18" charset="-127"/>
+                  <a:ea typeface="나눔바른고딕OTF" panose="02020603020101020101" pitchFamily="18" charset="-127"/>
+                </a:rPr>
+                <a:t>방법</a:t>
+              </a:r>
+              <a:endParaRPr lang="en-US" altLang="ko-KR" sz="1000" b="1" dirty="0">
+                <a:ln>
+                  <a:solidFill>
+                    <a:schemeClr val="tx1">
+                      <a:alpha val="0"/>
+                    </a:schemeClr>
+                  </a:solidFill>
+                </a:ln>
+                <a:solidFill>
+                  <a:schemeClr val="bg1"/>
+                </a:solidFill>
+                <a:latin typeface="나눔바른고딕OTF" panose="02020603020101020101" pitchFamily="18" charset="-127"/>
+                <a:ea typeface="나눔바른고딕OTF" panose="02020603020101020101" pitchFamily="18" charset="-127"/>
+              </a:endParaRPr>
+            </a:p>
+          </p:txBody>
+        </p:sp>
+      </p:grpSp>
+      <p:pic>
+        <p:nvPicPr>
+          <p:cNvPr id="24" name="그림 23"/>
+          <p:cNvPicPr>
+            <a:picLocks noChangeAspect="1"/>
+          </p:cNvPicPr>
+          <p:nvPr/>
+        </p:nvPicPr>
+        <p:blipFill>
+          <a:blip r:embed="rId5"/>
+          <a:stretch>
+            <a:fillRect/>
+          </a:stretch>
+        </p:blipFill>
+        <p:spPr>
+          <a:xfrm>
+            <a:off x="897285" y="4184099"/>
+            <a:ext cx="1937504" cy="1388290"/>
+          </a:xfrm>
+          <a:prstGeom prst="roundRect">
+            <a:avLst>
+              <a:gd name="adj" fmla="val 994"/>
+            </a:avLst>
+          </a:prstGeom>
+          <a:solidFill>
+            <a:srgbClr val="FFFFFF">
+              <a:shade val="85000"/>
+            </a:srgbClr>
+          </a:solidFill>
+          <a:ln>
+            <a:noFill/>
+          </a:ln>
+          <a:effectLst>
+            <a:outerShdw blurRad="50800" dist="12700" dir="2700000" algn="tl" rotWithShape="0">
+              <a:prstClr val="black">
+                <a:alpha val="40000"/>
+              </a:prstClr>
+            </a:outerShdw>
+          </a:effectLst>
+        </p:spPr>
+      </p:pic>
+      <p:sp>
+        <p:nvSpPr>
+          <p:cNvPr id="27" name="모서리가 둥근 직사각형 26"/>
+          <p:cNvSpPr/>
+          <p:nvPr/>
+        </p:nvSpPr>
+        <p:spPr>
+          <a:xfrm>
+            <a:off x="1384890" y="5206640"/>
+            <a:ext cx="792338" cy="197127"/>
+          </a:xfrm>
+          <a:prstGeom prst="roundRect">
+            <a:avLst>
+              <a:gd name="adj" fmla="val 3891"/>
+            </a:avLst>
+          </a:prstGeom>
+          <a:solidFill>
+            <a:schemeClr val="accent4">
+              <a:alpha val="12000"/>
+            </a:schemeClr>
+          </a:solidFill>
+          <a:ln w="28575">
+            <a:solidFill>
+              <a:srgbClr val="C00000">
+                <a:alpha val="50000"/>
+              </a:srgbClr>
+            </a:solidFill>
+          </a:ln>
+        </p:spPr>
+        <p:style>
+          <a:lnRef idx="2">
+            <a:schemeClr val="accent1">
+              <a:shade val="50000"/>
+            </a:schemeClr>
+          </a:lnRef>
+          <a:fillRef idx="1">
+            <a:schemeClr val="accent1"/>
+          </a:fillRef>
+          <a:effectRef idx="0">
+            <a:schemeClr val="accent1"/>
+          </a:effectRef>
+          <a:fontRef idx="minor">
+            <a:schemeClr val="lt1"/>
+          </a:fontRef>
+        </p:style>
+        <p:txBody>
+          <a:bodyPr rtlCol="0" anchor="ctr"/>
+          <a:lstStyle/>
+          <a:p>
+            <a:pPr algn="ctr"/>
+            <a:endParaRPr lang="ko-KR" altLang="en-US"/>
+          </a:p>
+        </p:txBody>
+      </p:sp>
+      <p:sp>
+        <p:nvSpPr>
+          <p:cNvPr id="26" name="위쪽 화살표 25"/>
+          <p:cNvSpPr/>
+          <p:nvPr/>
+        </p:nvSpPr>
+        <p:spPr>
+          <a:xfrm rot="18900000">
+            <a:off x="2013265" y="5281126"/>
+            <a:ext cx="89300" cy="151704"/>
+          </a:xfrm>
+          <a:prstGeom prst="upArrow">
+            <a:avLst>
+              <a:gd name="adj1" fmla="val 15179"/>
+              <a:gd name="adj2" fmla="val 114248"/>
+            </a:avLst>
+          </a:prstGeom>
+          <a:solidFill>
+            <a:schemeClr val="bg1"/>
+          </a:solidFill>
+          <a:ln w="9525">
+            <a:solidFill>
+              <a:schemeClr val="tx1">
+                <a:lumMod val="50000"/>
+                <a:lumOff val="50000"/>
+                <a:alpha val="65000"/>
+              </a:schemeClr>
+            </a:solidFill>
+          </a:ln>
+          <a:effectLst>
+            <a:outerShdw blurRad="50800" dist="38100" dir="2700000" algn="tl" rotWithShape="0">
+              <a:prstClr val="black">
+                <a:alpha val="40000"/>
+              </a:prstClr>
+            </a:outerShdw>
+          </a:effectLst>
+        </p:spPr>
+        <p:style>
+          <a:lnRef idx="2">
+            <a:schemeClr val="accent1">
+              <a:shade val="50000"/>
+            </a:schemeClr>
+          </a:lnRef>
+          <a:fillRef idx="1">
+            <a:schemeClr val="accent1"/>
+          </a:fillRef>
+          <a:effectRef idx="0">
+            <a:schemeClr val="accent1"/>
+          </a:effectRef>
+          <a:fontRef idx="minor">
+            <a:schemeClr val="lt1"/>
+          </a:fontRef>
+        </p:style>
+        <p:txBody>
+          <a:bodyPr rtlCol="0" anchor="ctr"/>
+          <a:lstStyle/>
+          <a:p>
+            <a:pPr algn="ctr"/>
+            <a:endParaRPr lang="ko-KR" altLang="en-US"/>
+          </a:p>
+        </p:txBody>
+      </p:sp>
+      <p:cxnSp>
+        <p:nvCxnSpPr>
+          <p:cNvPr id="29" name="직선 연결선 28"/>
+          <p:cNvCxnSpPr/>
+          <p:nvPr/>
+        </p:nvCxnSpPr>
+        <p:spPr>
+          <a:xfrm>
+            <a:off x="788194" y="824584"/>
+            <a:ext cx="909637" cy="0"/>
+          </a:xfrm>
+          <a:prstGeom prst="line">
+            <a:avLst/>
+          </a:prstGeom>
+          <a:ln w="9525">
+            <a:solidFill>
+              <a:schemeClr val="tx1">
+                <a:lumMod val="75000"/>
+                <a:lumOff val="25000"/>
+              </a:schemeClr>
+            </a:solidFill>
+          </a:ln>
+        </p:spPr>
+        <p:style>
+          <a:lnRef idx="1">
+            <a:schemeClr val="accent1"/>
+          </a:lnRef>
+          <a:fillRef idx="0">
+            <a:schemeClr val="accent1"/>
+          </a:fillRef>
+          <a:effectRef idx="0">
+            <a:schemeClr val="accent1"/>
+          </a:effectRef>
+          <a:fontRef idx="minor">
+            <a:schemeClr val="tx1"/>
+          </a:fontRef>
+        </p:style>
+      </p:cxnSp>
+      <p:cxnSp>
+        <p:nvCxnSpPr>
+          <p:cNvPr id="32" name="직선 연결선 31"/>
+          <p:cNvCxnSpPr/>
+          <p:nvPr/>
+        </p:nvCxnSpPr>
+        <p:spPr>
+          <a:xfrm>
+            <a:off x="2540798" y="1967584"/>
+            <a:ext cx="1071558" cy="0"/>
+          </a:xfrm>
+          <a:prstGeom prst="line">
+            <a:avLst/>
+          </a:prstGeom>
+          <a:ln w="9525">
+            <a:solidFill>
+              <a:schemeClr val="tx1">
+                <a:lumMod val="75000"/>
+                <a:lumOff val="25000"/>
+              </a:schemeClr>
+            </a:solidFill>
+          </a:ln>
+        </p:spPr>
+        <p:style>
+          <a:lnRef idx="1">
+            <a:schemeClr val="accent1"/>
+          </a:lnRef>
+          <a:fillRef idx="0">
+            <a:schemeClr val="accent1"/>
+          </a:fillRef>
+          <a:effectRef idx="0">
+            <a:schemeClr val="accent1"/>
+          </a:effectRef>
+          <a:fontRef idx="minor">
+            <a:schemeClr val="tx1"/>
+          </a:fontRef>
+        </p:style>
+      </p:cxnSp>
     </p:spTree>
     <p:extLst>
       <p:ext uri="{BB962C8B-B14F-4D97-AF65-F5344CB8AC3E}">

--- a/안내문.pptx
+++ b/안내문.pptx
@@ -3423,35 +3423,7 @@
                 <a:latin typeface="나눔바른고딕OTF" panose="02020603020101020101" pitchFamily="18" charset="-127"/>
                 <a:ea typeface="나눔바른고딕OTF" panose="02020603020101020101" pitchFamily="18" charset="-127"/>
               </a:rPr>
-              <a:t>까지 체험 가능한 </a:t>
-            </a:r>
-            <a:r>
-              <a:rPr lang="ko-KR" altLang="en-US" sz="1000" dirty="0" smtClean="0">
-                <a:ln>
-                  <a:solidFill>
-                    <a:schemeClr val="tx1">
-                      <a:alpha val="0"/>
-                    </a:schemeClr>
-                  </a:solidFill>
-                </a:ln>
-                <a:latin typeface="나눔바른고딕OTF" panose="02020603020101020101" pitchFamily="18" charset="-127"/>
-                <a:ea typeface="나눔바른고딕OTF" panose="02020603020101020101" pitchFamily="18" charset="-127"/>
-              </a:rPr>
-              <a:t>이용권도 </a:t>
-            </a:r>
-            <a:r>
-              <a:rPr lang="ko-KR" altLang="en-US" sz="1000" dirty="0" smtClean="0">
-                <a:ln>
-                  <a:solidFill>
-                    <a:schemeClr val="tx1">
-                      <a:alpha val="0"/>
-                    </a:schemeClr>
-                  </a:solidFill>
-                </a:ln>
-                <a:latin typeface="나눔바른고딕OTF" panose="02020603020101020101" pitchFamily="18" charset="-127"/>
-                <a:ea typeface="나눔바른고딕OTF" panose="02020603020101020101" pitchFamily="18" charset="-127"/>
-              </a:rPr>
-              <a:t>함께 넣어드렸습니다</a:t>
+              <a:t>까지 체험 가능한 이용권도 함께 넣어드렸습니다</a:t>
             </a:r>
             <a:r>
               <a:rPr lang="en-US" altLang="ko-KR" sz="1000" dirty="0" smtClean="0">
@@ -3740,21 +3712,7 @@
                 <a:latin typeface="나눔바른고딕OTF" panose="02020603020101020101" pitchFamily="18" charset="-127"/>
                 <a:ea typeface="나눔바른고딕OTF" panose="02020603020101020101" pitchFamily="18" charset="-127"/>
               </a:rPr>
-              <a:t> 체험 </a:t>
-            </a:r>
-            <a:r>
-              <a:rPr lang="ko-KR" altLang="en-US" sz="1000" dirty="0" smtClean="0">
-                <a:ln>
-                  <a:solidFill>
-                    <a:schemeClr val="tx1">
-                      <a:alpha val="0"/>
-                    </a:schemeClr>
-                  </a:solidFill>
-                </a:ln>
-                <a:latin typeface="나눔바른고딕OTF" panose="02020603020101020101" pitchFamily="18" charset="-127"/>
-                <a:ea typeface="나눔바른고딕OTF" panose="02020603020101020101" pitchFamily="18" charset="-127"/>
-              </a:rPr>
-              <a:t>이용권 </a:t>
+              <a:t> 체험 이용권 </a:t>
             </a:r>
             <a:r>
               <a:rPr lang="en-US" altLang="ko-KR" sz="1000" dirty="0" smtClean="0">
@@ -3963,21 +3921,7 @@
                 <a:latin typeface="나눔바른고딕OTF" panose="02020603020101020101" pitchFamily="18" charset="-127"/>
                 <a:ea typeface="나눔바른고딕OTF" panose="02020603020101020101" pitchFamily="18" charset="-127"/>
               </a:rPr>
-              <a:t>해당 </a:t>
-            </a:r>
-            <a:r>
-              <a:rPr lang="ko-KR" altLang="en-US" sz="1000" b="1" dirty="0" smtClean="0">
-                <a:ln>
-                  <a:solidFill>
-                    <a:schemeClr val="tx1">
-                      <a:alpha val="0"/>
-                    </a:schemeClr>
-                  </a:solidFill>
-                </a:ln>
-                <a:latin typeface="나눔바른고딕OTF" panose="02020603020101020101" pitchFamily="18" charset="-127"/>
-                <a:ea typeface="나눔바른고딕OTF" panose="02020603020101020101" pitchFamily="18" charset="-127"/>
-              </a:rPr>
-              <a:t>과목 선택</a:t>
+              <a:t>해당 과목 선택</a:t>
             </a:r>
             <a:r>
               <a:rPr lang="ko-KR" altLang="en-US" sz="1000" dirty="0" smtClean="0">

--- a/안내문.pptx
+++ b/안내문.pptx
@@ -8,7 +8,7 @@
     <p:sldId id="256" r:id="rId2"/>
   </p:sldIdLst>
   <p:sldSz cx="6858000" cy="9906000" type="A4"/>
-  <p:notesSz cx="6858000" cy="9144000"/>
+  <p:notesSz cx="6807200" cy="9939338"/>
   <p:defaultTextStyle>
     <a:defPPr>
       <a:defRPr lang="ko-KR"/>
@@ -254,7 +254,7 @@
           <a:p>
             <a:fld id="{7E1832A6-1F0C-4D78-9E62-A19FBE4AF3E3}" type="datetimeFigureOut">
               <a:rPr lang="ko-KR" altLang="en-US" smtClean="0"/>
-              <a:t>2021-01-04</a:t>
+              <a:t>2021-01-06</a:t>
             </a:fld>
             <a:endParaRPr lang="ko-KR" altLang="en-US"/>
           </a:p>
@@ -424,7 +424,7 @@
           <a:p>
             <a:fld id="{7E1832A6-1F0C-4D78-9E62-A19FBE4AF3E3}" type="datetimeFigureOut">
               <a:rPr lang="ko-KR" altLang="en-US" smtClean="0"/>
-              <a:t>2021-01-04</a:t>
+              <a:t>2021-01-06</a:t>
             </a:fld>
             <a:endParaRPr lang="ko-KR" altLang="en-US"/>
           </a:p>
@@ -604,7 +604,7 @@
           <a:p>
             <a:fld id="{7E1832A6-1F0C-4D78-9E62-A19FBE4AF3E3}" type="datetimeFigureOut">
               <a:rPr lang="ko-KR" altLang="en-US" smtClean="0"/>
-              <a:t>2021-01-04</a:t>
+              <a:t>2021-01-06</a:t>
             </a:fld>
             <a:endParaRPr lang="ko-KR" altLang="en-US"/>
           </a:p>
@@ -774,7 +774,7 @@
           <a:p>
             <a:fld id="{7E1832A6-1F0C-4D78-9E62-A19FBE4AF3E3}" type="datetimeFigureOut">
               <a:rPr lang="ko-KR" altLang="en-US" smtClean="0"/>
-              <a:t>2021-01-04</a:t>
+              <a:t>2021-01-06</a:t>
             </a:fld>
             <a:endParaRPr lang="ko-KR" altLang="en-US"/>
           </a:p>
@@ -1018,7 +1018,7 @@
           <a:p>
             <a:fld id="{7E1832A6-1F0C-4D78-9E62-A19FBE4AF3E3}" type="datetimeFigureOut">
               <a:rPr lang="ko-KR" altLang="en-US" smtClean="0"/>
-              <a:t>2021-01-04</a:t>
+              <a:t>2021-01-06</a:t>
             </a:fld>
             <a:endParaRPr lang="ko-KR" altLang="en-US"/>
           </a:p>
@@ -1250,7 +1250,7 @@
           <a:p>
             <a:fld id="{7E1832A6-1F0C-4D78-9E62-A19FBE4AF3E3}" type="datetimeFigureOut">
               <a:rPr lang="ko-KR" altLang="en-US" smtClean="0"/>
-              <a:t>2021-01-04</a:t>
+              <a:t>2021-01-06</a:t>
             </a:fld>
             <a:endParaRPr lang="ko-KR" altLang="en-US"/>
           </a:p>
@@ -1617,7 +1617,7 @@
           <a:p>
             <a:fld id="{7E1832A6-1F0C-4D78-9E62-A19FBE4AF3E3}" type="datetimeFigureOut">
               <a:rPr lang="ko-KR" altLang="en-US" smtClean="0"/>
-              <a:t>2021-01-04</a:t>
+              <a:t>2021-01-06</a:t>
             </a:fld>
             <a:endParaRPr lang="ko-KR" altLang="en-US"/>
           </a:p>
@@ -1735,7 +1735,7 @@
           <a:p>
             <a:fld id="{7E1832A6-1F0C-4D78-9E62-A19FBE4AF3E3}" type="datetimeFigureOut">
               <a:rPr lang="ko-KR" altLang="en-US" smtClean="0"/>
-              <a:t>2021-01-04</a:t>
+              <a:t>2021-01-06</a:t>
             </a:fld>
             <a:endParaRPr lang="ko-KR" altLang="en-US"/>
           </a:p>
@@ -1830,7 +1830,7 @@
           <a:p>
             <a:fld id="{7E1832A6-1F0C-4D78-9E62-A19FBE4AF3E3}" type="datetimeFigureOut">
               <a:rPr lang="ko-KR" altLang="en-US" smtClean="0"/>
-              <a:t>2021-01-04</a:t>
+              <a:t>2021-01-06</a:t>
             </a:fld>
             <a:endParaRPr lang="ko-KR" altLang="en-US"/>
           </a:p>
@@ -2107,7 +2107,7 @@
           <a:p>
             <a:fld id="{7E1832A6-1F0C-4D78-9E62-A19FBE4AF3E3}" type="datetimeFigureOut">
               <a:rPr lang="ko-KR" altLang="en-US" smtClean="0"/>
-              <a:t>2021-01-04</a:t>
+              <a:t>2021-01-06</a:t>
             </a:fld>
             <a:endParaRPr lang="ko-KR" altLang="en-US"/>
           </a:p>
@@ -2364,7 +2364,7 @@
           <a:p>
             <a:fld id="{7E1832A6-1F0C-4D78-9E62-A19FBE4AF3E3}" type="datetimeFigureOut">
               <a:rPr lang="ko-KR" altLang="en-US" smtClean="0"/>
-              <a:t>2021-01-04</a:t>
+              <a:t>2021-01-06</a:t>
             </a:fld>
             <a:endParaRPr lang="ko-KR" altLang="en-US"/>
           </a:p>
@@ -2577,7 +2577,7 @@
           <a:p>
             <a:fld id="{7E1832A6-1F0C-4D78-9E62-A19FBE4AF3E3}" type="datetimeFigureOut">
               <a:rPr lang="ko-KR" altLang="en-US" smtClean="0"/>
-              <a:t>2021-01-04</a:t>
+              <a:t>2021-01-06</a:t>
             </a:fld>
             <a:endParaRPr lang="ko-KR" altLang="en-US"/>
           </a:p>
@@ -3148,7 +3148,7 @@
         <p:spPr>
           <a:xfrm>
             <a:off x="692537" y="593601"/>
-            <a:ext cx="5468978" cy="2169825"/>
+            <a:ext cx="5468978" cy="2400657"/>
           </a:xfrm>
           <a:prstGeom prst="rect">
             <a:avLst/>
@@ -3276,7 +3276,35 @@
                 <a:latin typeface="나눔바른고딕OTF" panose="02020603020101020101" pitchFamily="18" charset="-127"/>
                 <a:ea typeface="나눔바른고딕OTF" panose="02020603020101020101" pitchFamily="18" charset="-127"/>
               </a:rPr>
-              <a:t>이번에 코칭 교재가 너무 잘 만들어졌습니다</a:t>
+              <a:t>이번에 </a:t>
+            </a:r>
+            <a:r>
+              <a:rPr lang="ko-KR" altLang="en-US" sz="1000" dirty="0" smtClean="0">
+                <a:ln>
+                  <a:solidFill>
+                    <a:schemeClr val="tx1">
+                      <a:alpha val="0"/>
+                    </a:schemeClr>
+                  </a:solidFill>
+                </a:ln>
+                <a:latin typeface="나눔바른고딕OTF" panose="02020603020101020101" pitchFamily="18" charset="-127"/>
+                <a:ea typeface="나눔바른고딕OTF" panose="02020603020101020101" pitchFamily="18" charset="-127"/>
+              </a:rPr>
+              <a:t>코칭 교재가 </a:t>
+            </a:r>
+            <a:r>
+              <a:rPr lang="ko-KR" altLang="en-US" sz="1000" dirty="0" smtClean="0">
+                <a:ln>
+                  <a:solidFill>
+                    <a:schemeClr val="tx1">
+                      <a:alpha val="0"/>
+                    </a:schemeClr>
+                  </a:solidFill>
+                </a:ln>
+                <a:latin typeface="나눔바른고딕OTF" panose="02020603020101020101" pitchFamily="18" charset="-127"/>
+                <a:ea typeface="나눔바른고딕OTF" panose="02020603020101020101" pitchFamily="18" charset="-127"/>
+              </a:rPr>
+              <a:t>너무 잘 만들어졌습니다</a:t>
             </a:r>
             <a:r>
               <a:rPr lang="en-US" altLang="ko-KR" sz="1000" dirty="0" smtClean="0">
@@ -3311,7 +3339,49 @@
                 <a:latin typeface="나눔바른고딕OTF" panose="02020603020101020101" pitchFamily="18" charset="-127"/>
                 <a:ea typeface="나눔바른고딕OTF" panose="02020603020101020101" pitchFamily="18" charset="-127"/>
               </a:rPr>
-              <a:t>꼭 한 번 보셨으면 하는 마음에서</a:t>
+              <a:t>꼭 한 번 보셨으면 하는 </a:t>
+            </a:r>
+            <a:r>
+              <a:rPr lang="ko-KR" altLang="en-US" sz="1000" dirty="0" smtClean="0">
+                <a:ln>
+                  <a:solidFill>
+                    <a:schemeClr val="tx1">
+                      <a:alpha val="0"/>
+                    </a:schemeClr>
+                  </a:solidFill>
+                </a:ln>
+                <a:latin typeface="나눔바른고딕OTF" panose="02020603020101020101" pitchFamily="18" charset="-127"/>
+                <a:ea typeface="나눔바른고딕OTF" panose="02020603020101020101" pitchFamily="18" charset="-127"/>
+              </a:rPr>
+              <a:t>바람에서  </a:t>
+            </a:r>
+            <a:r>
+              <a:rPr lang="ko-KR" altLang="en-US" sz="1000" dirty="0" err="1" smtClean="0">
+                <a:ln>
+                  <a:solidFill>
+                    <a:schemeClr val="tx1">
+                      <a:alpha val="0"/>
+                    </a:schemeClr>
+                  </a:solidFill>
+                </a:ln>
+                <a:latin typeface="나눔바른고딕OTF" panose="02020603020101020101" pitchFamily="18" charset="-127"/>
+                <a:ea typeface="나눔바른고딕OTF" panose="02020603020101020101" pitchFamily="18" charset="-127"/>
+              </a:rPr>
+              <a:t>코칭앱</a:t>
+            </a:r>
+            <a:r>
+              <a:rPr lang="ko-KR" altLang="en-US" sz="1000" dirty="0" smtClean="0">
+                <a:ln>
+                  <a:solidFill>
+                    <a:schemeClr val="tx1">
+                      <a:alpha val="0"/>
+                    </a:schemeClr>
+                  </a:solidFill>
+                </a:ln>
+                <a:latin typeface="나눔바른고딕OTF" panose="02020603020101020101" pitchFamily="18" charset="-127"/>
+                <a:ea typeface="나눔바른고딕OTF" panose="02020603020101020101" pitchFamily="18" charset="-127"/>
+              </a:rPr>
+              <a:t>                                     교재를 같이 보내드립니다</a:t>
             </a:r>
             <a:r>
               <a:rPr lang="en-US" altLang="ko-KR" sz="1000" dirty="0" smtClean="0">
@@ -3325,36 +3395,19 @@
                 <a:latin typeface="나눔바른고딕OTF" panose="02020603020101020101" pitchFamily="18" charset="-127"/>
                 <a:ea typeface="나눔바른고딕OTF" panose="02020603020101020101" pitchFamily="18" charset="-127"/>
               </a:rPr>
-              <a:t> </a:t>
-            </a:r>
-            <a:r>
-              <a:rPr lang="ko-KR" altLang="en-US" sz="1000" dirty="0" smtClean="0">
-                <a:ln>
-                  <a:solidFill>
-                    <a:schemeClr val="tx1">
-                      <a:alpha val="0"/>
-                    </a:schemeClr>
-                  </a:solidFill>
-                </a:ln>
-                <a:latin typeface="나눔바른고딕OTF" panose="02020603020101020101" pitchFamily="18" charset="-127"/>
-                <a:ea typeface="나눔바른고딕OTF" panose="02020603020101020101" pitchFamily="18" charset="-127"/>
-              </a:rPr>
-              <a:t>교재를 한 권 더 넣었습니다</a:t>
-            </a:r>
-            <a:r>
-              <a:rPr lang="en-US" altLang="ko-KR" sz="1000" dirty="0" smtClean="0">
-                <a:ln>
-                  <a:solidFill>
-                    <a:schemeClr val="tx1">
-                      <a:alpha val="0"/>
-                    </a:schemeClr>
-                  </a:solidFill>
-                </a:ln>
-                <a:latin typeface="나눔바른고딕OTF" panose="02020603020101020101" pitchFamily="18" charset="-127"/>
-                <a:ea typeface="나눔바른고딕OTF" panose="02020603020101020101" pitchFamily="18" charset="-127"/>
-              </a:rPr>
               <a:t>.</a:t>
             </a:r>
+            <a:endParaRPr lang="en-US" altLang="ko-KR" sz="1000" dirty="0" smtClean="0">
+              <a:ln>
+                <a:solidFill>
+                  <a:schemeClr val="tx1">
+                    <a:alpha val="0"/>
+                  </a:schemeClr>
+                </a:solidFill>
+              </a:ln>
+              <a:latin typeface="나눔바른고딕OTF" panose="02020603020101020101" pitchFamily="18" charset="-127"/>
+              <a:ea typeface="나눔바른고딕OTF" panose="02020603020101020101" pitchFamily="18" charset="-127"/>
+            </a:endParaRPr>
           </a:p>
           <a:p>
             <a:pPr>
@@ -3392,7 +3445,49 @@
                 <a:latin typeface="나눔바른고딕OTF" panose="02020603020101020101" pitchFamily="18" charset="-127"/>
                 <a:ea typeface="나눔바른고딕OTF" panose="02020603020101020101" pitchFamily="18" charset="-127"/>
               </a:rPr>
-              <a:t>교재와 같이 공부해 보실 수 있도록 </a:t>
+              <a:t>교재와 같이 공부해 보실 수 </a:t>
+            </a:r>
+            <a:r>
+              <a:rPr lang="ko-KR" altLang="en-US" sz="1000" dirty="0" smtClean="0">
+                <a:ln>
+                  <a:solidFill>
+                    <a:schemeClr val="tx1">
+                      <a:alpha val="0"/>
+                    </a:schemeClr>
+                  </a:solidFill>
+                </a:ln>
+                <a:latin typeface="나눔바른고딕OTF" panose="02020603020101020101" pitchFamily="18" charset="-127"/>
+                <a:ea typeface="나눔바른고딕OTF" panose="02020603020101020101" pitchFamily="18" charset="-127"/>
+              </a:rPr>
+              <a:t>있도록 </a:t>
+            </a:r>
+            <a:r>
+              <a:rPr lang="ko-KR" altLang="en-US" sz="1000" dirty="0" err="1" smtClean="0">
+                <a:ln>
+                  <a:solidFill>
+                    <a:schemeClr val="tx1">
+                      <a:alpha val="0"/>
+                    </a:schemeClr>
+                  </a:solidFill>
+                </a:ln>
+                <a:latin typeface="나눔바른고딕OTF" panose="02020603020101020101" pitchFamily="18" charset="-127"/>
+                <a:ea typeface="나눔바른고딕OTF" panose="02020603020101020101" pitchFamily="18" charset="-127"/>
+              </a:rPr>
+              <a:t>코칭앱</a:t>
+            </a:r>
+            <a:r>
+              <a:rPr lang="ko-KR" altLang="en-US" sz="1000" dirty="0" smtClean="0">
+                <a:ln>
+                  <a:solidFill>
+                    <a:schemeClr val="tx1">
+                      <a:alpha val="0"/>
+                    </a:schemeClr>
+                  </a:solidFill>
+                </a:ln>
+                <a:latin typeface="나눔바른고딕OTF" panose="02020603020101020101" pitchFamily="18" charset="-127"/>
+                <a:ea typeface="나눔바른고딕OTF" panose="02020603020101020101" pitchFamily="18" charset="-127"/>
+              </a:rPr>
+              <a:t> </a:t>
             </a:r>
             <a:r>
               <a:rPr lang="en-US" altLang="ko-KR" sz="1000" dirty="0" smtClean="0">
@@ -3409,7 +3504,7 @@
                 <a:latin typeface="나눔바른고딕OTF" panose="02020603020101020101" pitchFamily="18" charset="-127"/>
                 <a:ea typeface="나눔바른고딕OTF" panose="02020603020101020101" pitchFamily="18" charset="-127"/>
               </a:rPr>
-              <a:t>___________________</a:t>
+              <a:t>__________________</a:t>
             </a:r>
             <a:r>
               <a:rPr lang="ko-KR" altLang="en-US" sz="1000" dirty="0" smtClean="0">
@@ -3423,7 +3518,21 @@
                 <a:latin typeface="나눔바른고딕OTF" panose="02020603020101020101" pitchFamily="18" charset="-127"/>
                 <a:ea typeface="나눔바른고딕OTF" panose="02020603020101020101" pitchFamily="18" charset="-127"/>
               </a:rPr>
-              <a:t>까지 체험 가능한 이용권도 함께 넣어드렸습니다</a:t>
+              <a:t>이용권도 </a:t>
+            </a:r>
+            <a:r>
+              <a:rPr lang="ko-KR" altLang="en-US" sz="1000" dirty="0" smtClean="0">
+                <a:ln>
+                  <a:solidFill>
+                    <a:schemeClr val="tx1">
+                      <a:alpha val="0"/>
+                    </a:schemeClr>
+                  </a:solidFill>
+                </a:ln>
+                <a:latin typeface="나눔바른고딕OTF" panose="02020603020101020101" pitchFamily="18" charset="-127"/>
+                <a:ea typeface="나눔바른고딕OTF" panose="02020603020101020101" pitchFamily="18" charset="-127"/>
+              </a:rPr>
+              <a:t>함께 넣어드렸습니다</a:t>
             </a:r>
             <a:r>
               <a:rPr lang="en-US" altLang="ko-KR" sz="1000" dirty="0" smtClean="0">
@@ -3439,6 +3548,52 @@
               </a:rPr>
               <a:t>.</a:t>
             </a:r>
+          </a:p>
+          <a:p>
+            <a:pPr>
+              <a:lnSpc>
+                <a:spcPct val="150000"/>
+              </a:lnSpc>
+            </a:pPr>
+            <a:r>
+              <a:rPr lang="ko-KR" altLang="en-US" sz="1000" dirty="0" smtClean="0">
+                <a:ln>
+                  <a:solidFill>
+                    <a:schemeClr val="tx1">
+                      <a:alpha val="0"/>
+                    </a:schemeClr>
+                  </a:solidFill>
+                </a:ln>
+                <a:latin typeface="나눔바른고딕OTF" panose="02020603020101020101" pitchFamily="18" charset="-127"/>
+                <a:ea typeface="나눔바른고딕OTF" panose="02020603020101020101" pitchFamily="18" charset="-127"/>
+              </a:rPr>
+              <a:t>체험 이용 기간은                                 입니다</a:t>
+            </a:r>
+            <a:r>
+              <a:rPr lang="en-US" altLang="ko-KR" sz="1000" dirty="0" smtClean="0">
+                <a:ln>
+                  <a:solidFill>
+                    <a:schemeClr val="tx1">
+                      <a:alpha val="0"/>
+                    </a:schemeClr>
+                  </a:solidFill>
+                </a:ln>
+                <a:latin typeface="나눔바른고딕OTF" panose="02020603020101020101" pitchFamily="18" charset="-127"/>
+                <a:ea typeface="나눔바른고딕OTF" panose="02020603020101020101" pitchFamily="18" charset="-127"/>
+              </a:rPr>
+              <a:t>.</a:t>
+            </a:r>
+            <a:endParaRPr lang="en-US" altLang="ko-KR" sz="1000" dirty="0" smtClean="0">
+              <a:ln>
+                <a:solidFill>
+                  <a:schemeClr val="tx1">
+                    <a:alpha val="0"/>
+                  </a:schemeClr>
+                </a:solidFill>
+              </a:ln>
+              <a:latin typeface="나눔바른고딕OTF" panose="02020603020101020101" pitchFamily="18" charset="-127"/>
+              <a:ea typeface="나눔바른고딕OTF" panose="02020603020101020101" pitchFamily="18" charset="-127"/>
+            </a:endParaRPr>
           </a:p>
           <a:p>
             <a:pPr>
@@ -3511,7 +3666,161 @@
                 <a:latin typeface="나눔바른고딕OTF" panose="02020603020101020101" pitchFamily="18" charset="-127"/>
                 <a:ea typeface="나눔바른고딕OTF" panose="02020603020101020101" pitchFamily="18" charset="-127"/>
               </a:rPr>
-              <a:t>코칭 교재 관련하여 궁금하신 점 있으면 채팅으로 남겨주세요</a:t>
+              <a:t>코칭 </a:t>
+            </a:r>
+            <a:r>
+              <a:rPr lang="ko-KR" altLang="en-US" sz="1000" dirty="0" smtClean="0">
+                <a:ln>
+                  <a:solidFill>
+                    <a:schemeClr val="tx1">
+                      <a:alpha val="0"/>
+                    </a:schemeClr>
+                  </a:solidFill>
+                </a:ln>
+                <a:latin typeface="나눔바른고딕OTF" panose="02020603020101020101" pitchFamily="18" charset="-127"/>
+                <a:ea typeface="나눔바른고딕OTF" panose="02020603020101020101" pitchFamily="18" charset="-127"/>
+              </a:rPr>
+              <a:t>교재 </a:t>
+            </a:r>
+            <a:r>
+              <a:rPr lang="en-US" altLang="ko-KR" sz="1000" dirty="0" smtClean="0">
+                <a:ln>
+                  <a:solidFill>
+                    <a:schemeClr val="tx1">
+                      <a:alpha val="0"/>
+                    </a:schemeClr>
+                  </a:solidFill>
+                </a:ln>
+                <a:latin typeface="나눔바른고딕OTF" panose="02020603020101020101" pitchFamily="18" charset="-127"/>
+                <a:ea typeface="나눔바른고딕OTF" panose="02020603020101020101" pitchFamily="18" charset="-127"/>
+              </a:rPr>
+              <a:t>/ </a:t>
+            </a:r>
+            <a:r>
+              <a:rPr lang="ko-KR" altLang="en-US" sz="1000" dirty="0" err="1" smtClean="0">
+                <a:ln>
+                  <a:solidFill>
+                    <a:schemeClr val="tx1">
+                      <a:alpha val="0"/>
+                    </a:schemeClr>
+                  </a:solidFill>
+                </a:ln>
+                <a:latin typeface="나눔바른고딕OTF" panose="02020603020101020101" pitchFamily="18" charset="-127"/>
+                <a:ea typeface="나눔바른고딕OTF" panose="02020603020101020101" pitchFamily="18" charset="-127"/>
+              </a:rPr>
+              <a:t>수강권</a:t>
+            </a:r>
+            <a:r>
+              <a:rPr lang="ko-KR" altLang="en-US" sz="1000" dirty="0" smtClean="0">
+                <a:ln>
+                  <a:solidFill>
+                    <a:schemeClr val="tx1">
+                      <a:alpha val="0"/>
+                    </a:schemeClr>
+                  </a:solidFill>
+                </a:ln>
+                <a:latin typeface="나눔바른고딕OTF" panose="02020603020101020101" pitchFamily="18" charset="-127"/>
+                <a:ea typeface="나눔바른고딕OTF" panose="02020603020101020101" pitchFamily="18" charset="-127"/>
+              </a:rPr>
+              <a:t> </a:t>
+            </a:r>
+            <a:r>
+              <a:rPr lang="ko-KR" altLang="en-US" sz="1000" dirty="0" smtClean="0">
+                <a:ln>
+                  <a:solidFill>
+                    <a:schemeClr val="tx1">
+                      <a:alpha val="0"/>
+                    </a:schemeClr>
+                  </a:solidFill>
+                </a:ln>
+                <a:latin typeface="나눔바른고딕OTF" panose="02020603020101020101" pitchFamily="18" charset="-127"/>
+                <a:ea typeface="나눔바른고딕OTF" panose="02020603020101020101" pitchFamily="18" charset="-127"/>
+              </a:rPr>
+              <a:t>관련하여 궁금하신 점 있으면 </a:t>
+            </a:r>
+            <a:r>
+              <a:rPr lang="ko-KR" altLang="en-US" sz="1000" dirty="0" smtClean="0">
+                <a:ln>
+                  <a:solidFill>
+                    <a:schemeClr val="tx1">
+                      <a:alpha val="0"/>
+                    </a:schemeClr>
+                  </a:solidFill>
+                </a:ln>
+                <a:latin typeface="나눔바른고딕OTF" panose="02020603020101020101" pitchFamily="18" charset="-127"/>
+                <a:ea typeface="나눔바른고딕OTF" panose="02020603020101020101" pitchFamily="18" charset="-127"/>
+              </a:rPr>
+              <a:t>사이트 내 우측 하단 </a:t>
+            </a:r>
+            <a:r>
+              <a:rPr lang="en-US" altLang="ko-KR" sz="1000" dirty="0" smtClean="0">
+                <a:ln>
+                  <a:solidFill>
+                    <a:schemeClr val="tx1">
+                      <a:alpha val="0"/>
+                    </a:schemeClr>
+                  </a:solidFill>
+                </a:ln>
+                <a:latin typeface="나눔바른고딕OTF" panose="02020603020101020101" pitchFamily="18" charset="-127"/>
+                <a:ea typeface="나눔바른고딕OTF" panose="02020603020101020101" pitchFamily="18" charset="-127"/>
+              </a:rPr>
+              <a:t>‘ </a:t>
+            </a:r>
+            <a:r>
+              <a:rPr lang="ko-KR" altLang="en-US" sz="1000" dirty="0" smtClean="0">
+                <a:ln>
+                  <a:solidFill>
+                    <a:schemeClr val="tx1">
+                      <a:alpha val="0"/>
+                    </a:schemeClr>
+                  </a:solidFill>
+                </a:ln>
+                <a:latin typeface="나눔바른고딕OTF" panose="02020603020101020101" pitchFamily="18" charset="-127"/>
+                <a:ea typeface="나눔바른고딕OTF" panose="02020603020101020101" pitchFamily="18" charset="-127"/>
+              </a:rPr>
+              <a:t>상담하기       </a:t>
+            </a:r>
+            <a:r>
+              <a:rPr lang="en-US" altLang="ko-KR" sz="1000" dirty="0" smtClean="0">
+                <a:ln>
+                  <a:solidFill>
+                    <a:schemeClr val="tx1">
+                      <a:alpha val="0"/>
+                    </a:schemeClr>
+                  </a:solidFill>
+                </a:ln>
+                <a:latin typeface="나눔바른고딕OTF" panose="02020603020101020101" pitchFamily="18" charset="-127"/>
+                <a:ea typeface="나눔바른고딕OTF" panose="02020603020101020101" pitchFamily="18" charset="-127"/>
+              </a:rPr>
+              <a:t>’ </a:t>
+            </a:r>
+            <a:r>
+              <a:rPr lang="ko-KR" altLang="en-US" sz="1000" dirty="0" smtClean="0">
+                <a:ln>
+                  <a:solidFill>
+                    <a:schemeClr val="tx1">
+                      <a:alpha val="0"/>
+                    </a:schemeClr>
+                  </a:solidFill>
+                </a:ln>
+                <a:latin typeface="나눔바른고딕OTF" panose="02020603020101020101" pitchFamily="18" charset="-127"/>
+                <a:ea typeface="나눔바른고딕OTF" panose="02020603020101020101" pitchFamily="18" charset="-127"/>
+              </a:rPr>
+              <a:t>로 </a:t>
+            </a:r>
+            <a:r>
+              <a:rPr lang="ko-KR" altLang="en-US" sz="1000" dirty="0" smtClean="0">
+                <a:ln>
+                  <a:solidFill>
+                    <a:schemeClr val="tx1">
+                      <a:alpha val="0"/>
+                    </a:schemeClr>
+                  </a:solidFill>
+                </a:ln>
+                <a:latin typeface="나눔바른고딕OTF" panose="02020603020101020101" pitchFamily="18" charset="-127"/>
+                <a:ea typeface="나눔바른고딕OTF" panose="02020603020101020101" pitchFamily="18" charset="-127"/>
+              </a:rPr>
+              <a:t>남겨주세요</a:t>
             </a:r>
             <a:r>
               <a:rPr lang="en-US" altLang="ko-KR" sz="1000" dirty="0" smtClean="0">
@@ -3549,8 +3858,8 @@
         </p:nvSpPr>
         <p:spPr>
           <a:xfrm>
-            <a:off x="179462" y="153825"/>
-            <a:ext cx="6509431" cy="9579835"/>
+            <a:off x="109057" y="115809"/>
+            <a:ext cx="6606781" cy="9674383"/>
           </a:xfrm>
           <a:prstGeom prst="rect">
             <a:avLst/>
@@ -4266,8 +4575,8 @@
             </a:prstGeom>
             <a:solidFill>
               <a:schemeClr val="tx1">
-                <a:lumMod val="65000"/>
-                <a:lumOff val="35000"/>
+                <a:lumMod val="75000"/>
+                <a:lumOff val="25000"/>
               </a:schemeClr>
             </a:solidFill>
             <a:ln>
@@ -4399,8 +4708,8 @@
             </a:prstGeom>
             <a:solidFill>
               <a:schemeClr val="tx1">
-                <a:lumMod val="65000"/>
-                <a:lumOff val="35000"/>
+                <a:lumMod val="75000"/>
+                <a:lumOff val="25000"/>
               </a:schemeClr>
             </a:solidFill>
             <a:ln>
@@ -4737,8 +5046,8 @@
         </p:nvCxnSpPr>
         <p:spPr>
           <a:xfrm>
-            <a:off x="2540798" y="1967584"/>
-            <a:ext cx="1071558" cy="0"/>
+            <a:off x="2901525" y="1967584"/>
+            <a:ext cx="990826" cy="0"/>
           </a:xfrm>
           <a:prstGeom prst="line">
             <a:avLst/>
@@ -4767,6 +5076,118 @@
           </a:fontRef>
         </p:style>
       </p:cxnSp>
+      <p:cxnSp>
+        <p:nvCxnSpPr>
+          <p:cNvPr id="28" name="직선 연결선 27"/>
+          <p:cNvCxnSpPr/>
+          <p:nvPr/>
+        </p:nvCxnSpPr>
+        <p:spPr>
+          <a:xfrm>
+            <a:off x="2820124" y="1507587"/>
+            <a:ext cx="975584" cy="0"/>
+          </a:xfrm>
+          <a:prstGeom prst="line">
+            <a:avLst/>
+          </a:prstGeom>
+          <a:ln w="9525">
+            <a:solidFill>
+              <a:schemeClr val="tx1">
+                <a:lumMod val="75000"/>
+                <a:lumOff val="25000"/>
+              </a:schemeClr>
+            </a:solidFill>
+          </a:ln>
+        </p:spPr>
+        <p:style>
+          <a:lnRef idx="1">
+            <a:schemeClr val="accent1"/>
+          </a:lnRef>
+          <a:fillRef idx="0">
+            <a:schemeClr val="accent1"/>
+          </a:fillRef>
+          <a:effectRef idx="0">
+            <a:schemeClr val="accent1"/>
+          </a:effectRef>
+          <a:fontRef idx="minor">
+            <a:schemeClr val="tx1"/>
+          </a:fontRef>
+        </p:style>
+      </p:cxnSp>
+      <p:cxnSp>
+        <p:nvCxnSpPr>
+          <p:cNvPr id="30" name="직선 연결선 29"/>
+          <p:cNvCxnSpPr/>
+          <p:nvPr/>
+        </p:nvCxnSpPr>
+        <p:spPr>
+          <a:xfrm>
+            <a:off x="1655727" y="2208768"/>
+            <a:ext cx="909637" cy="0"/>
+          </a:xfrm>
+          <a:prstGeom prst="line">
+            <a:avLst/>
+          </a:prstGeom>
+          <a:ln w="9525">
+            <a:solidFill>
+              <a:schemeClr val="tx1">
+                <a:lumMod val="75000"/>
+                <a:lumOff val="25000"/>
+              </a:schemeClr>
+            </a:solidFill>
+          </a:ln>
+        </p:spPr>
+        <p:style>
+          <a:lnRef idx="1">
+            <a:schemeClr val="accent1"/>
+          </a:lnRef>
+          <a:fillRef idx="0">
+            <a:schemeClr val="accent1"/>
+          </a:fillRef>
+          <a:effectRef idx="0">
+            <a:schemeClr val="accent1"/>
+          </a:effectRef>
+          <a:fontRef idx="minor">
+            <a:schemeClr val="tx1"/>
+          </a:fontRef>
+        </p:style>
+      </p:cxnSp>
+      <p:pic>
+        <p:nvPicPr>
+          <p:cNvPr id="31" name="그림 30"/>
+          <p:cNvPicPr>
+            <a:picLocks noChangeAspect="1"/>
+          </p:cNvPicPr>
+          <p:nvPr/>
+        </p:nvPicPr>
+        <p:blipFill>
+          <a:blip r:embed="rId6">
+            <a:extLst>
+              <a:ext uri="{BEBA8EAE-BF5A-486C-A8C5-ECC9F3942E4B}">
+                <a14:imgProps xmlns:a14="http://schemas.microsoft.com/office/drawing/2010/main">
+                  <a14:imgLayer r:embed="rId7">
+                    <a14:imgEffect>
+                      <a14:backgroundRemoval t="12871" b="92079" l="12808" r="96552"/>
+                    </a14:imgEffect>
+                  </a14:imgLayer>
+                </a14:imgProps>
+              </a:ext>
+            </a:extLst>
+          </a:blip>
+          <a:stretch>
+            <a:fillRect/>
+          </a:stretch>
+        </p:blipFill>
+        <p:spPr>
+          <a:xfrm>
+            <a:off x="4461229" y="2683761"/>
+            <a:ext cx="498922" cy="248232"/>
+          </a:xfrm>
+          <a:prstGeom prst="rect">
+            <a:avLst/>
+          </a:prstGeom>
+        </p:spPr>
+      </p:pic>
     </p:spTree>
     <p:extLst>
       <p:ext uri="{BB962C8B-B14F-4D97-AF65-F5344CB8AC3E}">

--- a/안내문.pptx
+++ b/안내문.pptx
@@ -2,19 +2,19 @@
 <file path=ppt/presentation.xml><?xml version="1.0" encoding="utf-8"?>
 <p:presentation xmlns:a="http://schemas.openxmlformats.org/drawingml/2006/main" xmlns:r="http://schemas.openxmlformats.org/officeDocument/2006/relationships" xmlns:p="http://schemas.openxmlformats.org/presentationml/2006/main" saveSubsetFonts="1">
   <p:sldMasterIdLst>
-    <p:sldMasterId id="2147483672" r:id="rId1"/>
+    <p:sldMasterId id="2147483684" r:id="rId1"/>
   </p:sldMasterIdLst>
   <p:sldIdLst>
     <p:sldId id="256" r:id="rId2"/>
   </p:sldIdLst>
-  <p:sldSz cx="6858000" cy="9906000" type="A4"/>
+  <p:sldSz cx="9601200" cy="12801600" type="A3"/>
   <p:notesSz cx="6807200" cy="9939338"/>
   <p:defaultTextStyle>
     <a:defPPr>
       <a:defRPr lang="ko-KR"/>
     </a:defPPr>
-    <a:lvl1pPr marL="0" algn="l" defTabSz="914400" rtl="0" eaLnBrk="1" latinLnBrk="1" hangingPunct="1">
-      <a:defRPr sz="1800" kern="1200">
+    <a:lvl1pPr marL="0" algn="l" defTabSz="1221913" rtl="0" eaLnBrk="1" latinLnBrk="1" hangingPunct="1">
+      <a:defRPr sz="2405" kern="1200">
         <a:solidFill>
           <a:schemeClr val="tx1"/>
         </a:solidFill>
@@ -23,8 +23,8 @@
         <a:cs typeface="+mn-cs"/>
       </a:defRPr>
     </a:lvl1pPr>
-    <a:lvl2pPr marL="457200" algn="l" defTabSz="914400" rtl="0" eaLnBrk="1" latinLnBrk="1" hangingPunct="1">
-      <a:defRPr sz="1800" kern="1200">
+    <a:lvl2pPr marL="610956" algn="l" defTabSz="1221913" rtl="0" eaLnBrk="1" latinLnBrk="1" hangingPunct="1">
+      <a:defRPr sz="2405" kern="1200">
         <a:solidFill>
           <a:schemeClr val="tx1"/>
         </a:solidFill>
@@ -33,8 +33,8 @@
         <a:cs typeface="+mn-cs"/>
       </a:defRPr>
     </a:lvl2pPr>
-    <a:lvl3pPr marL="914400" algn="l" defTabSz="914400" rtl="0" eaLnBrk="1" latinLnBrk="1" hangingPunct="1">
-      <a:defRPr sz="1800" kern="1200">
+    <a:lvl3pPr marL="1221913" algn="l" defTabSz="1221913" rtl="0" eaLnBrk="1" latinLnBrk="1" hangingPunct="1">
+      <a:defRPr sz="2405" kern="1200">
         <a:solidFill>
           <a:schemeClr val="tx1"/>
         </a:solidFill>
@@ -43,8 +43,8 @@
         <a:cs typeface="+mn-cs"/>
       </a:defRPr>
     </a:lvl3pPr>
-    <a:lvl4pPr marL="1371600" algn="l" defTabSz="914400" rtl="0" eaLnBrk="1" latinLnBrk="1" hangingPunct="1">
-      <a:defRPr sz="1800" kern="1200">
+    <a:lvl4pPr marL="1832869" algn="l" defTabSz="1221913" rtl="0" eaLnBrk="1" latinLnBrk="1" hangingPunct="1">
+      <a:defRPr sz="2405" kern="1200">
         <a:solidFill>
           <a:schemeClr val="tx1"/>
         </a:solidFill>
@@ -53,8 +53,8 @@
         <a:cs typeface="+mn-cs"/>
       </a:defRPr>
     </a:lvl4pPr>
-    <a:lvl5pPr marL="1828800" algn="l" defTabSz="914400" rtl="0" eaLnBrk="1" latinLnBrk="1" hangingPunct="1">
-      <a:defRPr sz="1800" kern="1200">
+    <a:lvl5pPr marL="2443825" algn="l" defTabSz="1221913" rtl="0" eaLnBrk="1" latinLnBrk="1" hangingPunct="1">
+      <a:defRPr sz="2405" kern="1200">
         <a:solidFill>
           <a:schemeClr val="tx1"/>
         </a:solidFill>
@@ -63,8 +63,8 @@
         <a:cs typeface="+mn-cs"/>
       </a:defRPr>
     </a:lvl5pPr>
-    <a:lvl6pPr marL="2286000" algn="l" defTabSz="914400" rtl="0" eaLnBrk="1" latinLnBrk="1" hangingPunct="1">
-      <a:defRPr sz="1800" kern="1200">
+    <a:lvl6pPr marL="3054782" algn="l" defTabSz="1221913" rtl="0" eaLnBrk="1" latinLnBrk="1" hangingPunct="1">
+      <a:defRPr sz="2405" kern="1200">
         <a:solidFill>
           <a:schemeClr val="tx1"/>
         </a:solidFill>
@@ -73,8 +73,8 @@
         <a:cs typeface="+mn-cs"/>
       </a:defRPr>
     </a:lvl6pPr>
-    <a:lvl7pPr marL="2743200" algn="l" defTabSz="914400" rtl="0" eaLnBrk="1" latinLnBrk="1" hangingPunct="1">
-      <a:defRPr sz="1800" kern="1200">
+    <a:lvl7pPr marL="3665738" algn="l" defTabSz="1221913" rtl="0" eaLnBrk="1" latinLnBrk="1" hangingPunct="1">
+      <a:defRPr sz="2405" kern="1200">
         <a:solidFill>
           <a:schemeClr val="tx1"/>
         </a:solidFill>
@@ -83,8 +83,8 @@
         <a:cs typeface="+mn-cs"/>
       </a:defRPr>
     </a:lvl7pPr>
-    <a:lvl8pPr marL="3200400" algn="l" defTabSz="914400" rtl="0" eaLnBrk="1" latinLnBrk="1" hangingPunct="1">
-      <a:defRPr sz="1800" kern="1200">
+    <a:lvl8pPr marL="4276695" algn="l" defTabSz="1221913" rtl="0" eaLnBrk="1" latinLnBrk="1" hangingPunct="1">
+      <a:defRPr sz="2405" kern="1200">
         <a:solidFill>
           <a:schemeClr val="tx1"/>
         </a:solidFill>
@@ -93,8 +93,8 @@
         <a:cs typeface="+mn-cs"/>
       </a:defRPr>
     </a:lvl8pPr>
-    <a:lvl9pPr marL="3657600" algn="l" defTabSz="914400" rtl="0" eaLnBrk="1" latinLnBrk="1" hangingPunct="1">
-      <a:defRPr sz="1800" kern="1200">
+    <a:lvl9pPr marL="4887651" algn="l" defTabSz="1221913" rtl="0" eaLnBrk="1" latinLnBrk="1" hangingPunct="1">
+      <a:defRPr sz="2405" kern="1200">
         <a:solidFill>
           <a:schemeClr val="tx1"/>
         </a:solidFill>
@@ -107,12 +107,12 @@
   <p:extLst>
     <p:ext uri="{EFAFB233-063F-42B5-8137-9DF3F51BA10A}">
       <p15:sldGuideLst xmlns:p15="http://schemas.microsoft.com/office/powerpoint/2012/main">
-        <p15:guide id="1" orient="horz" pos="3120" userDrawn="1">
+        <p15:guide id="1" orient="horz" pos="4032" userDrawn="1">
           <p15:clr>
             <a:srgbClr val="A4A3A4"/>
           </p15:clr>
         </p15:guide>
-        <p15:guide id="2" pos="2160" userDrawn="1">
+        <p15:guide id="2" pos="3024" userDrawn="1">
           <p15:clr>
             <a:srgbClr val="A4A3A4"/>
           </p15:clr>
@@ -152,15 +152,15 @@
         </p:nvSpPr>
         <p:spPr>
           <a:xfrm>
-            <a:off x="514350" y="1621191"/>
-            <a:ext cx="5829300" cy="3448756"/>
+            <a:off x="720090" y="2095078"/>
+            <a:ext cx="8161020" cy="4456853"/>
           </a:xfrm>
         </p:spPr>
         <p:txBody>
           <a:bodyPr anchor="b"/>
           <a:lstStyle>
             <a:lvl1pPr algn="ctr">
-              <a:defRPr sz="4500"/>
+              <a:defRPr sz="6300"/>
             </a:lvl1pPr>
           </a:lstStyle>
           <a:p>
@@ -184,8 +184,8 @@
         </p:nvSpPr>
         <p:spPr>
           <a:xfrm>
-            <a:off x="857250" y="5202944"/>
-            <a:ext cx="5143500" cy="2391656"/>
+            <a:off x="1200150" y="6723804"/>
+            <a:ext cx="7200900" cy="3090756"/>
           </a:xfrm>
         </p:spPr>
         <p:txBody>
@@ -193,39 +193,39 @@
           <a:lstStyle>
             <a:lvl1pPr marL="0" indent="0" algn="ctr">
               <a:buNone/>
-              <a:defRPr sz="1800"/>
+              <a:defRPr sz="2520"/>
             </a:lvl1pPr>
-            <a:lvl2pPr marL="342900" indent="0" algn="ctr">
-              <a:buNone/>
-              <a:defRPr sz="1500"/>
+            <a:lvl2pPr marL="480060" indent="0" algn="ctr">
+              <a:buNone/>
+              <a:defRPr sz="2100"/>
             </a:lvl2pPr>
-            <a:lvl3pPr marL="685800" indent="0" algn="ctr">
-              <a:buNone/>
-              <a:defRPr sz="1350"/>
+            <a:lvl3pPr marL="960120" indent="0" algn="ctr">
+              <a:buNone/>
+              <a:defRPr sz="1890"/>
             </a:lvl3pPr>
-            <a:lvl4pPr marL="1028700" indent="0" algn="ctr">
-              <a:buNone/>
-              <a:defRPr sz="1200"/>
+            <a:lvl4pPr marL="1440180" indent="0" algn="ctr">
+              <a:buNone/>
+              <a:defRPr sz="1680"/>
             </a:lvl4pPr>
-            <a:lvl5pPr marL="1371600" indent="0" algn="ctr">
-              <a:buNone/>
-              <a:defRPr sz="1200"/>
+            <a:lvl5pPr marL="1920240" indent="0" algn="ctr">
+              <a:buNone/>
+              <a:defRPr sz="1680"/>
             </a:lvl5pPr>
-            <a:lvl6pPr marL="1714500" indent="0" algn="ctr">
-              <a:buNone/>
-              <a:defRPr sz="1200"/>
+            <a:lvl6pPr marL="2400300" indent="0" algn="ctr">
+              <a:buNone/>
+              <a:defRPr sz="1680"/>
             </a:lvl6pPr>
-            <a:lvl7pPr marL="2057400" indent="0" algn="ctr">
-              <a:buNone/>
-              <a:defRPr sz="1200"/>
+            <a:lvl7pPr marL="2880360" indent="0" algn="ctr">
+              <a:buNone/>
+              <a:defRPr sz="1680"/>
             </a:lvl7pPr>
-            <a:lvl8pPr marL="2400300" indent="0" algn="ctr">
-              <a:buNone/>
-              <a:defRPr sz="1200"/>
+            <a:lvl8pPr marL="3360420" indent="0" algn="ctr">
+              <a:buNone/>
+              <a:defRPr sz="1680"/>
             </a:lvl8pPr>
-            <a:lvl9pPr marL="2743200" indent="0" algn="ctr">
-              <a:buNone/>
-              <a:defRPr sz="1200"/>
+            <a:lvl9pPr marL="3840480" indent="0" algn="ctr">
+              <a:buNone/>
+              <a:defRPr sz="1680"/>
             </a:lvl9pPr>
           </a:lstStyle>
           <a:p>
@@ -305,7 +305,7 @@
     </p:spTree>
     <p:extLst>
       <p:ext uri="{BB962C8B-B14F-4D97-AF65-F5344CB8AC3E}">
-        <p14:creationId xmlns:p14="http://schemas.microsoft.com/office/powerpoint/2010/main" val="2842421792"/>
+        <p14:creationId xmlns:p14="http://schemas.microsoft.com/office/powerpoint/2010/main" val="2904129311"/>
       </p:ext>
     </p:extLst>
   </p:cSld>
@@ -475,7 +475,7 @@
     </p:spTree>
     <p:extLst>
       <p:ext uri="{BB962C8B-B14F-4D97-AF65-F5344CB8AC3E}">
-        <p14:creationId xmlns:p14="http://schemas.microsoft.com/office/powerpoint/2010/main" val="683288800"/>
+        <p14:creationId xmlns:p14="http://schemas.microsoft.com/office/powerpoint/2010/main" val="3545684002"/>
       </p:ext>
     </p:extLst>
   </p:cSld>
@@ -514,8 +514,8 @@
         </p:nvSpPr>
         <p:spPr>
           <a:xfrm>
-            <a:off x="4907757" y="527403"/>
-            <a:ext cx="1478756" cy="8394877"/>
+            <a:off x="6870859" y="681567"/>
+            <a:ext cx="2070259" cy="10848764"/>
           </a:xfrm>
         </p:spPr>
         <p:txBody>
@@ -542,8 +542,8 @@
         </p:nvSpPr>
         <p:spPr>
           <a:xfrm>
-            <a:off x="471488" y="527403"/>
-            <a:ext cx="4350544" cy="8394877"/>
+            <a:off x="660083" y="681567"/>
+            <a:ext cx="6090761" cy="10848764"/>
           </a:xfrm>
         </p:spPr>
         <p:txBody>
@@ -655,7 +655,7 @@
     </p:spTree>
     <p:extLst>
       <p:ext uri="{BB962C8B-B14F-4D97-AF65-F5344CB8AC3E}">
-        <p14:creationId xmlns:p14="http://schemas.microsoft.com/office/powerpoint/2010/main" val="2330522770"/>
+        <p14:creationId xmlns:p14="http://schemas.microsoft.com/office/powerpoint/2010/main" val="2755766859"/>
       </p:ext>
     </p:extLst>
   </p:cSld>
@@ -825,7 +825,7 @@
     </p:spTree>
     <p:extLst>
       <p:ext uri="{BB962C8B-B14F-4D97-AF65-F5344CB8AC3E}">
-        <p14:creationId xmlns:p14="http://schemas.microsoft.com/office/powerpoint/2010/main" val="1738791300"/>
+        <p14:creationId xmlns:p14="http://schemas.microsoft.com/office/powerpoint/2010/main" val="4017657010"/>
       </p:ext>
     </p:extLst>
   </p:cSld>
@@ -864,15 +864,15 @@
         </p:nvSpPr>
         <p:spPr>
           <a:xfrm>
-            <a:off x="467916" y="2469624"/>
-            <a:ext cx="5915025" cy="4120620"/>
+            <a:off x="655082" y="3191514"/>
+            <a:ext cx="8281035" cy="5325109"/>
           </a:xfrm>
         </p:spPr>
         <p:txBody>
           <a:bodyPr anchor="b"/>
           <a:lstStyle>
             <a:lvl1pPr>
-              <a:defRPr sz="4500"/>
+              <a:defRPr sz="6300"/>
             </a:lvl1pPr>
           </a:lstStyle>
           <a:p>
@@ -896,8 +896,8 @@
         </p:nvSpPr>
         <p:spPr>
           <a:xfrm>
-            <a:off x="467916" y="6629226"/>
-            <a:ext cx="5915025" cy="2166937"/>
+            <a:off x="655082" y="8567000"/>
+            <a:ext cx="8281035" cy="2800349"/>
           </a:xfrm>
         </p:spPr>
         <p:txBody>
@@ -905,15 +905,15 @@
           <a:lstStyle>
             <a:lvl1pPr marL="0" indent="0">
               <a:buNone/>
-              <a:defRPr sz="1800">
+              <a:defRPr sz="2520">
                 <a:solidFill>
                   <a:schemeClr val="tx1"/>
                 </a:solidFill>
               </a:defRPr>
             </a:lvl1pPr>
-            <a:lvl2pPr marL="342900" indent="0">
-              <a:buNone/>
-              <a:defRPr sz="1500">
+            <a:lvl2pPr marL="480060" indent="0">
+              <a:buNone/>
+              <a:defRPr sz="2100">
                 <a:solidFill>
                   <a:schemeClr val="tx1">
                     <a:tint val="75000"/>
@@ -921,9 +921,9 @@
                 </a:solidFill>
               </a:defRPr>
             </a:lvl2pPr>
-            <a:lvl3pPr marL="685800" indent="0">
-              <a:buNone/>
-              <a:defRPr sz="1350">
+            <a:lvl3pPr marL="960120" indent="0">
+              <a:buNone/>
+              <a:defRPr sz="1890">
                 <a:solidFill>
                   <a:schemeClr val="tx1">
                     <a:tint val="75000"/>
@@ -931,9 +931,9 @@
                 </a:solidFill>
               </a:defRPr>
             </a:lvl3pPr>
-            <a:lvl4pPr marL="1028700" indent="0">
-              <a:buNone/>
-              <a:defRPr sz="1200">
+            <a:lvl4pPr marL="1440180" indent="0">
+              <a:buNone/>
+              <a:defRPr sz="1680">
                 <a:solidFill>
                   <a:schemeClr val="tx1">
                     <a:tint val="75000"/>
@@ -941,9 +941,9 @@
                 </a:solidFill>
               </a:defRPr>
             </a:lvl4pPr>
-            <a:lvl5pPr marL="1371600" indent="0">
-              <a:buNone/>
-              <a:defRPr sz="1200">
+            <a:lvl5pPr marL="1920240" indent="0">
+              <a:buNone/>
+              <a:defRPr sz="1680">
                 <a:solidFill>
                   <a:schemeClr val="tx1">
                     <a:tint val="75000"/>
@@ -951,9 +951,9 @@
                 </a:solidFill>
               </a:defRPr>
             </a:lvl5pPr>
-            <a:lvl6pPr marL="1714500" indent="0">
-              <a:buNone/>
-              <a:defRPr sz="1200">
+            <a:lvl6pPr marL="2400300" indent="0">
+              <a:buNone/>
+              <a:defRPr sz="1680">
                 <a:solidFill>
                   <a:schemeClr val="tx1">
                     <a:tint val="75000"/>
@@ -961,9 +961,9 @@
                 </a:solidFill>
               </a:defRPr>
             </a:lvl6pPr>
-            <a:lvl7pPr marL="2057400" indent="0">
-              <a:buNone/>
-              <a:defRPr sz="1200">
+            <a:lvl7pPr marL="2880360" indent="0">
+              <a:buNone/>
+              <a:defRPr sz="1680">
                 <a:solidFill>
                   <a:schemeClr val="tx1">
                     <a:tint val="75000"/>
@@ -971,9 +971,9 @@
                 </a:solidFill>
               </a:defRPr>
             </a:lvl7pPr>
-            <a:lvl8pPr marL="2400300" indent="0">
-              <a:buNone/>
-              <a:defRPr sz="1200">
+            <a:lvl8pPr marL="3360420" indent="0">
+              <a:buNone/>
+              <a:defRPr sz="1680">
                 <a:solidFill>
                   <a:schemeClr val="tx1">
                     <a:tint val="75000"/>
@@ -981,9 +981,9 @@
                 </a:solidFill>
               </a:defRPr>
             </a:lvl8pPr>
-            <a:lvl9pPr marL="2743200" indent="0">
-              <a:buNone/>
-              <a:defRPr sz="1200">
+            <a:lvl9pPr marL="3840480" indent="0">
+              <a:buNone/>
+              <a:defRPr sz="1680">
                 <a:solidFill>
                   <a:schemeClr val="tx1">
                     <a:tint val="75000"/>
@@ -1069,7 +1069,7 @@
     </p:spTree>
     <p:extLst>
       <p:ext uri="{BB962C8B-B14F-4D97-AF65-F5344CB8AC3E}">
-        <p14:creationId xmlns:p14="http://schemas.microsoft.com/office/powerpoint/2010/main" val="629716901"/>
+        <p14:creationId xmlns:p14="http://schemas.microsoft.com/office/powerpoint/2010/main" val="635556833"/>
       </p:ext>
     </p:extLst>
   </p:cSld>
@@ -1131,8 +1131,8 @@
         </p:nvSpPr>
         <p:spPr>
           <a:xfrm>
-            <a:off x="471488" y="2637014"/>
-            <a:ext cx="2914650" cy="6285266"/>
+            <a:off x="660083" y="3407833"/>
+            <a:ext cx="4080510" cy="8122498"/>
           </a:xfrm>
         </p:spPr>
         <p:txBody>
@@ -1188,8 +1188,8 @@
         </p:nvSpPr>
         <p:spPr>
           <a:xfrm>
-            <a:off x="3471863" y="2637014"/>
-            <a:ext cx="2914650" cy="6285266"/>
+            <a:off x="4860608" y="3407833"/>
+            <a:ext cx="4080510" cy="8122498"/>
           </a:xfrm>
         </p:spPr>
         <p:txBody>
@@ -1301,7 +1301,7 @@
     </p:spTree>
     <p:extLst>
       <p:ext uri="{BB962C8B-B14F-4D97-AF65-F5344CB8AC3E}">
-        <p14:creationId xmlns:p14="http://schemas.microsoft.com/office/powerpoint/2010/main" val="2224561244"/>
+        <p14:creationId xmlns:p14="http://schemas.microsoft.com/office/powerpoint/2010/main" val="521806048"/>
       </p:ext>
     </p:extLst>
   </p:cSld>
@@ -1340,8 +1340,8 @@
         </p:nvSpPr>
         <p:spPr>
           <a:xfrm>
-            <a:off x="472381" y="527405"/>
-            <a:ext cx="5915025" cy="1914702"/>
+            <a:off x="661333" y="681570"/>
+            <a:ext cx="8281035" cy="2474384"/>
           </a:xfrm>
         </p:spPr>
         <p:txBody>
@@ -1368,8 +1368,8 @@
         </p:nvSpPr>
         <p:spPr>
           <a:xfrm>
-            <a:off x="472381" y="2428347"/>
-            <a:ext cx="2901255" cy="1190095"/>
+            <a:off x="661334" y="3138171"/>
+            <a:ext cx="4061757" cy="1537969"/>
           </a:xfrm>
         </p:spPr>
         <p:txBody>
@@ -1377,39 +1377,39 @@
           <a:lstStyle>
             <a:lvl1pPr marL="0" indent="0">
               <a:buNone/>
-              <a:defRPr sz="1800" b="1"/>
+              <a:defRPr sz="2520" b="1"/>
             </a:lvl1pPr>
-            <a:lvl2pPr marL="342900" indent="0">
-              <a:buNone/>
-              <a:defRPr sz="1500" b="1"/>
+            <a:lvl2pPr marL="480060" indent="0">
+              <a:buNone/>
+              <a:defRPr sz="2100" b="1"/>
             </a:lvl2pPr>
-            <a:lvl3pPr marL="685800" indent="0">
-              <a:buNone/>
-              <a:defRPr sz="1350" b="1"/>
+            <a:lvl3pPr marL="960120" indent="0">
+              <a:buNone/>
+              <a:defRPr sz="1890" b="1"/>
             </a:lvl3pPr>
-            <a:lvl4pPr marL="1028700" indent="0">
-              <a:buNone/>
-              <a:defRPr sz="1200" b="1"/>
+            <a:lvl4pPr marL="1440180" indent="0">
+              <a:buNone/>
+              <a:defRPr sz="1680" b="1"/>
             </a:lvl4pPr>
-            <a:lvl5pPr marL="1371600" indent="0">
-              <a:buNone/>
-              <a:defRPr sz="1200" b="1"/>
+            <a:lvl5pPr marL="1920240" indent="0">
+              <a:buNone/>
+              <a:defRPr sz="1680" b="1"/>
             </a:lvl5pPr>
-            <a:lvl6pPr marL="1714500" indent="0">
-              <a:buNone/>
-              <a:defRPr sz="1200" b="1"/>
+            <a:lvl6pPr marL="2400300" indent="0">
+              <a:buNone/>
+              <a:defRPr sz="1680" b="1"/>
             </a:lvl6pPr>
-            <a:lvl7pPr marL="2057400" indent="0">
-              <a:buNone/>
-              <a:defRPr sz="1200" b="1"/>
+            <a:lvl7pPr marL="2880360" indent="0">
+              <a:buNone/>
+              <a:defRPr sz="1680" b="1"/>
             </a:lvl7pPr>
-            <a:lvl8pPr marL="2400300" indent="0">
-              <a:buNone/>
-              <a:defRPr sz="1200" b="1"/>
+            <a:lvl8pPr marL="3360420" indent="0">
+              <a:buNone/>
+              <a:defRPr sz="1680" b="1"/>
             </a:lvl8pPr>
-            <a:lvl9pPr marL="2743200" indent="0">
-              <a:buNone/>
-              <a:defRPr sz="1200" b="1"/>
+            <a:lvl9pPr marL="3840480" indent="0">
+              <a:buNone/>
+              <a:defRPr sz="1680" b="1"/>
             </a:lvl9pPr>
           </a:lstStyle>
           <a:p>
@@ -1433,8 +1433,8 @@
         </p:nvSpPr>
         <p:spPr>
           <a:xfrm>
-            <a:off x="472381" y="3618442"/>
-            <a:ext cx="2901255" cy="5322183"/>
+            <a:off x="661334" y="4676140"/>
+            <a:ext cx="4061757" cy="6877898"/>
           </a:xfrm>
         </p:spPr>
         <p:txBody>
@@ -1490,8 +1490,8 @@
         </p:nvSpPr>
         <p:spPr>
           <a:xfrm>
-            <a:off x="3471863" y="2428347"/>
-            <a:ext cx="2915543" cy="1190095"/>
+            <a:off x="4860608" y="3138171"/>
+            <a:ext cx="4081761" cy="1537969"/>
           </a:xfrm>
         </p:spPr>
         <p:txBody>
@@ -1499,39 +1499,39 @@
           <a:lstStyle>
             <a:lvl1pPr marL="0" indent="0">
               <a:buNone/>
-              <a:defRPr sz="1800" b="1"/>
+              <a:defRPr sz="2520" b="1"/>
             </a:lvl1pPr>
-            <a:lvl2pPr marL="342900" indent="0">
-              <a:buNone/>
-              <a:defRPr sz="1500" b="1"/>
+            <a:lvl2pPr marL="480060" indent="0">
+              <a:buNone/>
+              <a:defRPr sz="2100" b="1"/>
             </a:lvl2pPr>
-            <a:lvl3pPr marL="685800" indent="0">
-              <a:buNone/>
-              <a:defRPr sz="1350" b="1"/>
+            <a:lvl3pPr marL="960120" indent="0">
+              <a:buNone/>
+              <a:defRPr sz="1890" b="1"/>
             </a:lvl3pPr>
-            <a:lvl4pPr marL="1028700" indent="0">
-              <a:buNone/>
-              <a:defRPr sz="1200" b="1"/>
+            <a:lvl4pPr marL="1440180" indent="0">
+              <a:buNone/>
+              <a:defRPr sz="1680" b="1"/>
             </a:lvl4pPr>
-            <a:lvl5pPr marL="1371600" indent="0">
-              <a:buNone/>
-              <a:defRPr sz="1200" b="1"/>
+            <a:lvl5pPr marL="1920240" indent="0">
+              <a:buNone/>
+              <a:defRPr sz="1680" b="1"/>
             </a:lvl5pPr>
-            <a:lvl6pPr marL="1714500" indent="0">
-              <a:buNone/>
-              <a:defRPr sz="1200" b="1"/>
+            <a:lvl6pPr marL="2400300" indent="0">
+              <a:buNone/>
+              <a:defRPr sz="1680" b="1"/>
             </a:lvl6pPr>
-            <a:lvl7pPr marL="2057400" indent="0">
-              <a:buNone/>
-              <a:defRPr sz="1200" b="1"/>
+            <a:lvl7pPr marL="2880360" indent="0">
+              <a:buNone/>
+              <a:defRPr sz="1680" b="1"/>
             </a:lvl7pPr>
-            <a:lvl8pPr marL="2400300" indent="0">
-              <a:buNone/>
-              <a:defRPr sz="1200" b="1"/>
+            <a:lvl8pPr marL="3360420" indent="0">
+              <a:buNone/>
+              <a:defRPr sz="1680" b="1"/>
             </a:lvl8pPr>
-            <a:lvl9pPr marL="2743200" indent="0">
-              <a:buNone/>
-              <a:defRPr sz="1200" b="1"/>
+            <a:lvl9pPr marL="3840480" indent="0">
+              <a:buNone/>
+              <a:defRPr sz="1680" b="1"/>
             </a:lvl9pPr>
           </a:lstStyle>
           <a:p>
@@ -1555,8 +1555,8 @@
         </p:nvSpPr>
         <p:spPr>
           <a:xfrm>
-            <a:off x="3471863" y="3618442"/>
-            <a:ext cx="2915543" cy="5322183"/>
+            <a:off x="4860608" y="4676140"/>
+            <a:ext cx="4081761" cy="6877898"/>
           </a:xfrm>
         </p:spPr>
         <p:txBody>
@@ -1668,7 +1668,7 @@
     </p:spTree>
     <p:extLst>
       <p:ext uri="{BB962C8B-B14F-4D97-AF65-F5344CB8AC3E}">
-        <p14:creationId xmlns:p14="http://schemas.microsoft.com/office/powerpoint/2010/main" val="4267913837"/>
+        <p14:creationId xmlns:p14="http://schemas.microsoft.com/office/powerpoint/2010/main" val="423948700"/>
       </p:ext>
     </p:extLst>
   </p:cSld>
@@ -1786,7 +1786,7 @@
     </p:spTree>
     <p:extLst>
       <p:ext uri="{BB962C8B-B14F-4D97-AF65-F5344CB8AC3E}">
-        <p14:creationId xmlns:p14="http://schemas.microsoft.com/office/powerpoint/2010/main" val="4048194247"/>
+        <p14:creationId xmlns:p14="http://schemas.microsoft.com/office/powerpoint/2010/main" val="3988465934"/>
       </p:ext>
     </p:extLst>
   </p:cSld>
@@ -1881,7 +1881,7 @@
     </p:spTree>
     <p:extLst>
       <p:ext uri="{BB962C8B-B14F-4D97-AF65-F5344CB8AC3E}">
-        <p14:creationId xmlns:p14="http://schemas.microsoft.com/office/powerpoint/2010/main" val="807030952"/>
+        <p14:creationId xmlns:p14="http://schemas.microsoft.com/office/powerpoint/2010/main" val="3471228760"/>
       </p:ext>
     </p:extLst>
   </p:cSld>
@@ -1920,15 +1920,15 @@
         </p:nvSpPr>
         <p:spPr>
           <a:xfrm>
-            <a:off x="472381" y="660400"/>
-            <a:ext cx="2211884" cy="2311400"/>
+            <a:off x="661333" y="853440"/>
+            <a:ext cx="3096637" cy="2987040"/>
           </a:xfrm>
         </p:spPr>
         <p:txBody>
           <a:bodyPr anchor="b"/>
           <a:lstStyle>
             <a:lvl1pPr>
-              <a:defRPr sz="2400"/>
+              <a:defRPr sz="3360"/>
             </a:lvl1pPr>
           </a:lstStyle>
           <a:p>
@@ -1952,39 +1952,39 @@
         </p:nvSpPr>
         <p:spPr>
           <a:xfrm>
-            <a:off x="2915543" y="1426283"/>
-            <a:ext cx="3471863" cy="7039681"/>
+            <a:off x="4081760" y="1843196"/>
+            <a:ext cx="4860608" cy="9097433"/>
           </a:xfrm>
         </p:spPr>
         <p:txBody>
           <a:bodyPr/>
           <a:lstStyle>
             <a:lvl1pPr>
-              <a:defRPr sz="2400"/>
+              <a:defRPr sz="3360"/>
             </a:lvl1pPr>
             <a:lvl2pPr>
-              <a:defRPr sz="2100"/>
+              <a:defRPr sz="2940"/>
             </a:lvl2pPr>
             <a:lvl3pPr>
-              <a:defRPr sz="1800"/>
+              <a:defRPr sz="2520"/>
             </a:lvl3pPr>
             <a:lvl4pPr>
-              <a:defRPr sz="1500"/>
+              <a:defRPr sz="2100"/>
             </a:lvl4pPr>
             <a:lvl5pPr>
-              <a:defRPr sz="1500"/>
+              <a:defRPr sz="2100"/>
             </a:lvl5pPr>
             <a:lvl6pPr>
-              <a:defRPr sz="1500"/>
+              <a:defRPr sz="2100"/>
             </a:lvl6pPr>
             <a:lvl7pPr>
-              <a:defRPr sz="1500"/>
+              <a:defRPr sz="2100"/>
             </a:lvl7pPr>
             <a:lvl8pPr>
-              <a:defRPr sz="1500"/>
+              <a:defRPr sz="2100"/>
             </a:lvl8pPr>
             <a:lvl9pPr>
-              <a:defRPr sz="1500"/>
+              <a:defRPr sz="2100"/>
             </a:lvl9pPr>
           </a:lstStyle>
           <a:p>
@@ -2037,8 +2037,8 @@
         </p:nvSpPr>
         <p:spPr>
           <a:xfrm>
-            <a:off x="472381" y="2971800"/>
-            <a:ext cx="2211884" cy="5505627"/>
+            <a:off x="661333" y="3840480"/>
+            <a:ext cx="3096637" cy="7114964"/>
           </a:xfrm>
         </p:spPr>
         <p:txBody>
@@ -2046,39 +2046,39 @@
           <a:lstStyle>
             <a:lvl1pPr marL="0" indent="0">
               <a:buNone/>
-              <a:defRPr sz="1200"/>
+              <a:defRPr sz="1680"/>
             </a:lvl1pPr>
-            <a:lvl2pPr marL="342900" indent="0">
+            <a:lvl2pPr marL="480060" indent="0">
+              <a:buNone/>
+              <a:defRPr sz="1470"/>
+            </a:lvl2pPr>
+            <a:lvl3pPr marL="960120" indent="0">
+              <a:buNone/>
+              <a:defRPr sz="1260"/>
+            </a:lvl3pPr>
+            <a:lvl4pPr marL="1440180" indent="0">
               <a:buNone/>
               <a:defRPr sz="1050"/>
-            </a:lvl2pPr>
-            <a:lvl3pPr marL="685800" indent="0">
-              <a:buNone/>
-              <a:defRPr sz="900"/>
-            </a:lvl3pPr>
-            <a:lvl4pPr marL="1028700" indent="0">
-              <a:buNone/>
-              <a:defRPr sz="750"/>
             </a:lvl4pPr>
-            <a:lvl5pPr marL="1371600" indent="0">
-              <a:buNone/>
-              <a:defRPr sz="750"/>
+            <a:lvl5pPr marL="1920240" indent="0">
+              <a:buNone/>
+              <a:defRPr sz="1050"/>
             </a:lvl5pPr>
-            <a:lvl6pPr marL="1714500" indent="0">
-              <a:buNone/>
-              <a:defRPr sz="750"/>
+            <a:lvl6pPr marL="2400300" indent="0">
+              <a:buNone/>
+              <a:defRPr sz="1050"/>
             </a:lvl6pPr>
-            <a:lvl7pPr marL="2057400" indent="0">
-              <a:buNone/>
-              <a:defRPr sz="750"/>
+            <a:lvl7pPr marL="2880360" indent="0">
+              <a:buNone/>
+              <a:defRPr sz="1050"/>
             </a:lvl7pPr>
-            <a:lvl8pPr marL="2400300" indent="0">
-              <a:buNone/>
-              <a:defRPr sz="750"/>
+            <a:lvl8pPr marL="3360420" indent="0">
+              <a:buNone/>
+              <a:defRPr sz="1050"/>
             </a:lvl8pPr>
-            <a:lvl9pPr marL="2743200" indent="0">
-              <a:buNone/>
-              <a:defRPr sz="750"/>
+            <a:lvl9pPr marL="3840480" indent="0">
+              <a:buNone/>
+              <a:defRPr sz="1050"/>
             </a:lvl9pPr>
           </a:lstStyle>
           <a:p>
@@ -2158,7 +2158,7 @@
     </p:spTree>
     <p:extLst>
       <p:ext uri="{BB962C8B-B14F-4D97-AF65-F5344CB8AC3E}">
-        <p14:creationId xmlns:p14="http://schemas.microsoft.com/office/powerpoint/2010/main" val="561529760"/>
+        <p14:creationId xmlns:p14="http://schemas.microsoft.com/office/powerpoint/2010/main" val="269492811"/>
       </p:ext>
     </p:extLst>
   </p:cSld>
@@ -2197,15 +2197,15 @@
         </p:nvSpPr>
         <p:spPr>
           <a:xfrm>
-            <a:off x="472381" y="660400"/>
-            <a:ext cx="2211884" cy="2311400"/>
+            <a:off x="661333" y="853440"/>
+            <a:ext cx="3096637" cy="2987040"/>
           </a:xfrm>
         </p:spPr>
         <p:txBody>
           <a:bodyPr anchor="b"/>
           <a:lstStyle>
             <a:lvl1pPr>
-              <a:defRPr sz="2400"/>
+              <a:defRPr sz="3360"/>
             </a:lvl1pPr>
           </a:lstStyle>
           <a:p>
@@ -2229,8 +2229,8 @@
         </p:nvSpPr>
         <p:spPr>
           <a:xfrm>
-            <a:off x="2915543" y="1426283"/>
-            <a:ext cx="3471863" cy="7039681"/>
+            <a:off x="4081760" y="1843196"/>
+            <a:ext cx="4860608" cy="9097433"/>
           </a:xfrm>
         </p:spPr>
         <p:txBody>
@@ -2238,39 +2238,39 @@
           <a:lstStyle>
             <a:lvl1pPr marL="0" indent="0">
               <a:buNone/>
-              <a:defRPr sz="2400"/>
+              <a:defRPr sz="3360"/>
             </a:lvl1pPr>
-            <a:lvl2pPr marL="342900" indent="0">
+            <a:lvl2pPr marL="480060" indent="0">
+              <a:buNone/>
+              <a:defRPr sz="2940"/>
+            </a:lvl2pPr>
+            <a:lvl3pPr marL="960120" indent="0">
+              <a:buNone/>
+              <a:defRPr sz="2520"/>
+            </a:lvl3pPr>
+            <a:lvl4pPr marL="1440180" indent="0">
               <a:buNone/>
               <a:defRPr sz="2100"/>
-            </a:lvl2pPr>
-            <a:lvl3pPr marL="685800" indent="0">
-              <a:buNone/>
-              <a:defRPr sz="1800"/>
-            </a:lvl3pPr>
-            <a:lvl4pPr marL="1028700" indent="0">
-              <a:buNone/>
-              <a:defRPr sz="1500"/>
             </a:lvl4pPr>
-            <a:lvl5pPr marL="1371600" indent="0">
-              <a:buNone/>
-              <a:defRPr sz="1500"/>
+            <a:lvl5pPr marL="1920240" indent="0">
+              <a:buNone/>
+              <a:defRPr sz="2100"/>
             </a:lvl5pPr>
-            <a:lvl6pPr marL="1714500" indent="0">
-              <a:buNone/>
-              <a:defRPr sz="1500"/>
+            <a:lvl6pPr marL="2400300" indent="0">
+              <a:buNone/>
+              <a:defRPr sz="2100"/>
             </a:lvl6pPr>
-            <a:lvl7pPr marL="2057400" indent="0">
-              <a:buNone/>
-              <a:defRPr sz="1500"/>
+            <a:lvl7pPr marL="2880360" indent="0">
+              <a:buNone/>
+              <a:defRPr sz="2100"/>
             </a:lvl7pPr>
-            <a:lvl8pPr marL="2400300" indent="0">
-              <a:buNone/>
-              <a:defRPr sz="1500"/>
+            <a:lvl8pPr marL="3360420" indent="0">
+              <a:buNone/>
+              <a:defRPr sz="2100"/>
             </a:lvl8pPr>
-            <a:lvl9pPr marL="2743200" indent="0">
-              <a:buNone/>
-              <a:defRPr sz="1500"/>
+            <a:lvl9pPr marL="3840480" indent="0">
+              <a:buNone/>
+              <a:defRPr sz="2100"/>
             </a:lvl9pPr>
           </a:lstStyle>
           <a:p>
@@ -2294,8 +2294,8 @@
         </p:nvSpPr>
         <p:spPr>
           <a:xfrm>
-            <a:off x="472381" y="2971800"/>
-            <a:ext cx="2211884" cy="5505627"/>
+            <a:off x="661333" y="3840480"/>
+            <a:ext cx="3096637" cy="7114964"/>
           </a:xfrm>
         </p:spPr>
         <p:txBody>
@@ -2303,39 +2303,39 @@
           <a:lstStyle>
             <a:lvl1pPr marL="0" indent="0">
               <a:buNone/>
-              <a:defRPr sz="1200"/>
+              <a:defRPr sz="1680"/>
             </a:lvl1pPr>
-            <a:lvl2pPr marL="342900" indent="0">
+            <a:lvl2pPr marL="480060" indent="0">
+              <a:buNone/>
+              <a:defRPr sz="1470"/>
+            </a:lvl2pPr>
+            <a:lvl3pPr marL="960120" indent="0">
+              <a:buNone/>
+              <a:defRPr sz="1260"/>
+            </a:lvl3pPr>
+            <a:lvl4pPr marL="1440180" indent="0">
               <a:buNone/>
               <a:defRPr sz="1050"/>
-            </a:lvl2pPr>
-            <a:lvl3pPr marL="685800" indent="0">
-              <a:buNone/>
-              <a:defRPr sz="900"/>
-            </a:lvl3pPr>
-            <a:lvl4pPr marL="1028700" indent="0">
-              <a:buNone/>
-              <a:defRPr sz="750"/>
             </a:lvl4pPr>
-            <a:lvl5pPr marL="1371600" indent="0">
-              <a:buNone/>
-              <a:defRPr sz="750"/>
+            <a:lvl5pPr marL="1920240" indent="0">
+              <a:buNone/>
+              <a:defRPr sz="1050"/>
             </a:lvl5pPr>
-            <a:lvl6pPr marL="1714500" indent="0">
-              <a:buNone/>
-              <a:defRPr sz="750"/>
+            <a:lvl6pPr marL="2400300" indent="0">
+              <a:buNone/>
+              <a:defRPr sz="1050"/>
             </a:lvl6pPr>
-            <a:lvl7pPr marL="2057400" indent="0">
-              <a:buNone/>
-              <a:defRPr sz="750"/>
+            <a:lvl7pPr marL="2880360" indent="0">
+              <a:buNone/>
+              <a:defRPr sz="1050"/>
             </a:lvl7pPr>
-            <a:lvl8pPr marL="2400300" indent="0">
-              <a:buNone/>
-              <a:defRPr sz="750"/>
+            <a:lvl8pPr marL="3360420" indent="0">
+              <a:buNone/>
+              <a:defRPr sz="1050"/>
             </a:lvl8pPr>
-            <a:lvl9pPr marL="2743200" indent="0">
-              <a:buNone/>
-              <a:defRPr sz="750"/>
+            <a:lvl9pPr marL="3840480" indent="0">
+              <a:buNone/>
+              <a:defRPr sz="1050"/>
             </a:lvl9pPr>
           </a:lstStyle>
           <a:p>
@@ -2415,7 +2415,7 @@
     </p:spTree>
     <p:extLst>
       <p:ext uri="{BB962C8B-B14F-4D97-AF65-F5344CB8AC3E}">
-        <p14:creationId xmlns:p14="http://schemas.microsoft.com/office/powerpoint/2010/main" val="3649893853"/>
+        <p14:creationId xmlns:p14="http://schemas.microsoft.com/office/powerpoint/2010/main" val="1807848745"/>
       </p:ext>
     </p:extLst>
   </p:cSld>
@@ -2459,8 +2459,8 @@
         </p:nvSpPr>
         <p:spPr>
           <a:xfrm>
-            <a:off x="471488" y="527405"/>
-            <a:ext cx="5915025" cy="1914702"/>
+            <a:off x="660083" y="681570"/>
+            <a:ext cx="8281035" cy="2474384"/>
           </a:xfrm>
           <a:prstGeom prst="rect">
             <a:avLst/>
@@ -2492,8 +2492,8 @@
         </p:nvSpPr>
         <p:spPr>
           <a:xfrm>
-            <a:off x="471488" y="2637014"/>
-            <a:ext cx="5915025" cy="6285266"/>
+            <a:off x="660083" y="3407833"/>
+            <a:ext cx="8281035" cy="8122498"/>
           </a:xfrm>
           <a:prstGeom prst="rect">
             <a:avLst/>
@@ -2554,8 +2554,8 @@
         </p:nvSpPr>
         <p:spPr>
           <a:xfrm>
-            <a:off x="471488" y="9181397"/>
-            <a:ext cx="1543050" cy="527403"/>
+            <a:off x="660083" y="11865189"/>
+            <a:ext cx="2160270" cy="681567"/>
           </a:xfrm>
           <a:prstGeom prst="rect">
             <a:avLst/>
@@ -2565,7 +2565,7 @@
           <a:bodyPr vert="horz" lIns="91440" tIns="45720" rIns="91440" bIns="45720" rtlCol="0" anchor="ctr"/>
           <a:lstStyle>
             <a:lvl1pPr algn="l">
-              <a:defRPr sz="900">
+              <a:defRPr sz="1260">
                 <a:solidFill>
                   <a:schemeClr val="tx1">
                     <a:tint val="75000"/>
@@ -2595,8 +2595,8 @@
         </p:nvSpPr>
         <p:spPr>
           <a:xfrm>
-            <a:off x="2271713" y="9181397"/>
-            <a:ext cx="2314575" cy="527403"/>
+            <a:off x="3180398" y="11865189"/>
+            <a:ext cx="3240405" cy="681567"/>
           </a:xfrm>
           <a:prstGeom prst="rect">
             <a:avLst/>
@@ -2606,7 +2606,7 @@
           <a:bodyPr vert="horz" lIns="91440" tIns="45720" rIns="91440" bIns="45720" rtlCol="0" anchor="ctr"/>
           <a:lstStyle>
             <a:lvl1pPr algn="ctr">
-              <a:defRPr sz="900">
+              <a:defRPr sz="1260">
                 <a:solidFill>
                   <a:schemeClr val="tx1">
                     <a:tint val="75000"/>
@@ -2632,8 +2632,8 @@
         </p:nvSpPr>
         <p:spPr>
           <a:xfrm>
-            <a:off x="4843463" y="9181397"/>
-            <a:ext cx="1543050" cy="527403"/>
+            <a:off x="6780848" y="11865189"/>
+            <a:ext cx="2160270" cy="681567"/>
           </a:xfrm>
           <a:prstGeom prst="rect">
             <a:avLst/>
@@ -2643,7 +2643,7 @@
           <a:bodyPr vert="horz" lIns="91440" tIns="45720" rIns="91440" bIns="45720" rtlCol="0" anchor="ctr"/>
           <a:lstStyle>
             <a:lvl1pPr algn="r">
-              <a:defRPr sz="900">
+              <a:defRPr sz="1260">
                 <a:solidFill>
                   <a:schemeClr val="tx1">
                     <a:tint val="75000"/>
@@ -2664,27 +2664,27 @@
     </p:spTree>
     <p:extLst>
       <p:ext uri="{BB962C8B-B14F-4D97-AF65-F5344CB8AC3E}">
-        <p14:creationId xmlns:p14="http://schemas.microsoft.com/office/powerpoint/2010/main" val="825695194"/>
+        <p14:creationId xmlns:p14="http://schemas.microsoft.com/office/powerpoint/2010/main" val="3391303959"/>
       </p:ext>
     </p:extLst>
   </p:cSld>
   <p:clrMap bg1="lt1" tx1="dk1" bg2="lt2" tx2="dk2" accent1="accent1" accent2="accent2" accent3="accent3" accent4="accent4" accent5="accent5" accent6="accent6" hlink="hlink" folHlink="folHlink"/>
   <p:sldLayoutIdLst>
-    <p:sldLayoutId id="2147483673" r:id="rId1"/>
-    <p:sldLayoutId id="2147483674" r:id="rId2"/>
-    <p:sldLayoutId id="2147483675" r:id="rId3"/>
-    <p:sldLayoutId id="2147483676" r:id="rId4"/>
-    <p:sldLayoutId id="2147483677" r:id="rId5"/>
-    <p:sldLayoutId id="2147483678" r:id="rId6"/>
-    <p:sldLayoutId id="2147483679" r:id="rId7"/>
-    <p:sldLayoutId id="2147483680" r:id="rId8"/>
-    <p:sldLayoutId id="2147483681" r:id="rId9"/>
-    <p:sldLayoutId id="2147483682" r:id="rId10"/>
-    <p:sldLayoutId id="2147483683" r:id="rId11"/>
+    <p:sldLayoutId id="2147483685" r:id="rId1"/>
+    <p:sldLayoutId id="2147483686" r:id="rId2"/>
+    <p:sldLayoutId id="2147483687" r:id="rId3"/>
+    <p:sldLayoutId id="2147483688" r:id="rId4"/>
+    <p:sldLayoutId id="2147483689" r:id="rId5"/>
+    <p:sldLayoutId id="2147483690" r:id="rId6"/>
+    <p:sldLayoutId id="2147483691" r:id="rId7"/>
+    <p:sldLayoutId id="2147483692" r:id="rId8"/>
+    <p:sldLayoutId id="2147483693" r:id="rId9"/>
+    <p:sldLayoutId id="2147483694" r:id="rId10"/>
+    <p:sldLayoutId id="2147483695" r:id="rId11"/>
   </p:sldLayoutIdLst>
   <p:txStyles>
     <p:titleStyle>
-      <a:lvl1pPr algn="l" defTabSz="685800" rtl="0" eaLnBrk="1" latinLnBrk="1" hangingPunct="1">
+      <a:lvl1pPr algn="l" defTabSz="960120" rtl="0" eaLnBrk="1" latinLnBrk="1" hangingPunct="1">
         <a:lnSpc>
           <a:spcPct val="90000"/>
         </a:lnSpc>
@@ -2692,7 +2692,7 @@
           <a:spcPct val="0"/>
         </a:spcBef>
         <a:buNone/>
-        <a:defRPr sz="3300" kern="1200">
+        <a:defRPr sz="4620" kern="1200">
           <a:solidFill>
             <a:schemeClr val="tx1"/>
           </a:solidFill>
@@ -2703,12 +2703,48 @@
       </a:lvl1pPr>
     </p:titleStyle>
     <p:bodyStyle>
-      <a:lvl1pPr marL="171450" indent="-171450" algn="l" defTabSz="685800" rtl="0" eaLnBrk="1" latinLnBrk="1" hangingPunct="1">
+      <a:lvl1pPr marL="240030" indent="-240030" algn="l" defTabSz="960120" rtl="0" eaLnBrk="1" latinLnBrk="1" hangingPunct="1">
         <a:lnSpc>
           <a:spcPct val="90000"/>
         </a:lnSpc>
         <a:spcBef>
-          <a:spcPts val="750"/>
+          <a:spcPts val="1050"/>
+        </a:spcBef>
+        <a:buFont typeface="Arial" panose="020B0604020202020204" pitchFamily="34" charset="0"/>
+        <a:buChar char="•"/>
+        <a:defRPr sz="2940" kern="1200">
+          <a:solidFill>
+            <a:schemeClr val="tx1"/>
+          </a:solidFill>
+          <a:latin typeface="+mn-lt"/>
+          <a:ea typeface="+mn-ea"/>
+          <a:cs typeface="+mn-cs"/>
+        </a:defRPr>
+      </a:lvl1pPr>
+      <a:lvl2pPr marL="720090" indent="-240030" algn="l" defTabSz="960120" rtl="0" eaLnBrk="1" latinLnBrk="1" hangingPunct="1">
+        <a:lnSpc>
+          <a:spcPct val="90000"/>
+        </a:lnSpc>
+        <a:spcBef>
+          <a:spcPts val="525"/>
+        </a:spcBef>
+        <a:buFont typeface="Arial" panose="020B0604020202020204" pitchFamily="34" charset="0"/>
+        <a:buChar char="•"/>
+        <a:defRPr sz="2520" kern="1200">
+          <a:solidFill>
+            <a:schemeClr val="tx1"/>
+          </a:solidFill>
+          <a:latin typeface="+mn-lt"/>
+          <a:ea typeface="+mn-ea"/>
+          <a:cs typeface="+mn-cs"/>
+        </a:defRPr>
+      </a:lvl2pPr>
+      <a:lvl3pPr marL="1200150" indent="-240030" algn="l" defTabSz="960120" rtl="0" eaLnBrk="1" latinLnBrk="1" hangingPunct="1">
+        <a:lnSpc>
+          <a:spcPct val="90000"/>
+        </a:lnSpc>
+        <a:spcBef>
+          <a:spcPts val="525"/>
         </a:spcBef>
         <a:buFont typeface="Arial" panose="020B0604020202020204" pitchFamily="34" charset="0"/>
         <a:buChar char="•"/>
@@ -2720,53 +2756,17 @@
           <a:ea typeface="+mn-ea"/>
           <a:cs typeface="+mn-cs"/>
         </a:defRPr>
-      </a:lvl1pPr>
-      <a:lvl2pPr marL="514350" indent="-171450" algn="l" defTabSz="685800" rtl="0" eaLnBrk="1" latinLnBrk="1" hangingPunct="1">
+      </a:lvl3pPr>
+      <a:lvl4pPr marL="1680210" indent="-240030" algn="l" defTabSz="960120" rtl="0" eaLnBrk="1" latinLnBrk="1" hangingPunct="1">
         <a:lnSpc>
           <a:spcPct val="90000"/>
         </a:lnSpc>
         <a:spcBef>
-          <a:spcPts val="375"/>
+          <a:spcPts val="525"/>
         </a:spcBef>
         <a:buFont typeface="Arial" panose="020B0604020202020204" pitchFamily="34" charset="0"/>
         <a:buChar char="•"/>
-        <a:defRPr sz="1800" kern="1200">
-          <a:solidFill>
-            <a:schemeClr val="tx1"/>
-          </a:solidFill>
-          <a:latin typeface="+mn-lt"/>
-          <a:ea typeface="+mn-ea"/>
-          <a:cs typeface="+mn-cs"/>
-        </a:defRPr>
-      </a:lvl2pPr>
-      <a:lvl3pPr marL="857250" indent="-171450" algn="l" defTabSz="685800" rtl="0" eaLnBrk="1" latinLnBrk="1" hangingPunct="1">
-        <a:lnSpc>
-          <a:spcPct val="90000"/>
-        </a:lnSpc>
-        <a:spcBef>
-          <a:spcPts val="375"/>
-        </a:spcBef>
-        <a:buFont typeface="Arial" panose="020B0604020202020204" pitchFamily="34" charset="0"/>
-        <a:buChar char="•"/>
-        <a:defRPr sz="1500" kern="1200">
-          <a:solidFill>
-            <a:schemeClr val="tx1"/>
-          </a:solidFill>
-          <a:latin typeface="+mn-lt"/>
-          <a:ea typeface="+mn-ea"/>
-          <a:cs typeface="+mn-cs"/>
-        </a:defRPr>
-      </a:lvl3pPr>
-      <a:lvl4pPr marL="1200150" indent="-171450" algn="l" defTabSz="685800" rtl="0" eaLnBrk="1" latinLnBrk="1" hangingPunct="1">
-        <a:lnSpc>
-          <a:spcPct val="90000"/>
-        </a:lnSpc>
-        <a:spcBef>
-          <a:spcPts val="375"/>
-        </a:spcBef>
-        <a:buFont typeface="Arial" panose="020B0604020202020204" pitchFamily="34" charset="0"/>
-        <a:buChar char="•"/>
-        <a:defRPr sz="1350" kern="1200">
+        <a:defRPr sz="1890" kern="1200">
           <a:solidFill>
             <a:schemeClr val="tx1"/>
           </a:solidFill>
@@ -2775,16 +2775,16 @@
           <a:cs typeface="+mn-cs"/>
         </a:defRPr>
       </a:lvl4pPr>
-      <a:lvl5pPr marL="1543050" indent="-171450" algn="l" defTabSz="685800" rtl="0" eaLnBrk="1" latinLnBrk="1" hangingPunct="1">
+      <a:lvl5pPr marL="2160270" indent="-240030" algn="l" defTabSz="960120" rtl="0" eaLnBrk="1" latinLnBrk="1" hangingPunct="1">
         <a:lnSpc>
           <a:spcPct val="90000"/>
         </a:lnSpc>
         <a:spcBef>
-          <a:spcPts val="375"/>
+          <a:spcPts val="525"/>
         </a:spcBef>
         <a:buFont typeface="Arial" panose="020B0604020202020204" pitchFamily="34" charset="0"/>
         <a:buChar char="•"/>
-        <a:defRPr sz="1350" kern="1200">
+        <a:defRPr sz="1890" kern="1200">
           <a:solidFill>
             <a:schemeClr val="tx1"/>
           </a:solidFill>
@@ -2793,16 +2793,16 @@
           <a:cs typeface="+mn-cs"/>
         </a:defRPr>
       </a:lvl5pPr>
-      <a:lvl6pPr marL="1885950" indent="-171450" algn="l" defTabSz="685800" rtl="0" eaLnBrk="1" latinLnBrk="1" hangingPunct="1">
+      <a:lvl6pPr marL="2640330" indent="-240030" algn="l" defTabSz="960120" rtl="0" eaLnBrk="1" latinLnBrk="1" hangingPunct="1">
         <a:lnSpc>
           <a:spcPct val="90000"/>
         </a:lnSpc>
         <a:spcBef>
-          <a:spcPts val="375"/>
+          <a:spcPts val="525"/>
         </a:spcBef>
         <a:buFont typeface="Arial" panose="020B0604020202020204" pitchFamily="34" charset="0"/>
         <a:buChar char="•"/>
-        <a:defRPr sz="1350" kern="1200">
+        <a:defRPr sz="1890" kern="1200">
           <a:solidFill>
             <a:schemeClr val="tx1"/>
           </a:solidFill>
@@ -2811,16 +2811,16 @@
           <a:cs typeface="+mn-cs"/>
         </a:defRPr>
       </a:lvl6pPr>
-      <a:lvl7pPr marL="2228850" indent="-171450" algn="l" defTabSz="685800" rtl="0" eaLnBrk="1" latinLnBrk="1" hangingPunct="1">
+      <a:lvl7pPr marL="3120390" indent="-240030" algn="l" defTabSz="960120" rtl="0" eaLnBrk="1" latinLnBrk="1" hangingPunct="1">
         <a:lnSpc>
           <a:spcPct val="90000"/>
         </a:lnSpc>
         <a:spcBef>
-          <a:spcPts val="375"/>
+          <a:spcPts val="525"/>
         </a:spcBef>
         <a:buFont typeface="Arial" panose="020B0604020202020204" pitchFamily="34" charset="0"/>
         <a:buChar char="•"/>
-        <a:defRPr sz="1350" kern="1200">
+        <a:defRPr sz="1890" kern="1200">
           <a:solidFill>
             <a:schemeClr val="tx1"/>
           </a:solidFill>
@@ -2829,16 +2829,16 @@
           <a:cs typeface="+mn-cs"/>
         </a:defRPr>
       </a:lvl7pPr>
-      <a:lvl8pPr marL="2571750" indent="-171450" algn="l" defTabSz="685800" rtl="0" eaLnBrk="1" latinLnBrk="1" hangingPunct="1">
+      <a:lvl8pPr marL="3600450" indent="-240030" algn="l" defTabSz="960120" rtl="0" eaLnBrk="1" latinLnBrk="1" hangingPunct="1">
         <a:lnSpc>
           <a:spcPct val="90000"/>
         </a:lnSpc>
         <a:spcBef>
-          <a:spcPts val="375"/>
+          <a:spcPts val="525"/>
         </a:spcBef>
         <a:buFont typeface="Arial" panose="020B0604020202020204" pitchFamily="34" charset="0"/>
         <a:buChar char="•"/>
-        <a:defRPr sz="1350" kern="1200">
+        <a:defRPr sz="1890" kern="1200">
           <a:solidFill>
             <a:schemeClr val="tx1"/>
           </a:solidFill>
@@ -2847,16 +2847,16 @@
           <a:cs typeface="+mn-cs"/>
         </a:defRPr>
       </a:lvl8pPr>
-      <a:lvl9pPr marL="2914650" indent="-171450" algn="l" defTabSz="685800" rtl="0" eaLnBrk="1" latinLnBrk="1" hangingPunct="1">
+      <a:lvl9pPr marL="4080510" indent="-240030" algn="l" defTabSz="960120" rtl="0" eaLnBrk="1" latinLnBrk="1" hangingPunct="1">
         <a:lnSpc>
           <a:spcPct val="90000"/>
         </a:lnSpc>
         <a:spcBef>
-          <a:spcPts val="375"/>
+          <a:spcPts val="525"/>
         </a:spcBef>
         <a:buFont typeface="Arial" panose="020B0604020202020204" pitchFamily="34" charset="0"/>
         <a:buChar char="•"/>
-        <a:defRPr sz="1350" kern="1200">
+        <a:defRPr sz="1890" kern="1200">
           <a:solidFill>
             <a:schemeClr val="tx1"/>
           </a:solidFill>
@@ -2870,8 +2870,8 @@
       <a:defPPr>
         <a:defRPr lang="en-US"/>
       </a:defPPr>
-      <a:lvl1pPr marL="0" algn="l" defTabSz="685800" rtl="0" eaLnBrk="1" latinLnBrk="1" hangingPunct="1">
-        <a:defRPr sz="1350" kern="1200">
+      <a:lvl1pPr marL="0" algn="l" defTabSz="960120" rtl="0" eaLnBrk="1" latinLnBrk="1" hangingPunct="1">
+        <a:defRPr sz="1890" kern="1200">
           <a:solidFill>
             <a:schemeClr val="tx1"/>
           </a:solidFill>
@@ -2880,8 +2880,8 @@
           <a:cs typeface="+mn-cs"/>
         </a:defRPr>
       </a:lvl1pPr>
-      <a:lvl2pPr marL="342900" algn="l" defTabSz="685800" rtl="0" eaLnBrk="1" latinLnBrk="1" hangingPunct="1">
-        <a:defRPr sz="1350" kern="1200">
+      <a:lvl2pPr marL="480060" algn="l" defTabSz="960120" rtl="0" eaLnBrk="1" latinLnBrk="1" hangingPunct="1">
+        <a:defRPr sz="1890" kern="1200">
           <a:solidFill>
             <a:schemeClr val="tx1"/>
           </a:solidFill>
@@ -2890,8 +2890,8 @@
           <a:cs typeface="+mn-cs"/>
         </a:defRPr>
       </a:lvl2pPr>
-      <a:lvl3pPr marL="685800" algn="l" defTabSz="685800" rtl="0" eaLnBrk="1" latinLnBrk="1" hangingPunct="1">
-        <a:defRPr sz="1350" kern="1200">
+      <a:lvl3pPr marL="960120" algn="l" defTabSz="960120" rtl="0" eaLnBrk="1" latinLnBrk="1" hangingPunct="1">
+        <a:defRPr sz="1890" kern="1200">
           <a:solidFill>
             <a:schemeClr val="tx1"/>
           </a:solidFill>
@@ -2900,8 +2900,8 @@
           <a:cs typeface="+mn-cs"/>
         </a:defRPr>
       </a:lvl3pPr>
-      <a:lvl4pPr marL="1028700" algn="l" defTabSz="685800" rtl="0" eaLnBrk="1" latinLnBrk="1" hangingPunct="1">
-        <a:defRPr sz="1350" kern="1200">
+      <a:lvl4pPr marL="1440180" algn="l" defTabSz="960120" rtl="0" eaLnBrk="1" latinLnBrk="1" hangingPunct="1">
+        <a:defRPr sz="1890" kern="1200">
           <a:solidFill>
             <a:schemeClr val="tx1"/>
           </a:solidFill>
@@ -2910,8 +2910,8 @@
           <a:cs typeface="+mn-cs"/>
         </a:defRPr>
       </a:lvl4pPr>
-      <a:lvl5pPr marL="1371600" algn="l" defTabSz="685800" rtl="0" eaLnBrk="1" latinLnBrk="1" hangingPunct="1">
-        <a:defRPr sz="1350" kern="1200">
+      <a:lvl5pPr marL="1920240" algn="l" defTabSz="960120" rtl="0" eaLnBrk="1" latinLnBrk="1" hangingPunct="1">
+        <a:defRPr sz="1890" kern="1200">
           <a:solidFill>
             <a:schemeClr val="tx1"/>
           </a:solidFill>
@@ -2920,8 +2920,8 @@
           <a:cs typeface="+mn-cs"/>
         </a:defRPr>
       </a:lvl5pPr>
-      <a:lvl6pPr marL="1714500" algn="l" defTabSz="685800" rtl="0" eaLnBrk="1" latinLnBrk="1" hangingPunct="1">
-        <a:defRPr sz="1350" kern="1200">
+      <a:lvl6pPr marL="2400300" algn="l" defTabSz="960120" rtl="0" eaLnBrk="1" latinLnBrk="1" hangingPunct="1">
+        <a:defRPr sz="1890" kern="1200">
           <a:solidFill>
             <a:schemeClr val="tx1"/>
           </a:solidFill>
@@ -2930,8 +2930,8 @@
           <a:cs typeface="+mn-cs"/>
         </a:defRPr>
       </a:lvl6pPr>
-      <a:lvl7pPr marL="2057400" algn="l" defTabSz="685800" rtl="0" eaLnBrk="1" latinLnBrk="1" hangingPunct="1">
-        <a:defRPr sz="1350" kern="1200">
+      <a:lvl7pPr marL="2880360" algn="l" defTabSz="960120" rtl="0" eaLnBrk="1" latinLnBrk="1" hangingPunct="1">
+        <a:defRPr sz="1890" kern="1200">
           <a:solidFill>
             <a:schemeClr val="tx1"/>
           </a:solidFill>
@@ -2940,8 +2940,8 @@
           <a:cs typeface="+mn-cs"/>
         </a:defRPr>
       </a:lvl7pPr>
-      <a:lvl8pPr marL="2400300" algn="l" defTabSz="685800" rtl="0" eaLnBrk="1" latinLnBrk="1" hangingPunct="1">
-        <a:defRPr sz="1350" kern="1200">
+      <a:lvl8pPr marL="3360420" algn="l" defTabSz="960120" rtl="0" eaLnBrk="1" latinLnBrk="1" hangingPunct="1">
+        <a:defRPr sz="1890" kern="1200">
           <a:solidFill>
             <a:schemeClr val="tx1"/>
           </a:solidFill>
@@ -2950,8 +2950,8 @@
           <a:cs typeface="+mn-cs"/>
         </a:defRPr>
       </a:lvl8pPr>
-      <a:lvl9pPr marL="2743200" algn="l" defTabSz="685800" rtl="0" eaLnBrk="1" latinLnBrk="1" hangingPunct="1">
-        <a:defRPr sz="1350" kern="1200">
+      <a:lvl9pPr marL="3840480" algn="l" defTabSz="960120" rtl="0" eaLnBrk="1" latinLnBrk="1" hangingPunct="1">
+        <a:defRPr sz="1890" kern="1200">
           <a:solidFill>
             <a:schemeClr val="tx1"/>
           </a:solidFill>
@@ -2990,8 +2990,8 @@
         </p:nvSpPr>
         <p:spPr>
           <a:xfrm>
-            <a:off x="521999" y="3222023"/>
-            <a:ext cx="5822950" cy="5625684"/>
+            <a:off x="419548" y="4868559"/>
+            <a:ext cx="8670664" cy="7179604"/>
           </a:xfrm>
           <a:prstGeom prst="roundRect">
             <a:avLst>
@@ -3035,7 +3035,11 @@
           <a:lstStyle/>
           <a:p>
             <a:pPr algn="ctr"/>
-            <a:endParaRPr lang="ko-KR" altLang="en-US"/>
+            <a:r>
+              <a:rPr lang="en-US" altLang="ko-KR" dirty="0" smtClean="0"/>
+              <a:t> </a:t>
+            </a:r>
+            <a:endParaRPr lang="ko-KR" altLang="en-US" dirty="0"/>
           </a:p>
         </p:txBody>
       </p:sp>
@@ -3047,8 +3051,8 @@
         </p:nvSpPr>
         <p:spPr>
           <a:xfrm>
-            <a:off x="806451" y="4094391"/>
-            <a:ext cx="2120628" cy="1556930"/>
+            <a:off x="788072" y="5996685"/>
+            <a:ext cx="3618827" cy="2645312"/>
           </a:xfrm>
           <a:prstGeom prst="roundRect">
             <a:avLst>
@@ -3097,7 +3101,7 @@
         </p:nvSpPr>
         <p:spPr>
           <a:xfrm>
-            <a:off x="806450" y="6654386"/>
+            <a:off x="2178051" y="9511438"/>
             <a:ext cx="5295247" cy="1972148"/>
           </a:xfrm>
           <a:prstGeom prst="roundRect">
@@ -3147,8 +3151,8 @@
         </p:nvSpPr>
         <p:spPr>
           <a:xfrm>
-            <a:off x="692537" y="593601"/>
-            <a:ext cx="5468978" cy="2400657"/>
+            <a:off x="534441" y="410576"/>
+            <a:ext cx="8555771" cy="4154984"/>
           </a:xfrm>
           <a:prstGeom prst="rect">
             <a:avLst/>
@@ -3167,7 +3171,7 @@
               </a:lnSpc>
             </a:pPr>
             <a:r>
-              <a:rPr lang="en-US" altLang="ko-KR" sz="1000" dirty="0" smtClean="0">
+              <a:rPr lang="en-US" altLang="ko-KR" sz="1600" dirty="0" smtClean="0">
                 <a:ln>
                   <a:solidFill>
                     <a:schemeClr val="tx1">
@@ -3181,24 +3185,38 @@
                 <a:latin typeface="나눔바른고딕OTF" panose="02020603020101020101" pitchFamily="18" charset="-127"/>
                 <a:ea typeface="나눔바른고딕OTF" panose="02020603020101020101" pitchFamily="18" charset="-127"/>
               </a:rPr>
-              <a:t>________________</a:t>
-            </a:r>
-            <a:r>
-              <a:rPr lang="ko-KR" altLang="en-US" sz="1000" dirty="0" smtClean="0">
-                <a:ln>
-                  <a:solidFill>
-                    <a:schemeClr val="tx1">
-                      <a:alpha val="0"/>
-                    </a:schemeClr>
-                  </a:solidFill>
-                </a:ln>
-                <a:latin typeface="나눔바른고딕OTF" panose="02020603020101020101" pitchFamily="18" charset="-127"/>
-                <a:ea typeface="나눔바른고딕OTF" panose="02020603020101020101" pitchFamily="18" charset="-127"/>
-              </a:rPr>
-              <a:t>님 안녕하세요</a:t>
-            </a:r>
-            <a:r>
-              <a:rPr lang="en-US" altLang="ko-KR" sz="1000" dirty="0" smtClean="0">
+              <a:t>                                </a:t>
+            </a:r>
+            <a:r>
+              <a:rPr lang="ko-KR" altLang="en-US" sz="1600" dirty="0" smtClean="0">
+                <a:ln>
+                  <a:solidFill>
+                    <a:schemeClr val="tx1">
+                      <a:alpha val="0"/>
+                    </a:schemeClr>
+                  </a:solidFill>
+                </a:ln>
+                <a:latin typeface="나눔바른고딕OTF" panose="02020603020101020101" pitchFamily="18" charset="-127"/>
+                <a:ea typeface="나눔바른고딕OTF" panose="02020603020101020101" pitchFamily="18" charset="-127"/>
+              </a:rPr>
+              <a:t>님 </a:t>
+            </a:r>
+            <a:r>
+              <a:rPr lang="ko-KR" altLang="en-US" sz="1600" dirty="0">
+                <a:ln>
+                  <a:solidFill>
+                    <a:schemeClr val="tx1">
+                      <a:alpha val="0"/>
+                    </a:schemeClr>
+                  </a:solidFill>
+                </a:ln>
+                <a:latin typeface="나눔바른고딕OTF" panose="02020603020101020101" pitchFamily="18" charset="-127"/>
+                <a:ea typeface="나눔바른고딕OTF" panose="02020603020101020101" pitchFamily="18" charset="-127"/>
+              </a:rPr>
+              <a:t>안녕하세요</a:t>
+            </a:r>
+            <a:r>
+              <a:rPr lang="en-US" altLang="ko-KR" sz="1600" dirty="0">
                 <a:ln>
                   <a:solidFill>
                     <a:schemeClr val="tx1">
@@ -3212,7 +3230,7 @@
               <a:t>, </a:t>
             </a:r>
             <a:r>
-              <a:rPr lang="ko-KR" altLang="en-US" sz="1000" dirty="0" err="1" smtClean="0">
+              <a:rPr lang="ko-KR" altLang="en-US" sz="1600" dirty="0" err="1">
                 <a:ln>
                   <a:solidFill>
                     <a:schemeClr val="tx1">
@@ -3226,7 +3244,7 @@
               <a:t>프라이빗노트입니다</a:t>
             </a:r>
             <a:r>
-              <a:rPr lang="en-US" altLang="ko-KR" sz="1000" dirty="0" smtClean="0">
+              <a:rPr lang="en-US" altLang="ko-KR" sz="1600" dirty="0">
                 <a:ln>
                   <a:solidFill>
                     <a:schemeClr val="tx1">
@@ -3246,7 +3264,7 @@
                 <a:spcPct val="150000"/>
               </a:lnSpc>
             </a:pPr>
-            <a:endParaRPr lang="en-US" altLang="ko-KR" sz="1000" dirty="0" smtClean="0">
+            <a:endParaRPr lang="en-US" altLang="ko-KR" sz="1600" dirty="0">
               <a:ln>
                 <a:solidFill>
                   <a:schemeClr val="tx1">
@@ -3265,49 +3283,21 @@
               </a:lnSpc>
             </a:pPr>
             <a:r>
-              <a:rPr lang="ko-KR" altLang="en-US" sz="1000" dirty="0" smtClean="0">
-                <a:ln>
-                  <a:solidFill>
-                    <a:schemeClr val="tx1">
-                      <a:alpha val="0"/>
-                    </a:schemeClr>
-                  </a:solidFill>
-                </a:ln>
-                <a:latin typeface="나눔바른고딕OTF" panose="02020603020101020101" pitchFamily="18" charset="-127"/>
-                <a:ea typeface="나눔바른고딕OTF" panose="02020603020101020101" pitchFamily="18" charset="-127"/>
-              </a:rPr>
-              <a:t>이번에 </a:t>
-            </a:r>
-            <a:r>
-              <a:rPr lang="ko-KR" altLang="en-US" sz="1000" dirty="0" smtClean="0">
-                <a:ln>
-                  <a:solidFill>
-                    <a:schemeClr val="tx1">
-                      <a:alpha val="0"/>
-                    </a:schemeClr>
-                  </a:solidFill>
-                </a:ln>
-                <a:latin typeface="나눔바른고딕OTF" panose="02020603020101020101" pitchFamily="18" charset="-127"/>
-                <a:ea typeface="나눔바른고딕OTF" panose="02020603020101020101" pitchFamily="18" charset="-127"/>
-              </a:rPr>
-              <a:t>코칭 교재가 </a:t>
-            </a:r>
-            <a:r>
-              <a:rPr lang="ko-KR" altLang="en-US" sz="1000" dirty="0" smtClean="0">
-                <a:ln>
-                  <a:solidFill>
-                    <a:schemeClr val="tx1">
-                      <a:alpha val="0"/>
-                    </a:schemeClr>
-                  </a:solidFill>
-                </a:ln>
-                <a:latin typeface="나눔바른고딕OTF" panose="02020603020101020101" pitchFamily="18" charset="-127"/>
-                <a:ea typeface="나눔바른고딕OTF" panose="02020603020101020101" pitchFamily="18" charset="-127"/>
-              </a:rPr>
-              <a:t>너무 잘 만들어졌습니다</a:t>
-            </a:r>
-            <a:r>
-              <a:rPr lang="en-US" altLang="ko-KR" sz="1000" dirty="0" smtClean="0">
+              <a:rPr lang="ko-KR" altLang="en-US" sz="1600" dirty="0">
+                <a:ln>
+                  <a:solidFill>
+                    <a:schemeClr val="tx1">
+                      <a:alpha val="0"/>
+                    </a:schemeClr>
+                  </a:solidFill>
+                </a:ln>
+                <a:latin typeface="나눔바른고딕OTF" panose="02020603020101020101" pitchFamily="18" charset="-127"/>
+                <a:ea typeface="나눔바른고딕OTF" panose="02020603020101020101" pitchFamily="18" charset="-127"/>
+              </a:rPr>
+              <a:t>이번에 코칭 교재가 너무 잘 만들어졌습니다</a:t>
+            </a:r>
+            <a:r>
+              <a:rPr lang="en-US" altLang="ko-KR" sz="1600" dirty="0">
                 <a:ln>
                   <a:solidFill>
                     <a:schemeClr val="tx1">
@@ -3328,35 +3318,21 @@
               </a:lnSpc>
             </a:pPr>
             <a:r>
-              <a:rPr lang="ko-KR" altLang="en-US" sz="1000" dirty="0" smtClean="0">
-                <a:ln>
-                  <a:solidFill>
-                    <a:schemeClr val="tx1">
-                      <a:alpha val="0"/>
-                    </a:schemeClr>
-                  </a:solidFill>
-                </a:ln>
-                <a:latin typeface="나눔바른고딕OTF" panose="02020603020101020101" pitchFamily="18" charset="-127"/>
-                <a:ea typeface="나눔바른고딕OTF" panose="02020603020101020101" pitchFamily="18" charset="-127"/>
-              </a:rPr>
-              <a:t>꼭 한 번 보셨으면 하는 </a:t>
-            </a:r>
-            <a:r>
-              <a:rPr lang="ko-KR" altLang="en-US" sz="1000" dirty="0" smtClean="0">
-                <a:ln>
-                  <a:solidFill>
-                    <a:schemeClr val="tx1">
-                      <a:alpha val="0"/>
-                    </a:schemeClr>
-                  </a:solidFill>
-                </a:ln>
-                <a:latin typeface="나눔바른고딕OTF" panose="02020603020101020101" pitchFamily="18" charset="-127"/>
-                <a:ea typeface="나눔바른고딕OTF" panose="02020603020101020101" pitchFamily="18" charset="-127"/>
-              </a:rPr>
-              <a:t>바람에서  </a:t>
-            </a:r>
-            <a:r>
-              <a:rPr lang="ko-KR" altLang="en-US" sz="1000" dirty="0" err="1" smtClean="0">
+              <a:rPr lang="ko-KR" altLang="en-US" sz="1600" dirty="0">
+                <a:ln>
+                  <a:solidFill>
+                    <a:schemeClr val="tx1">
+                      <a:alpha val="0"/>
+                    </a:schemeClr>
+                  </a:solidFill>
+                </a:ln>
+                <a:latin typeface="나눔바른고딕OTF" panose="02020603020101020101" pitchFamily="18" charset="-127"/>
+                <a:ea typeface="나눔바른고딕OTF" panose="02020603020101020101" pitchFamily="18" charset="-127"/>
+              </a:rPr>
+              <a:t>꼭 한 번 보셨으면 하는 바람에서  </a:t>
+            </a:r>
+            <a:r>
+              <a:rPr lang="ko-KR" altLang="en-US" sz="1600" dirty="0" err="1">
                 <a:ln>
                   <a:solidFill>
                     <a:schemeClr val="tx1">
@@ -3370,7 +3346,7 @@
               <a:t>코칭앱</a:t>
             </a:r>
             <a:r>
-              <a:rPr lang="ko-KR" altLang="en-US" sz="1000" dirty="0" smtClean="0">
+              <a:rPr lang="ko-KR" altLang="en-US" sz="1600" dirty="0">
                 <a:ln>
                   <a:solidFill>
                     <a:schemeClr val="tx1">
@@ -3384,7 +3360,7 @@
               <a:t>                                     교재를 같이 보내드립니다</a:t>
             </a:r>
             <a:r>
-              <a:rPr lang="en-US" altLang="ko-KR" sz="1000" dirty="0" smtClean="0">
+              <a:rPr lang="en-US" altLang="ko-KR" sz="1600" dirty="0">
                 <a:ln>
                   <a:solidFill>
                     <a:schemeClr val="tx1">
@@ -3397,7 +3373,14 @@
               </a:rPr>
               <a:t>.</a:t>
             </a:r>
-            <a:endParaRPr lang="en-US" altLang="ko-KR" sz="1000" dirty="0" smtClean="0">
+          </a:p>
+          <a:p>
+            <a:pPr>
+              <a:lnSpc>
+                <a:spcPct val="150000"/>
+              </a:lnSpc>
+            </a:pPr>
+            <a:endParaRPr lang="en-US" altLang="ko-KR" sz="1600" dirty="0">
               <a:ln>
                 <a:solidFill>
                   <a:schemeClr val="tx1">
@@ -3415,7 +3398,185 @@
                 <a:spcPct val="150000"/>
               </a:lnSpc>
             </a:pPr>
-            <a:endParaRPr lang="en-US" altLang="ko-KR" sz="1000" dirty="0" smtClean="0">
+            <a:r>
+              <a:rPr lang="ko-KR" altLang="en-US" sz="1600" dirty="0">
+                <a:ln>
+                  <a:solidFill>
+                    <a:schemeClr val="tx1">
+                      <a:alpha val="0"/>
+                    </a:schemeClr>
+                  </a:solidFill>
+                </a:ln>
+                <a:latin typeface="나눔바른고딕OTF" panose="02020603020101020101" pitchFamily="18" charset="-127"/>
+                <a:ea typeface="나눔바른고딕OTF" panose="02020603020101020101" pitchFamily="18" charset="-127"/>
+              </a:rPr>
+              <a:t>교재와 같이 공부해 보실 수 있도록 </a:t>
+            </a:r>
+            <a:r>
+              <a:rPr lang="ko-KR" altLang="en-US" sz="1600" dirty="0" err="1">
+                <a:ln>
+                  <a:solidFill>
+                    <a:schemeClr val="tx1">
+                      <a:alpha val="0"/>
+                    </a:schemeClr>
+                  </a:solidFill>
+                </a:ln>
+                <a:latin typeface="나눔바른고딕OTF" panose="02020603020101020101" pitchFamily="18" charset="-127"/>
+                <a:ea typeface="나눔바른고딕OTF" panose="02020603020101020101" pitchFamily="18" charset="-127"/>
+              </a:rPr>
+              <a:t>코칭앱</a:t>
+            </a:r>
+            <a:r>
+              <a:rPr lang="ko-KR" altLang="en-US" sz="1600" dirty="0">
+                <a:ln>
+                  <a:solidFill>
+                    <a:schemeClr val="tx1">
+                      <a:alpha val="0"/>
+                    </a:schemeClr>
+                  </a:solidFill>
+                </a:ln>
+                <a:latin typeface="나눔바른고딕OTF" panose="02020603020101020101" pitchFamily="18" charset="-127"/>
+                <a:ea typeface="나눔바른고딕OTF" panose="02020603020101020101" pitchFamily="18" charset="-127"/>
+              </a:rPr>
+              <a:t> </a:t>
+            </a:r>
+            <a:r>
+              <a:rPr lang="en-US" altLang="ko-KR" sz="1600" dirty="0">
+                <a:ln>
+                  <a:solidFill>
+                    <a:schemeClr val="tx1">
+                      <a:alpha val="0"/>
+                    </a:schemeClr>
+                  </a:solidFill>
+                </a:ln>
+                <a:solidFill>
+                  <a:schemeClr val="bg1"/>
+                </a:solidFill>
+                <a:latin typeface="나눔바른고딕OTF" panose="02020603020101020101" pitchFamily="18" charset="-127"/>
+                <a:ea typeface="나눔바른고딕OTF" panose="02020603020101020101" pitchFamily="18" charset="-127"/>
+              </a:rPr>
+              <a:t>__________________</a:t>
+            </a:r>
+            <a:r>
+              <a:rPr lang="ko-KR" altLang="en-US" sz="1600" dirty="0">
+                <a:ln>
+                  <a:solidFill>
+                    <a:schemeClr val="tx1">
+                      <a:alpha val="0"/>
+                    </a:schemeClr>
+                  </a:solidFill>
+                </a:ln>
+                <a:latin typeface="나눔바른고딕OTF" panose="02020603020101020101" pitchFamily="18" charset="-127"/>
+                <a:ea typeface="나눔바른고딕OTF" panose="02020603020101020101" pitchFamily="18" charset="-127"/>
+              </a:rPr>
+              <a:t>이용권도 함께 넣어드렸습니다</a:t>
+            </a:r>
+            <a:r>
+              <a:rPr lang="en-US" altLang="ko-KR" sz="1600" dirty="0">
+                <a:ln>
+                  <a:solidFill>
+                    <a:schemeClr val="tx1">
+                      <a:alpha val="0"/>
+                    </a:schemeClr>
+                  </a:solidFill>
+                </a:ln>
+                <a:latin typeface="나눔바른고딕OTF" panose="02020603020101020101" pitchFamily="18" charset="-127"/>
+                <a:ea typeface="나눔바른고딕OTF" panose="02020603020101020101" pitchFamily="18" charset="-127"/>
+              </a:rPr>
+              <a:t>.</a:t>
+            </a:r>
+          </a:p>
+          <a:p>
+            <a:pPr>
+              <a:lnSpc>
+                <a:spcPct val="150000"/>
+              </a:lnSpc>
+            </a:pPr>
+            <a:r>
+              <a:rPr lang="ko-KR" altLang="en-US" sz="1600" dirty="0">
+                <a:ln>
+                  <a:solidFill>
+                    <a:schemeClr val="tx1">
+                      <a:alpha val="0"/>
+                    </a:schemeClr>
+                  </a:solidFill>
+                </a:ln>
+                <a:latin typeface="나눔바른고딕OTF" panose="02020603020101020101" pitchFamily="18" charset="-127"/>
+                <a:ea typeface="나눔바른고딕OTF" panose="02020603020101020101" pitchFamily="18" charset="-127"/>
+              </a:rPr>
+              <a:t>체험 이용 기간은 </a:t>
+            </a:r>
+            <a:r>
+              <a:rPr lang="ko-KR" altLang="en-US" sz="1600" dirty="0" smtClean="0">
+                <a:ln>
+                  <a:solidFill>
+                    <a:schemeClr val="tx1">
+                      <a:alpha val="0"/>
+                    </a:schemeClr>
+                  </a:solidFill>
+                </a:ln>
+                <a:latin typeface="나눔바른고딕OTF" panose="02020603020101020101" pitchFamily="18" charset="-127"/>
+                <a:ea typeface="나눔바른고딕OTF" panose="02020603020101020101" pitchFamily="18" charset="-127"/>
+              </a:rPr>
+              <a:t>                                입니다</a:t>
+            </a:r>
+            <a:r>
+              <a:rPr lang="en-US" altLang="ko-KR" sz="1600" dirty="0">
+                <a:ln>
+                  <a:solidFill>
+                    <a:schemeClr val="tx1">
+                      <a:alpha val="0"/>
+                    </a:schemeClr>
+                  </a:solidFill>
+                </a:ln>
+                <a:latin typeface="나눔바른고딕OTF" panose="02020603020101020101" pitchFamily="18" charset="-127"/>
+                <a:ea typeface="나눔바른고딕OTF" panose="02020603020101020101" pitchFamily="18" charset="-127"/>
+              </a:rPr>
+              <a:t>.</a:t>
+            </a:r>
+          </a:p>
+          <a:p>
+            <a:pPr>
+              <a:lnSpc>
+                <a:spcPct val="150000"/>
+              </a:lnSpc>
+            </a:pPr>
+            <a:r>
+              <a:rPr lang="ko-KR" altLang="en-US" sz="1600" dirty="0">
+                <a:ln>
+                  <a:solidFill>
+                    <a:schemeClr val="tx1">
+                      <a:alpha val="0"/>
+                    </a:schemeClr>
+                  </a:solidFill>
+                </a:ln>
+                <a:latin typeface="나눔바른고딕OTF" panose="02020603020101020101" pitchFamily="18" charset="-127"/>
+                <a:ea typeface="나눔바른고딕OTF" panose="02020603020101020101" pitchFamily="18" charset="-127"/>
+              </a:rPr>
+              <a:t>모쪼록 잘 활용하셨으면 좋겠습니다</a:t>
+            </a:r>
+            <a:r>
+              <a:rPr lang="en-US" altLang="ko-KR" sz="1600" dirty="0">
+                <a:ln>
+                  <a:solidFill>
+                    <a:schemeClr val="tx1">
+                      <a:alpha val="0"/>
+                    </a:schemeClr>
+                  </a:solidFill>
+                </a:ln>
+                <a:latin typeface="나눔바른고딕OTF" panose="02020603020101020101" pitchFamily="18" charset="-127"/>
+                <a:ea typeface="나눔바른고딕OTF" panose="02020603020101020101" pitchFamily="18" charset="-127"/>
+              </a:rPr>
+              <a:t>.</a:t>
+            </a:r>
+          </a:p>
+          <a:p>
+            <a:pPr>
+              <a:lnSpc>
+                <a:spcPct val="150000"/>
+              </a:lnSpc>
+            </a:pPr>
+            <a:endParaRPr lang="en-US" altLang="ko-KR" sz="1600" dirty="0">
               <a:ln>
                 <a:solidFill>
                   <a:schemeClr val="tx1">
@@ -3434,156 +3595,76 @@
               </a:lnSpc>
             </a:pPr>
             <a:r>
-              <a:rPr lang="ko-KR" altLang="en-US" sz="1000" dirty="0" smtClean="0">
-                <a:ln>
-                  <a:solidFill>
-                    <a:schemeClr val="tx1">
-                      <a:alpha val="0"/>
-                    </a:schemeClr>
-                  </a:solidFill>
-                </a:ln>
-                <a:latin typeface="나눔바른고딕OTF" panose="02020603020101020101" pitchFamily="18" charset="-127"/>
-                <a:ea typeface="나눔바른고딕OTF" panose="02020603020101020101" pitchFamily="18" charset="-127"/>
-              </a:rPr>
-              <a:t>교재와 같이 공부해 보실 수 </a:t>
-            </a:r>
-            <a:r>
-              <a:rPr lang="ko-KR" altLang="en-US" sz="1000" dirty="0" smtClean="0">
-                <a:ln>
-                  <a:solidFill>
-                    <a:schemeClr val="tx1">
-                      <a:alpha val="0"/>
-                    </a:schemeClr>
-                  </a:solidFill>
-                </a:ln>
-                <a:latin typeface="나눔바른고딕OTF" panose="02020603020101020101" pitchFamily="18" charset="-127"/>
-                <a:ea typeface="나눔바른고딕OTF" panose="02020603020101020101" pitchFamily="18" charset="-127"/>
-              </a:rPr>
-              <a:t>있도록 </a:t>
-            </a:r>
-            <a:r>
-              <a:rPr lang="ko-KR" altLang="en-US" sz="1000" dirty="0" err="1" smtClean="0">
-                <a:ln>
-                  <a:solidFill>
-                    <a:schemeClr val="tx1">
-                      <a:alpha val="0"/>
-                    </a:schemeClr>
-                  </a:solidFill>
-                </a:ln>
-                <a:latin typeface="나눔바른고딕OTF" panose="02020603020101020101" pitchFamily="18" charset="-127"/>
-                <a:ea typeface="나눔바른고딕OTF" panose="02020603020101020101" pitchFamily="18" charset="-127"/>
-              </a:rPr>
-              <a:t>코칭앱</a:t>
-            </a:r>
-            <a:r>
-              <a:rPr lang="ko-KR" altLang="en-US" sz="1000" dirty="0" smtClean="0">
-                <a:ln>
-                  <a:solidFill>
-                    <a:schemeClr val="tx1">
-                      <a:alpha val="0"/>
-                    </a:schemeClr>
-                  </a:solidFill>
-                </a:ln>
-                <a:latin typeface="나눔바른고딕OTF" panose="02020603020101020101" pitchFamily="18" charset="-127"/>
-                <a:ea typeface="나눔바른고딕OTF" panose="02020603020101020101" pitchFamily="18" charset="-127"/>
-              </a:rPr>
-              <a:t> </a:t>
-            </a:r>
-            <a:r>
-              <a:rPr lang="en-US" altLang="ko-KR" sz="1000" dirty="0" smtClean="0">
-                <a:ln>
-                  <a:solidFill>
-                    <a:schemeClr val="tx1">
-                      <a:alpha val="0"/>
-                    </a:schemeClr>
-                  </a:solidFill>
-                </a:ln>
-                <a:solidFill>
-                  <a:schemeClr val="bg1"/>
-                </a:solidFill>
-                <a:latin typeface="나눔바른고딕OTF" panose="02020603020101020101" pitchFamily="18" charset="-127"/>
-                <a:ea typeface="나눔바른고딕OTF" panose="02020603020101020101" pitchFamily="18" charset="-127"/>
-              </a:rPr>
-              <a:t>__________________</a:t>
-            </a:r>
-            <a:r>
-              <a:rPr lang="ko-KR" altLang="en-US" sz="1000" dirty="0" smtClean="0">
-                <a:ln>
-                  <a:solidFill>
-                    <a:schemeClr val="tx1">
-                      <a:alpha val="0"/>
-                    </a:schemeClr>
-                  </a:solidFill>
-                </a:ln>
-                <a:latin typeface="나눔바른고딕OTF" panose="02020603020101020101" pitchFamily="18" charset="-127"/>
-                <a:ea typeface="나눔바른고딕OTF" panose="02020603020101020101" pitchFamily="18" charset="-127"/>
-              </a:rPr>
-              <a:t>이용권도 </a:t>
-            </a:r>
-            <a:r>
-              <a:rPr lang="ko-KR" altLang="en-US" sz="1000" dirty="0" smtClean="0">
-                <a:ln>
-                  <a:solidFill>
-                    <a:schemeClr val="tx1">
-                      <a:alpha val="0"/>
-                    </a:schemeClr>
-                  </a:solidFill>
-                </a:ln>
-                <a:latin typeface="나눔바른고딕OTF" panose="02020603020101020101" pitchFamily="18" charset="-127"/>
-                <a:ea typeface="나눔바른고딕OTF" panose="02020603020101020101" pitchFamily="18" charset="-127"/>
-              </a:rPr>
-              <a:t>함께 넣어드렸습니다</a:t>
-            </a:r>
-            <a:r>
-              <a:rPr lang="en-US" altLang="ko-KR" sz="1000" dirty="0" smtClean="0">
-                <a:ln>
-                  <a:solidFill>
-                    <a:schemeClr val="tx1">
-                      <a:alpha val="0"/>
-                    </a:schemeClr>
-                  </a:solidFill>
-                </a:ln>
-                <a:latin typeface="나눔바른고딕OTF" panose="02020603020101020101" pitchFamily="18" charset="-127"/>
-                <a:ea typeface="나눔바른고딕OTF" panose="02020603020101020101" pitchFamily="18" charset="-127"/>
-              </a:rPr>
-              <a:t>.</a:t>
-            </a:r>
-          </a:p>
-          <a:p>
-            <a:pPr>
-              <a:lnSpc>
-                <a:spcPct val="150000"/>
-              </a:lnSpc>
-            </a:pPr>
-            <a:r>
-              <a:rPr lang="ko-KR" altLang="en-US" sz="1000" dirty="0" smtClean="0">
-                <a:ln>
-                  <a:solidFill>
-                    <a:schemeClr val="tx1">
-                      <a:alpha val="0"/>
-                    </a:schemeClr>
-                  </a:solidFill>
-                </a:ln>
-                <a:latin typeface="나눔바른고딕OTF" panose="02020603020101020101" pitchFamily="18" charset="-127"/>
-                <a:ea typeface="나눔바른고딕OTF" panose="02020603020101020101" pitchFamily="18" charset="-127"/>
-              </a:rPr>
-              <a:t>체험 이용 기간은                                 입니다</a:t>
-            </a:r>
-            <a:r>
-              <a:rPr lang="en-US" altLang="ko-KR" sz="1000" dirty="0" smtClean="0">
-                <a:ln>
-                  <a:solidFill>
-                    <a:schemeClr val="tx1">
-                      <a:alpha val="0"/>
-                    </a:schemeClr>
-                  </a:solidFill>
-                </a:ln>
-                <a:latin typeface="나눔바른고딕OTF" panose="02020603020101020101" pitchFamily="18" charset="-127"/>
-                <a:ea typeface="나눔바른고딕OTF" panose="02020603020101020101" pitchFamily="18" charset="-127"/>
-              </a:rPr>
-              <a:t>.</a:t>
-            </a:r>
-            <a:endParaRPr lang="en-US" altLang="ko-KR" sz="1000" dirty="0" smtClean="0">
+              <a:rPr lang="ko-KR" altLang="en-US" sz="1600" dirty="0">
+                <a:ln>
+                  <a:solidFill>
+                    <a:schemeClr val="tx1">
+                      <a:alpha val="0"/>
+                    </a:schemeClr>
+                  </a:solidFill>
+                </a:ln>
+                <a:latin typeface="나눔바른고딕OTF" panose="02020603020101020101" pitchFamily="18" charset="-127"/>
+                <a:ea typeface="나눔바른고딕OTF" panose="02020603020101020101" pitchFamily="18" charset="-127"/>
+              </a:rPr>
+              <a:t>코칭 교재 </a:t>
+            </a:r>
+            <a:r>
+              <a:rPr lang="en-US" altLang="ko-KR" sz="1600" dirty="0">
+                <a:ln>
+                  <a:solidFill>
+                    <a:schemeClr val="tx1">
+                      <a:alpha val="0"/>
+                    </a:schemeClr>
+                  </a:solidFill>
+                </a:ln>
+                <a:latin typeface="나눔바른고딕OTF" panose="02020603020101020101" pitchFamily="18" charset="-127"/>
+                <a:ea typeface="나눔바른고딕OTF" panose="02020603020101020101" pitchFamily="18" charset="-127"/>
+              </a:rPr>
+              <a:t>/ </a:t>
+            </a:r>
+            <a:r>
+              <a:rPr lang="ko-KR" altLang="en-US" sz="1600" dirty="0" err="1">
+                <a:ln>
+                  <a:solidFill>
+                    <a:schemeClr val="tx1">
+                      <a:alpha val="0"/>
+                    </a:schemeClr>
+                  </a:solidFill>
+                </a:ln>
+                <a:latin typeface="나눔바른고딕OTF" panose="02020603020101020101" pitchFamily="18" charset="-127"/>
+                <a:ea typeface="나눔바른고딕OTF" panose="02020603020101020101" pitchFamily="18" charset="-127"/>
+              </a:rPr>
+              <a:t>수강권</a:t>
+            </a:r>
+            <a:r>
+              <a:rPr lang="ko-KR" altLang="en-US" sz="1600" dirty="0">
+                <a:ln>
+                  <a:solidFill>
+                    <a:schemeClr val="tx1">
+                      <a:alpha val="0"/>
+                    </a:schemeClr>
+                  </a:solidFill>
+                </a:ln>
+                <a:latin typeface="나눔바른고딕OTF" panose="02020603020101020101" pitchFamily="18" charset="-127"/>
+                <a:ea typeface="나눔바른고딕OTF" panose="02020603020101020101" pitchFamily="18" charset="-127"/>
+              </a:rPr>
+              <a:t> 관련하여 궁금하신 점 </a:t>
+            </a:r>
+            <a:r>
+              <a:rPr lang="ko-KR" altLang="en-US" sz="1600" dirty="0" smtClean="0">
+                <a:ln>
+                  <a:solidFill>
+                    <a:schemeClr val="tx1">
+                      <a:alpha val="0"/>
+                    </a:schemeClr>
+                  </a:solidFill>
+                </a:ln>
+                <a:latin typeface="나눔바른고딕OTF" panose="02020603020101020101" pitchFamily="18" charset="-127"/>
+                <a:ea typeface="나눔바른고딕OTF" panose="02020603020101020101" pitchFamily="18" charset="-127"/>
+              </a:rPr>
+              <a:t>있으면</a:t>
+            </a:r>
+            <a:endParaRPr lang="en-US" altLang="ko-KR" sz="1600" dirty="0" smtClean="0">
               <a:ln>
                 <a:solidFill>
                   <a:schemeClr val="tx1">
@@ -3602,41 +3683,104 @@
               </a:lnSpc>
             </a:pPr>
             <a:r>
-              <a:rPr lang="ko-KR" altLang="en-US" sz="1000" dirty="0" smtClean="0">
-                <a:ln>
-                  <a:solidFill>
-                    <a:schemeClr val="tx1">
-                      <a:alpha val="0"/>
-                    </a:schemeClr>
-                  </a:solidFill>
-                </a:ln>
-                <a:latin typeface="나눔바른고딕OTF" panose="02020603020101020101" pitchFamily="18" charset="-127"/>
-                <a:ea typeface="나눔바른고딕OTF" panose="02020603020101020101" pitchFamily="18" charset="-127"/>
-              </a:rPr>
-              <a:t>모쪼록 잘 활용하셨으면 좋겠습니다</a:t>
-            </a:r>
-            <a:r>
-              <a:rPr lang="en-US" altLang="ko-KR" sz="1000" dirty="0" smtClean="0">
-                <a:ln>
-                  <a:solidFill>
-                    <a:schemeClr val="tx1">
-                      <a:alpha val="0"/>
-                    </a:schemeClr>
-                  </a:solidFill>
-                </a:ln>
-                <a:latin typeface="나눔바른고딕OTF" panose="02020603020101020101" pitchFamily="18" charset="-127"/>
-                <a:ea typeface="나눔바른고딕OTF" panose="02020603020101020101" pitchFamily="18" charset="-127"/>
-              </a:rPr>
-              <a:t>.</a:t>
-            </a:r>
-          </a:p>
-          <a:p>
-            <a:pPr>
-              <a:lnSpc>
-                <a:spcPct val="150000"/>
-              </a:lnSpc>
-            </a:pPr>
-            <a:endParaRPr lang="en-US" altLang="ko-KR" sz="1000" dirty="0" smtClean="0">
+              <a:rPr lang="ko-KR" altLang="en-US" sz="1600" dirty="0" smtClean="0">
+                <a:ln>
+                  <a:solidFill>
+                    <a:schemeClr val="tx1">
+                      <a:alpha val="0"/>
+                    </a:schemeClr>
+                  </a:solidFill>
+                </a:ln>
+                <a:latin typeface="나눔바른고딕OTF" panose="02020603020101020101" pitchFamily="18" charset="-127"/>
+                <a:ea typeface="나눔바른고딕OTF" panose="02020603020101020101" pitchFamily="18" charset="-127"/>
+              </a:rPr>
+              <a:t>사이트 </a:t>
+            </a:r>
+            <a:r>
+              <a:rPr lang="ko-KR" altLang="en-US" sz="1600" dirty="0">
+                <a:ln>
+                  <a:solidFill>
+                    <a:schemeClr val="tx1">
+                      <a:alpha val="0"/>
+                    </a:schemeClr>
+                  </a:solidFill>
+                </a:ln>
+                <a:latin typeface="나눔바른고딕OTF" panose="02020603020101020101" pitchFamily="18" charset="-127"/>
+                <a:ea typeface="나눔바른고딕OTF" panose="02020603020101020101" pitchFamily="18" charset="-127"/>
+              </a:rPr>
+              <a:t>내 우측 하단 </a:t>
+            </a:r>
+            <a:r>
+              <a:rPr lang="en-US" altLang="ko-KR" sz="1600" dirty="0">
+                <a:ln>
+                  <a:solidFill>
+                    <a:schemeClr val="tx1">
+                      <a:alpha val="0"/>
+                    </a:schemeClr>
+                  </a:solidFill>
+                </a:ln>
+                <a:latin typeface="나눔바른고딕OTF" panose="02020603020101020101" pitchFamily="18" charset="-127"/>
+                <a:ea typeface="나눔바른고딕OTF" panose="02020603020101020101" pitchFamily="18" charset="-127"/>
+              </a:rPr>
+              <a:t>‘ </a:t>
+            </a:r>
+            <a:r>
+              <a:rPr lang="ko-KR" altLang="en-US" sz="1600" dirty="0">
+                <a:ln>
+                  <a:solidFill>
+                    <a:schemeClr val="tx1">
+                      <a:alpha val="0"/>
+                    </a:schemeClr>
+                  </a:solidFill>
+                </a:ln>
+                <a:latin typeface="나눔바른고딕OTF" panose="02020603020101020101" pitchFamily="18" charset="-127"/>
+                <a:ea typeface="나눔바른고딕OTF" panose="02020603020101020101" pitchFamily="18" charset="-127"/>
+              </a:rPr>
+              <a:t>상담하기       </a:t>
+            </a:r>
+            <a:r>
+              <a:rPr lang="en-US" altLang="ko-KR" sz="1600" dirty="0">
+                <a:ln>
+                  <a:solidFill>
+                    <a:schemeClr val="tx1">
+                      <a:alpha val="0"/>
+                    </a:schemeClr>
+                  </a:solidFill>
+                </a:ln>
+                <a:latin typeface="나눔바른고딕OTF" panose="02020603020101020101" pitchFamily="18" charset="-127"/>
+                <a:ea typeface="나눔바른고딕OTF" panose="02020603020101020101" pitchFamily="18" charset="-127"/>
+              </a:rPr>
+              <a:t>’ </a:t>
+            </a:r>
+            <a:r>
+              <a:rPr lang="ko-KR" altLang="en-US" sz="1600" dirty="0">
+                <a:ln>
+                  <a:solidFill>
+                    <a:schemeClr val="tx1">
+                      <a:alpha val="0"/>
+                    </a:schemeClr>
+                  </a:solidFill>
+                </a:ln>
+                <a:latin typeface="나눔바른고딕OTF" panose="02020603020101020101" pitchFamily="18" charset="-127"/>
+                <a:ea typeface="나눔바른고딕OTF" panose="02020603020101020101" pitchFamily="18" charset="-127"/>
+              </a:rPr>
+              <a:t>로 남겨주세요</a:t>
+            </a:r>
+            <a:r>
+              <a:rPr lang="en-US" altLang="ko-KR" sz="1600" dirty="0">
+                <a:ln>
+                  <a:solidFill>
+                    <a:schemeClr val="tx1">
+                      <a:alpha val="0"/>
+                    </a:schemeClr>
+                  </a:solidFill>
+                </a:ln>
+                <a:latin typeface="나눔바른고딕OTF" panose="02020603020101020101" pitchFamily="18" charset="-127"/>
+                <a:ea typeface="나눔바른고딕OTF" panose="02020603020101020101" pitchFamily="18" charset="-127"/>
+              </a:rPr>
+              <a:t> :)</a:t>
+            </a:r>
+            <a:endParaRPr lang="ko-KR" altLang="en-US" sz="1600" dirty="0">
               <a:ln>
                 <a:solidFill>
                   <a:schemeClr val="tx1">
@@ -3648,206 +3792,6 @@
               <a:ea typeface="나눔바른고딕OTF" panose="02020603020101020101" pitchFamily="18" charset="-127"/>
             </a:endParaRPr>
           </a:p>
-          <a:p>
-            <a:pPr>
-              <a:lnSpc>
-                <a:spcPct val="150000"/>
-              </a:lnSpc>
-            </a:pPr>
-            <a:r>
-              <a:rPr lang="ko-KR" altLang="en-US" sz="1000" dirty="0" smtClean="0">
-                <a:ln>
-                  <a:solidFill>
-                    <a:schemeClr val="tx1">
-                      <a:alpha val="0"/>
-                    </a:schemeClr>
-                  </a:solidFill>
-                </a:ln>
-                <a:latin typeface="나눔바른고딕OTF" panose="02020603020101020101" pitchFamily="18" charset="-127"/>
-                <a:ea typeface="나눔바른고딕OTF" panose="02020603020101020101" pitchFamily="18" charset="-127"/>
-              </a:rPr>
-              <a:t>코칭 </a:t>
-            </a:r>
-            <a:r>
-              <a:rPr lang="ko-KR" altLang="en-US" sz="1000" dirty="0" smtClean="0">
-                <a:ln>
-                  <a:solidFill>
-                    <a:schemeClr val="tx1">
-                      <a:alpha val="0"/>
-                    </a:schemeClr>
-                  </a:solidFill>
-                </a:ln>
-                <a:latin typeface="나눔바른고딕OTF" panose="02020603020101020101" pitchFamily="18" charset="-127"/>
-                <a:ea typeface="나눔바른고딕OTF" panose="02020603020101020101" pitchFamily="18" charset="-127"/>
-              </a:rPr>
-              <a:t>교재 </a:t>
-            </a:r>
-            <a:r>
-              <a:rPr lang="en-US" altLang="ko-KR" sz="1000" dirty="0" smtClean="0">
-                <a:ln>
-                  <a:solidFill>
-                    <a:schemeClr val="tx1">
-                      <a:alpha val="0"/>
-                    </a:schemeClr>
-                  </a:solidFill>
-                </a:ln>
-                <a:latin typeface="나눔바른고딕OTF" panose="02020603020101020101" pitchFamily="18" charset="-127"/>
-                <a:ea typeface="나눔바른고딕OTF" panose="02020603020101020101" pitchFamily="18" charset="-127"/>
-              </a:rPr>
-              <a:t>/ </a:t>
-            </a:r>
-            <a:r>
-              <a:rPr lang="ko-KR" altLang="en-US" sz="1000" dirty="0" err="1" smtClean="0">
-                <a:ln>
-                  <a:solidFill>
-                    <a:schemeClr val="tx1">
-                      <a:alpha val="0"/>
-                    </a:schemeClr>
-                  </a:solidFill>
-                </a:ln>
-                <a:latin typeface="나눔바른고딕OTF" panose="02020603020101020101" pitchFamily="18" charset="-127"/>
-                <a:ea typeface="나눔바른고딕OTF" panose="02020603020101020101" pitchFamily="18" charset="-127"/>
-              </a:rPr>
-              <a:t>수강권</a:t>
-            </a:r>
-            <a:r>
-              <a:rPr lang="ko-KR" altLang="en-US" sz="1000" dirty="0" smtClean="0">
-                <a:ln>
-                  <a:solidFill>
-                    <a:schemeClr val="tx1">
-                      <a:alpha val="0"/>
-                    </a:schemeClr>
-                  </a:solidFill>
-                </a:ln>
-                <a:latin typeface="나눔바른고딕OTF" panose="02020603020101020101" pitchFamily="18" charset="-127"/>
-                <a:ea typeface="나눔바른고딕OTF" panose="02020603020101020101" pitchFamily="18" charset="-127"/>
-              </a:rPr>
-              <a:t> </a:t>
-            </a:r>
-            <a:r>
-              <a:rPr lang="ko-KR" altLang="en-US" sz="1000" dirty="0" smtClean="0">
-                <a:ln>
-                  <a:solidFill>
-                    <a:schemeClr val="tx1">
-                      <a:alpha val="0"/>
-                    </a:schemeClr>
-                  </a:solidFill>
-                </a:ln>
-                <a:latin typeface="나눔바른고딕OTF" panose="02020603020101020101" pitchFamily="18" charset="-127"/>
-                <a:ea typeface="나눔바른고딕OTF" panose="02020603020101020101" pitchFamily="18" charset="-127"/>
-              </a:rPr>
-              <a:t>관련하여 궁금하신 점 있으면 </a:t>
-            </a:r>
-            <a:r>
-              <a:rPr lang="ko-KR" altLang="en-US" sz="1000" dirty="0" smtClean="0">
-                <a:ln>
-                  <a:solidFill>
-                    <a:schemeClr val="tx1">
-                      <a:alpha val="0"/>
-                    </a:schemeClr>
-                  </a:solidFill>
-                </a:ln>
-                <a:latin typeface="나눔바른고딕OTF" panose="02020603020101020101" pitchFamily="18" charset="-127"/>
-                <a:ea typeface="나눔바른고딕OTF" panose="02020603020101020101" pitchFamily="18" charset="-127"/>
-              </a:rPr>
-              <a:t>사이트 내 우측 하단 </a:t>
-            </a:r>
-            <a:r>
-              <a:rPr lang="en-US" altLang="ko-KR" sz="1000" dirty="0" smtClean="0">
-                <a:ln>
-                  <a:solidFill>
-                    <a:schemeClr val="tx1">
-                      <a:alpha val="0"/>
-                    </a:schemeClr>
-                  </a:solidFill>
-                </a:ln>
-                <a:latin typeface="나눔바른고딕OTF" panose="02020603020101020101" pitchFamily="18" charset="-127"/>
-                <a:ea typeface="나눔바른고딕OTF" panose="02020603020101020101" pitchFamily="18" charset="-127"/>
-              </a:rPr>
-              <a:t>‘ </a:t>
-            </a:r>
-            <a:r>
-              <a:rPr lang="ko-KR" altLang="en-US" sz="1000" dirty="0" smtClean="0">
-                <a:ln>
-                  <a:solidFill>
-                    <a:schemeClr val="tx1">
-                      <a:alpha val="0"/>
-                    </a:schemeClr>
-                  </a:solidFill>
-                </a:ln>
-                <a:latin typeface="나눔바른고딕OTF" panose="02020603020101020101" pitchFamily="18" charset="-127"/>
-                <a:ea typeface="나눔바른고딕OTF" panose="02020603020101020101" pitchFamily="18" charset="-127"/>
-              </a:rPr>
-              <a:t>상담하기       </a:t>
-            </a:r>
-            <a:r>
-              <a:rPr lang="en-US" altLang="ko-KR" sz="1000" dirty="0" smtClean="0">
-                <a:ln>
-                  <a:solidFill>
-                    <a:schemeClr val="tx1">
-                      <a:alpha val="0"/>
-                    </a:schemeClr>
-                  </a:solidFill>
-                </a:ln>
-                <a:latin typeface="나눔바른고딕OTF" panose="02020603020101020101" pitchFamily="18" charset="-127"/>
-                <a:ea typeface="나눔바른고딕OTF" panose="02020603020101020101" pitchFamily="18" charset="-127"/>
-              </a:rPr>
-              <a:t>’ </a:t>
-            </a:r>
-            <a:r>
-              <a:rPr lang="ko-KR" altLang="en-US" sz="1000" dirty="0" smtClean="0">
-                <a:ln>
-                  <a:solidFill>
-                    <a:schemeClr val="tx1">
-                      <a:alpha val="0"/>
-                    </a:schemeClr>
-                  </a:solidFill>
-                </a:ln>
-                <a:latin typeface="나눔바른고딕OTF" panose="02020603020101020101" pitchFamily="18" charset="-127"/>
-                <a:ea typeface="나눔바른고딕OTF" panose="02020603020101020101" pitchFamily="18" charset="-127"/>
-              </a:rPr>
-              <a:t>로 </a:t>
-            </a:r>
-            <a:r>
-              <a:rPr lang="ko-KR" altLang="en-US" sz="1000" dirty="0" smtClean="0">
-                <a:ln>
-                  <a:solidFill>
-                    <a:schemeClr val="tx1">
-                      <a:alpha val="0"/>
-                    </a:schemeClr>
-                  </a:solidFill>
-                </a:ln>
-                <a:latin typeface="나눔바른고딕OTF" panose="02020603020101020101" pitchFamily="18" charset="-127"/>
-                <a:ea typeface="나눔바른고딕OTF" panose="02020603020101020101" pitchFamily="18" charset="-127"/>
-              </a:rPr>
-              <a:t>남겨주세요</a:t>
-            </a:r>
-            <a:r>
-              <a:rPr lang="en-US" altLang="ko-KR" sz="1000" dirty="0" smtClean="0">
-                <a:ln>
-                  <a:solidFill>
-                    <a:schemeClr val="tx1">
-                      <a:alpha val="0"/>
-                    </a:schemeClr>
-                  </a:solidFill>
-                </a:ln>
-                <a:latin typeface="나눔바른고딕OTF" panose="02020603020101020101" pitchFamily="18" charset="-127"/>
-                <a:ea typeface="나눔바른고딕OTF" panose="02020603020101020101" pitchFamily="18" charset="-127"/>
-              </a:rPr>
-              <a:t> :)</a:t>
-            </a:r>
-            <a:endParaRPr lang="ko-KR" altLang="en-US" sz="1000" dirty="0">
-              <a:ln>
-                <a:solidFill>
-                  <a:schemeClr val="tx1">
-                    <a:alpha val="0"/>
-                  </a:schemeClr>
-                </a:solidFill>
-              </a:ln>
-              <a:latin typeface="나눔바른고딕OTF" panose="02020603020101020101" pitchFamily="18" charset="-127"/>
-              <a:ea typeface="나눔바른고딕OTF" panose="02020603020101020101" pitchFamily="18" charset="-127"/>
-            </a:endParaRPr>
-          </a:p>
         </p:txBody>
       </p:sp>
       <p:sp>
@@ -3858,8 +3802,8 @@
         </p:nvSpPr>
         <p:spPr>
           <a:xfrm>
-            <a:off x="109057" y="115809"/>
-            <a:ext cx="6606781" cy="9674383"/>
+            <a:off x="104888" y="107577"/>
+            <a:ext cx="9391425" cy="12586446"/>
           </a:xfrm>
           <a:prstGeom prst="rect">
             <a:avLst/>
@@ -3906,8 +3850,8 @@
         </p:nvSpPr>
         <p:spPr>
           <a:xfrm>
-            <a:off x="684482" y="3756234"/>
-            <a:ext cx="3543377" cy="303929"/>
+            <a:off x="720523" y="5548672"/>
+            <a:ext cx="4742750" cy="461665"/>
           </a:xfrm>
           <a:prstGeom prst="rect">
             <a:avLst/>
@@ -3926,7 +3870,7 @@
               </a:lnSpc>
             </a:pPr>
             <a:r>
-              <a:rPr lang="ko-KR" altLang="en-US" sz="1000" dirty="0" err="1" smtClean="0">
+              <a:rPr lang="ko-KR" altLang="en-US" sz="1600" dirty="0" err="1">
                 <a:ln>
                   <a:solidFill>
                     <a:schemeClr val="tx1">
@@ -3940,7 +3884,7 @@
               <a:t>마이페이지</a:t>
             </a:r>
             <a:r>
-              <a:rPr lang="ko-KR" altLang="en-US" sz="1000" dirty="0" smtClean="0">
+              <a:rPr lang="ko-KR" altLang="en-US" sz="1600" dirty="0">
                 <a:ln>
                   <a:solidFill>
                     <a:schemeClr val="tx1">
@@ -3954,7 +3898,7 @@
               <a:t> </a:t>
             </a:r>
             <a:r>
-              <a:rPr lang="en-US" altLang="ko-KR" sz="1000" dirty="0" smtClean="0">
+              <a:rPr lang="en-US" altLang="ko-KR" sz="1600" dirty="0">
                 <a:ln>
                   <a:solidFill>
                     <a:schemeClr val="tx1">
@@ -3968,7 +3912,7 @@
               <a:t>&gt; </a:t>
             </a:r>
             <a:r>
-              <a:rPr lang="ko-KR" altLang="en-US" sz="1000" dirty="0" smtClean="0">
+              <a:rPr lang="ko-KR" altLang="en-US" sz="1600" dirty="0">
                 <a:ln>
                   <a:solidFill>
                     <a:schemeClr val="tx1">
@@ -3982,7 +3926,7 @@
               <a:t>쿠폰 정보 </a:t>
             </a:r>
             <a:r>
-              <a:rPr lang="en-US" altLang="ko-KR" sz="1000" dirty="0" smtClean="0">
+              <a:rPr lang="en-US" altLang="ko-KR" sz="1600" dirty="0">
                 <a:ln>
                   <a:solidFill>
                     <a:schemeClr val="tx1">
@@ -3996,7 +3940,7 @@
               <a:t>&gt; </a:t>
             </a:r>
             <a:r>
-              <a:rPr lang="ko-KR" altLang="en-US" sz="1000" dirty="0" err="1" smtClean="0">
+              <a:rPr lang="ko-KR" altLang="en-US" sz="1600" dirty="0" err="1">
                 <a:ln>
                   <a:solidFill>
                     <a:schemeClr val="tx1">
@@ -4010,7 +3954,7 @@
               <a:t>코칭앱</a:t>
             </a:r>
             <a:r>
-              <a:rPr lang="ko-KR" altLang="en-US" sz="1000" dirty="0" smtClean="0">
+              <a:rPr lang="ko-KR" altLang="en-US" sz="1600" dirty="0">
                 <a:ln>
                   <a:solidFill>
                     <a:schemeClr val="tx1">
@@ -4024,7 +3968,7 @@
               <a:t> 체험 이용권 </a:t>
             </a:r>
             <a:r>
-              <a:rPr lang="en-US" altLang="ko-KR" sz="1000" dirty="0" smtClean="0">
+              <a:rPr lang="en-US" altLang="ko-KR" sz="1600" dirty="0">
                 <a:ln>
                   <a:solidFill>
                     <a:schemeClr val="tx1">
@@ -4038,7 +3982,7 @@
               <a:t>&gt; </a:t>
             </a:r>
             <a:r>
-              <a:rPr lang="ko-KR" altLang="en-US" sz="1000" b="1" dirty="0" smtClean="0">
+              <a:rPr lang="ko-KR" altLang="en-US" sz="1600" b="1" dirty="0">
                 <a:ln>
                   <a:solidFill>
                     <a:schemeClr val="tx1">
@@ -4051,7 +3995,7 @@
               </a:rPr>
               <a:t>사용하기</a:t>
             </a:r>
-            <a:endParaRPr lang="ko-KR" altLang="en-US" sz="1000" b="1" dirty="0">
+            <a:endParaRPr lang="ko-KR" altLang="en-US" sz="1600" b="1" dirty="0">
               <a:ln>
                 <a:solidFill>
                   <a:schemeClr val="tx1">
@@ -4073,8 +4017,8 @@
         </p:nvSpPr>
         <p:spPr>
           <a:xfrm>
-            <a:off x="753062" y="6287795"/>
-            <a:ext cx="3819264" cy="323165"/>
+            <a:off x="720523" y="9293892"/>
+            <a:ext cx="6040392" cy="461665"/>
           </a:xfrm>
           <a:prstGeom prst="rect">
             <a:avLst/>
@@ -4093,7 +4037,7 @@
               </a:lnSpc>
             </a:pPr>
             <a:r>
-              <a:rPr lang="ko-KR" altLang="en-US" sz="1000" dirty="0" smtClean="0">
+              <a:rPr lang="ko-KR" altLang="en-US" sz="1600" dirty="0">
                 <a:ln>
                   <a:solidFill>
                     <a:schemeClr val="tx1">
@@ -4107,7 +4051,7 @@
               <a:t>강의실 </a:t>
             </a:r>
             <a:r>
-              <a:rPr lang="en-US" altLang="ko-KR" sz="1000" dirty="0" smtClean="0">
+              <a:rPr lang="en-US" altLang="ko-KR" sz="1600" dirty="0">
                 <a:ln>
                   <a:solidFill>
                     <a:schemeClr val="tx1">
@@ -4121,7 +4065,7 @@
               <a:t>&gt; </a:t>
             </a:r>
             <a:r>
-              <a:rPr lang="ko-KR" altLang="en-US" sz="1000" dirty="0" err="1" smtClean="0">
+              <a:rPr lang="ko-KR" altLang="en-US" sz="1600" dirty="0" err="1">
                 <a:ln>
                   <a:solidFill>
                     <a:schemeClr val="tx1">
@@ -4135,7 +4079,7 @@
               <a:t>코칭앱</a:t>
             </a:r>
             <a:r>
-              <a:rPr lang="ko-KR" altLang="en-US" sz="1000" dirty="0" smtClean="0">
+              <a:rPr lang="ko-KR" altLang="en-US" sz="1600" dirty="0">
                 <a:ln>
                   <a:solidFill>
                     <a:schemeClr val="tx1">
@@ -4149,7 +4093,7 @@
               <a:t> </a:t>
             </a:r>
             <a:r>
-              <a:rPr lang="en-US" altLang="ko-KR" sz="1000" dirty="0" smtClean="0">
+              <a:rPr lang="en-US" altLang="ko-KR" sz="1600" dirty="0">
                 <a:ln>
                   <a:solidFill>
                     <a:schemeClr val="tx1">
@@ -4163,7 +4107,7 @@
               <a:t>&gt; </a:t>
             </a:r>
             <a:r>
-              <a:rPr lang="ko-KR" altLang="en-US" sz="1000" dirty="0" smtClean="0">
+              <a:rPr lang="ko-KR" altLang="en-US" sz="1600" dirty="0">
                 <a:ln>
                   <a:solidFill>
                     <a:schemeClr val="tx1">
@@ -4177,7 +4121,7 @@
               <a:t>프라이빗노트 </a:t>
             </a:r>
             <a:r>
-              <a:rPr lang="ko-KR" altLang="en-US" sz="1000" dirty="0" err="1" smtClean="0">
+              <a:rPr lang="ko-KR" altLang="en-US" sz="1600" dirty="0" err="1">
                 <a:ln>
                   <a:solidFill>
                     <a:schemeClr val="tx1">
@@ -4191,7 +4135,7 @@
               <a:t>코칭앱</a:t>
             </a:r>
             <a:r>
-              <a:rPr lang="ko-KR" altLang="en-US" sz="1000" dirty="0" smtClean="0">
+              <a:rPr lang="ko-KR" altLang="en-US" sz="1600" dirty="0">
                 <a:ln>
                   <a:solidFill>
                     <a:schemeClr val="tx1">
@@ -4205,7 +4149,7 @@
               <a:t> 체험 </a:t>
             </a:r>
             <a:r>
-              <a:rPr lang="en-US" altLang="ko-KR" sz="1000" dirty="0" smtClean="0">
+              <a:rPr lang="en-US" altLang="ko-KR" sz="1600" dirty="0">
                 <a:ln>
                   <a:solidFill>
                     <a:schemeClr val="tx1">
@@ -4219,7 +4163,7 @@
               <a:t>&gt; </a:t>
             </a:r>
             <a:r>
-              <a:rPr lang="ko-KR" altLang="en-US" sz="1000" b="1" dirty="0" smtClean="0">
+              <a:rPr lang="ko-KR" altLang="en-US" sz="1600" b="1" dirty="0">
                 <a:ln>
                   <a:solidFill>
                     <a:schemeClr val="tx1">
@@ -4233,7 +4177,7 @@
               <a:t>해당 과목 선택</a:t>
             </a:r>
             <a:r>
-              <a:rPr lang="ko-KR" altLang="en-US" sz="1000" dirty="0" smtClean="0">
+              <a:rPr lang="ko-KR" altLang="en-US" sz="1600" dirty="0">
                 <a:ln>
                   <a:solidFill>
                     <a:schemeClr val="tx1">
@@ -4246,7 +4190,7 @@
               </a:rPr>
               <a:t> 후 수강</a:t>
             </a:r>
-            <a:endParaRPr lang="ko-KR" altLang="en-US" sz="1000" dirty="0">
+            <a:endParaRPr lang="ko-KR" altLang="en-US" sz="1600" dirty="0">
               <a:ln>
                 <a:solidFill>
                   <a:schemeClr val="tx1">
@@ -4282,8 +4226,8 @@
         </p:blipFill>
         <p:spPr>
           <a:xfrm>
-            <a:off x="2927078" y="9179690"/>
-            <a:ext cx="850164" cy="221987"/>
+            <a:off x="4150209" y="12201269"/>
+            <a:ext cx="1300782" cy="339648"/>
           </a:xfrm>
           <a:prstGeom prst="rect">
             <a:avLst/>
@@ -4306,8 +4250,8 @@
         </p:blipFill>
         <p:spPr>
           <a:xfrm>
-            <a:off x="905674" y="6731297"/>
-            <a:ext cx="2474899" cy="1806717"/>
+            <a:off x="822839" y="9780069"/>
+            <a:ext cx="3094321" cy="2258905"/>
           </a:xfrm>
           <a:prstGeom prst="roundRect">
             <a:avLst>
@@ -4347,8 +4291,8 @@
         </p:blipFill>
         <p:spPr>
           <a:xfrm>
-            <a:off x="3892351" y="6731297"/>
-            <a:ext cx="2128706" cy="1806717"/>
+            <a:off x="5263950" y="9588350"/>
+            <a:ext cx="2887369" cy="2450624"/>
           </a:xfrm>
           <a:prstGeom prst="roundRect">
             <a:avLst>
@@ -4380,7 +4324,7 @@
         </p:nvSpPr>
         <p:spPr>
           <a:xfrm rot="5400000">
-            <a:off x="3372806" y="7542122"/>
+            <a:off x="4744406" y="10399174"/>
             <a:ext cx="557792" cy="196676"/>
           </a:xfrm>
           <a:prstGeom prst="triangle">
@@ -4435,7 +4379,7 @@
         </p:nvSpPr>
         <p:spPr>
           <a:xfrm>
-            <a:off x="2545560" y="7782468"/>
+            <a:off x="3917160" y="10639520"/>
             <a:ext cx="807806" cy="728662"/>
           </a:xfrm>
           <a:prstGeom prst="roundRect">
@@ -4489,7 +4433,7 @@
         </p:nvSpPr>
         <p:spPr>
           <a:xfrm rot="18900000">
-            <a:off x="3184724" y="8113647"/>
+            <a:off x="4556324" y="10970699"/>
             <a:ext cx="89300" cy="151704"/>
           </a:xfrm>
           <a:prstGeom prst="upArrow">
@@ -4551,10 +4495,10 @@
         </p:nvGrpSpPr>
         <p:grpSpPr>
           <a:xfrm>
-            <a:off x="821642" y="5938050"/>
-            <a:ext cx="1447877" cy="303929"/>
+            <a:off x="10531398" y="7722186"/>
+            <a:ext cx="1447877" cy="323165"/>
             <a:chOff x="624763" y="5806906"/>
-            <a:chExt cx="1447877" cy="303929"/>
+            <a:chExt cx="1447877" cy="323165"/>
           </a:xfrm>
         </p:grpSpPr>
         <p:sp>
@@ -4624,7 +4568,7 @@
           <p:spPr>
             <a:xfrm>
               <a:off x="1014314" y="5806906"/>
-              <a:ext cx="668773" cy="303929"/>
+              <a:ext cx="668773" cy="323165"/>
             </a:xfrm>
             <a:prstGeom prst="rect">
               <a:avLst/>
@@ -4676,156 +4620,92 @@
           </p:txBody>
         </p:sp>
       </p:grpSp>
-      <p:grpSp>
-        <p:nvGrpSpPr>
-          <p:cNvPr id="19" name="그룹 18"/>
-          <p:cNvGrpSpPr/>
+      <p:sp>
+        <p:nvSpPr>
+          <p:cNvPr id="17" name="모서리가 둥근 직사각형 16"/>
+          <p:cNvSpPr/>
           <p:nvPr/>
-        </p:nvGrpSpPr>
-        <p:grpSpPr>
+        </p:nvSpPr>
+        <p:spPr>
           <a:xfrm>
-            <a:off x="753062" y="3441602"/>
-            <a:ext cx="1447877" cy="323165"/>
-            <a:chOff x="624763" y="3457395"/>
-            <a:chExt cx="1447877" cy="323165"/>
+            <a:off x="720523" y="5095874"/>
+            <a:ext cx="2216313" cy="357455"/>
           </a:xfrm>
-        </p:grpSpPr>
-        <p:sp>
-          <p:nvSpPr>
-            <p:cNvPr id="17" name="모서리가 둥근 직사각형 16"/>
-            <p:cNvSpPr/>
-            <p:nvPr/>
-          </p:nvSpPr>
-          <p:spPr>
-            <a:xfrm>
-              <a:off x="624763" y="3502649"/>
-              <a:ext cx="1447877" cy="254387"/>
-            </a:xfrm>
-            <a:prstGeom prst="roundRect">
-              <a:avLst>
-                <a:gd name="adj" fmla="val 50000"/>
-              </a:avLst>
-            </a:prstGeom>
-            <a:solidFill>
-              <a:schemeClr val="tx1">
-                <a:lumMod val="75000"/>
-                <a:lumOff val="25000"/>
-              </a:schemeClr>
-            </a:solidFill>
-            <a:ln>
-              <a:noFill/>
-            </a:ln>
-            <a:effectLst>
-              <a:outerShdw blurRad="38100" dist="12700" dir="2700000" algn="tl" rotWithShape="0">
-                <a:prstClr val="black">
-                  <a:alpha val="29000"/>
-                </a:prstClr>
-              </a:outerShdw>
-            </a:effectLst>
-          </p:spPr>
-          <p:style>
-            <a:lnRef idx="2">
-              <a:schemeClr val="accent1">
-                <a:shade val="50000"/>
-              </a:schemeClr>
-            </a:lnRef>
-            <a:fillRef idx="1">
-              <a:schemeClr val="accent1"/>
-            </a:fillRef>
-            <a:effectRef idx="0">
-              <a:schemeClr val="accent1"/>
-            </a:effectRef>
-            <a:fontRef idx="minor">
-              <a:schemeClr val="lt1"/>
-            </a:fontRef>
-          </p:style>
-          <p:txBody>
-            <a:bodyPr rtlCol="0" anchor="ctr"/>
-            <a:lstStyle/>
-            <a:p>
-              <a:pPr algn="ctr"/>
-              <a:endParaRPr lang="ko-KR" altLang="en-US"/>
-            </a:p>
-          </p:txBody>
-        </p:sp>
-        <p:sp>
-          <p:nvSpPr>
-            <p:cNvPr id="18" name="직사각형 17"/>
-            <p:cNvSpPr/>
-            <p:nvPr/>
-          </p:nvSpPr>
-          <p:spPr>
-            <a:xfrm>
-              <a:off x="829166" y="3457395"/>
-              <a:ext cx="1039067" cy="323165"/>
-            </a:xfrm>
-            <a:prstGeom prst="rect">
-              <a:avLst/>
-            </a:prstGeom>
-          </p:spPr>
-          <p:txBody>
-            <a:bodyPr wrap="none">
-              <a:spAutoFit/>
-            </a:bodyPr>
-            <a:lstStyle/>
-            <a:p>
-              <a:pPr>
-                <a:lnSpc>
-                  <a:spcPct val="150000"/>
-                </a:lnSpc>
-              </a:pPr>
-              <a:r>
-                <a:rPr lang="ko-KR" altLang="en-US" sz="1000" b="1" smtClean="0">
-                  <a:ln>
-                    <a:solidFill>
-                      <a:schemeClr val="tx1">
-                        <a:alpha val="0"/>
-                      </a:schemeClr>
-                    </a:solidFill>
-                  </a:ln>
-                  <a:solidFill>
-                    <a:schemeClr val="bg1"/>
-                  </a:solidFill>
-                  <a:latin typeface="나눔바른고딕OTF" panose="02020603020101020101" pitchFamily="18" charset="-127"/>
-                  <a:ea typeface="나눔바른고딕OTF" panose="02020603020101020101" pitchFamily="18" charset="-127"/>
-                </a:rPr>
-                <a:t>체험권</a:t>
-              </a:r>
-              <a:r>
-                <a:rPr lang="ko-KR" altLang="en-US" sz="1000" b="1" dirty="0" smtClean="0">
-                  <a:ln>
-                    <a:solidFill>
-                      <a:schemeClr val="tx1">
-                        <a:alpha val="0"/>
-                      </a:schemeClr>
-                    </a:solidFill>
-                  </a:ln>
-                  <a:solidFill>
-                    <a:schemeClr val="bg1"/>
-                  </a:solidFill>
-                  <a:latin typeface="나눔바른고딕OTF" panose="02020603020101020101" pitchFamily="18" charset="-127"/>
-                  <a:ea typeface="나눔바른고딕OTF" panose="02020603020101020101" pitchFamily="18" charset="-127"/>
-                </a:rPr>
-                <a:t> 등록 </a:t>
-              </a:r>
-              <a:r>
-                <a:rPr lang="ko-KR" altLang="en-US" sz="1000" b="1" dirty="0">
-                  <a:ln>
-                    <a:solidFill>
-                      <a:schemeClr val="tx1">
-                        <a:alpha val="0"/>
-                      </a:schemeClr>
-                    </a:solidFill>
-                  </a:ln>
-                  <a:solidFill>
-                    <a:schemeClr val="bg1"/>
-                  </a:solidFill>
-                  <a:latin typeface="나눔바른고딕OTF" panose="02020603020101020101" pitchFamily="18" charset="-127"/>
-                  <a:ea typeface="나눔바른고딕OTF" panose="02020603020101020101" pitchFamily="18" charset="-127"/>
-                </a:rPr>
-                <a:t>방법</a:t>
-              </a:r>
-              <a:endParaRPr lang="en-US" altLang="ko-KR" sz="1000" b="1" dirty="0">
+          <a:prstGeom prst="roundRect">
+            <a:avLst>
+              <a:gd name="adj" fmla="val 50000"/>
+            </a:avLst>
+          </a:prstGeom>
+          <a:solidFill>
+            <a:schemeClr val="tx1">
+              <a:lumMod val="75000"/>
+              <a:lumOff val="25000"/>
+            </a:schemeClr>
+          </a:solidFill>
+          <a:ln>
+            <a:noFill/>
+          </a:ln>
+          <a:effectLst>
+            <a:outerShdw blurRad="38100" dist="12700" dir="2700000" algn="tl" rotWithShape="0">
+              <a:prstClr val="black">
+                <a:alpha val="29000"/>
+              </a:prstClr>
+            </a:outerShdw>
+          </a:effectLst>
+        </p:spPr>
+        <p:style>
+          <a:lnRef idx="2">
+            <a:schemeClr val="accent1">
+              <a:shade val="50000"/>
+            </a:schemeClr>
+          </a:lnRef>
+          <a:fillRef idx="1">
+            <a:schemeClr val="accent1"/>
+          </a:fillRef>
+          <a:effectRef idx="0">
+            <a:schemeClr val="accent1"/>
+          </a:effectRef>
+          <a:fontRef idx="minor">
+            <a:schemeClr val="lt1"/>
+          </a:fontRef>
+        </p:style>
+        <p:txBody>
+          <a:bodyPr rtlCol="0" anchor="ctr"/>
+          <a:lstStyle/>
+          <a:p>
+            <a:pPr algn="ctr"/>
+            <a:endParaRPr lang="ko-KR" altLang="en-US"/>
+          </a:p>
+        </p:txBody>
+      </p:sp>
+      <p:sp>
+        <p:nvSpPr>
+          <p:cNvPr id="18" name="직사각형 17"/>
+          <p:cNvSpPr/>
+          <p:nvPr/>
+        </p:nvSpPr>
+        <p:spPr>
+          <a:xfrm>
+            <a:off x="1050261" y="5022118"/>
+            <a:ext cx="1556836" cy="430887"/>
+          </a:xfrm>
+          <a:prstGeom prst="rect">
+            <a:avLst/>
+          </a:prstGeom>
+        </p:spPr>
+        <p:txBody>
+          <a:bodyPr wrap="none">
+            <a:spAutoFit/>
+          </a:bodyPr>
+          <a:lstStyle/>
+          <a:p>
+            <a:pPr algn="ctr">
+              <a:lnSpc>
+                <a:spcPct val="150000"/>
+              </a:lnSpc>
+            </a:pPr>
+            <a:r>
+              <a:rPr lang="ko-KR" altLang="en-US" sz="1600" b="1" dirty="0" err="1">
                 <a:ln>
                   <a:solidFill>
                     <a:schemeClr val="tx1">
@@ -4838,11 +4718,60 @@
                 </a:solidFill>
                 <a:latin typeface="나눔바른고딕OTF" panose="02020603020101020101" pitchFamily="18" charset="-127"/>
                 <a:ea typeface="나눔바른고딕OTF" panose="02020603020101020101" pitchFamily="18" charset="-127"/>
-              </a:endParaRPr>
-            </a:p>
-          </p:txBody>
-        </p:sp>
-      </p:grpSp>
+              </a:rPr>
+              <a:t>체험권</a:t>
+            </a:r>
+            <a:r>
+              <a:rPr lang="ko-KR" altLang="en-US" sz="1600" b="1" dirty="0">
+                <a:ln>
+                  <a:solidFill>
+                    <a:schemeClr val="tx1">
+                      <a:alpha val="0"/>
+                    </a:schemeClr>
+                  </a:solidFill>
+                </a:ln>
+                <a:solidFill>
+                  <a:schemeClr val="bg1"/>
+                </a:solidFill>
+                <a:latin typeface="나눔바른고딕OTF" panose="02020603020101020101" pitchFamily="18" charset="-127"/>
+                <a:ea typeface="나눔바른고딕OTF" panose="02020603020101020101" pitchFamily="18" charset="-127"/>
+              </a:rPr>
+              <a:t> 등록 </a:t>
+            </a:r>
+            <a:r>
+              <a:rPr lang="ko-KR" altLang="en-US" sz="1600" b="1" dirty="0">
+                <a:ln>
+                  <a:solidFill>
+                    <a:schemeClr val="tx1">
+                      <a:alpha val="0"/>
+                    </a:schemeClr>
+                  </a:solidFill>
+                </a:ln>
+                <a:solidFill>
+                  <a:schemeClr val="bg1"/>
+                </a:solidFill>
+                <a:latin typeface="나눔바른고딕OTF" panose="02020603020101020101" pitchFamily="18" charset="-127"/>
+                <a:ea typeface="나눔바른고딕OTF" panose="02020603020101020101" pitchFamily="18" charset="-127"/>
+              </a:rPr>
+              <a:t>방법</a:t>
+            </a:r>
+            <a:endParaRPr lang="en-US" altLang="ko-KR" sz="1600" b="1" dirty="0">
+              <a:ln>
+                <a:solidFill>
+                  <a:schemeClr val="tx1">
+                    <a:alpha val="0"/>
+                  </a:schemeClr>
+                </a:solidFill>
+              </a:ln>
+              <a:solidFill>
+                <a:schemeClr val="bg1"/>
+              </a:solidFill>
+              <a:latin typeface="나눔바른고딕OTF" panose="02020603020101020101" pitchFamily="18" charset="-127"/>
+              <a:ea typeface="나눔바른고딕OTF" panose="02020603020101020101" pitchFamily="18" charset="-127"/>
+            </a:endParaRPr>
+          </a:p>
+        </p:txBody>
+      </p:sp>
       <p:pic>
         <p:nvPicPr>
           <p:cNvPr id="24" name="그림 23"/>
@@ -4859,8 +4788,8 @@
         </p:blipFill>
         <p:spPr>
           <a:xfrm>
-            <a:off x="897285" y="4184099"/>
-            <a:ext cx="1937504" cy="1388290"/>
+            <a:off x="878906" y="6087249"/>
+            <a:ext cx="3432130" cy="2459242"/>
           </a:xfrm>
           <a:prstGeom prst="roundRect">
             <a:avLst>
@@ -4892,8 +4821,8 @@
         </p:nvSpPr>
         <p:spPr>
           <a:xfrm>
-            <a:off x="1384890" y="5206640"/>
-            <a:ext cx="792338" cy="197127"/>
+            <a:off x="1764420" y="7927287"/>
+            <a:ext cx="1351843" cy="294639"/>
           </a:xfrm>
           <a:prstGeom prst="roundRect">
             <a:avLst>
@@ -4946,8 +4875,8 @@
         </p:nvSpPr>
         <p:spPr>
           <a:xfrm rot="18900000">
-            <a:off x="2013265" y="5281126"/>
-            <a:ext cx="89300" cy="151704"/>
+            <a:off x="2922053" y="8059573"/>
+            <a:ext cx="135737" cy="230591"/>
           </a:xfrm>
           <a:prstGeom prst="upArrow">
             <a:avLst>
@@ -5008,7 +4937,7 @@
         </p:nvCxnSpPr>
         <p:spPr>
           <a:xfrm>
-            <a:off x="788194" y="824584"/>
+            <a:off x="10800519" y="2781994"/>
             <a:ext cx="909637" cy="0"/>
           </a:xfrm>
           <a:prstGeom prst="line">
@@ -5046,7 +4975,7 @@
         </p:nvCxnSpPr>
         <p:spPr>
           <a:xfrm>
-            <a:off x="2901525" y="1967584"/>
+            <a:off x="12913849" y="3924994"/>
             <a:ext cx="990826" cy="0"/>
           </a:xfrm>
           <a:prstGeom prst="line">
@@ -5084,7 +5013,7 @@
         </p:nvCxnSpPr>
         <p:spPr>
           <a:xfrm>
-            <a:off x="2820124" y="1507587"/>
+            <a:off x="12832448" y="3464997"/>
             <a:ext cx="975584" cy="0"/>
           </a:xfrm>
           <a:prstGeom prst="line">
@@ -5122,7 +5051,7 @@
         </p:nvCxnSpPr>
         <p:spPr>
           <a:xfrm>
-            <a:off x="1655727" y="2208768"/>
+            <a:off x="11668052" y="4166178"/>
             <a:ext cx="909637" cy="0"/>
           </a:xfrm>
           <a:prstGeom prst="line">
@@ -5180,7 +5109,7 @@
         </p:blipFill>
         <p:spPr>
           <a:xfrm>
-            <a:off x="4461229" y="2683761"/>
+            <a:off x="14473553" y="4641171"/>
             <a:ext cx="498922" cy="248232"/>
           </a:xfrm>
           <a:prstGeom prst="rect">
@@ -5188,6 +5117,141 @@
           </a:prstGeom>
         </p:spPr>
       </p:pic>
+      <p:sp>
+        <p:nvSpPr>
+          <p:cNvPr id="33" name="모서리가 둥근 직사각형 32"/>
+          <p:cNvSpPr/>
+          <p:nvPr/>
+        </p:nvSpPr>
+        <p:spPr>
+          <a:xfrm>
+            <a:off x="720523" y="8833817"/>
+            <a:ext cx="2216313" cy="357455"/>
+          </a:xfrm>
+          <a:prstGeom prst="roundRect">
+            <a:avLst>
+              <a:gd name="adj" fmla="val 50000"/>
+            </a:avLst>
+          </a:prstGeom>
+          <a:solidFill>
+            <a:schemeClr val="tx1">
+              <a:lumMod val="75000"/>
+              <a:lumOff val="25000"/>
+            </a:schemeClr>
+          </a:solidFill>
+          <a:ln>
+            <a:noFill/>
+          </a:ln>
+          <a:effectLst>
+            <a:outerShdw blurRad="38100" dist="12700" dir="2700000" algn="tl" rotWithShape="0">
+              <a:prstClr val="black">
+                <a:alpha val="29000"/>
+              </a:prstClr>
+            </a:outerShdw>
+          </a:effectLst>
+        </p:spPr>
+        <p:style>
+          <a:lnRef idx="2">
+            <a:schemeClr val="accent1">
+              <a:shade val="50000"/>
+            </a:schemeClr>
+          </a:lnRef>
+          <a:fillRef idx="1">
+            <a:schemeClr val="accent1"/>
+          </a:fillRef>
+          <a:effectRef idx="0">
+            <a:schemeClr val="accent1"/>
+          </a:effectRef>
+          <a:fontRef idx="minor">
+            <a:schemeClr val="lt1"/>
+          </a:fontRef>
+        </p:style>
+        <p:txBody>
+          <a:bodyPr rtlCol="0" anchor="ctr"/>
+          <a:lstStyle/>
+          <a:p>
+            <a:pPr algn="ctr"/>
+            <a:endParaRPr lang="ko-KR" altLang="en-US"/>
+          </a:p>
+        </p:txBody>
+      </p:sp>
+      <p:sp>
+        <p:nvSpPr>
+          <p:cNvPr id="34" name="직사각형 33"/>
+          <p:cNvSpPr/>
+          <p:nvPr/>
+        </p:nvSpPr>
+        <p:spPr>
+          <a:xfrm>
+            <a:off x="1347618" y="8760061"/>
+            <a:ext cx="962123" cy="461665"/>
+          </a:xfrm>
+          <a:prstGeom prst="rect">
+            <a:avLst/>
+          </a:prstGeom>
+        </p:spPr>
+        <p:txBody>
+          <a:bodyPr wrap="none">
+            <a:spAutoFit/>
+          </a:bodyPr>
+          <a:lstStyle/>
+          <a:p>
+            <a:pPr algn="ctr">
+              <a:lnSpc>
+                <a:spcPct val="150000"/>
+              </a:lnSpc>
+            </a:pPr>
+            <a:r>
+              <a:rPr lang="ko-KR" altLang="en-US" sz="1600" b="1" dirty="0" smtClean="0">
+                <a:ln>
+                  <a:solidFill>
+                    <a:schemeClr val="tx1">
+                      <a:alpha val="0"/>
+                    </a:schemeClr>
+                  </a:solidFill>
+                </a:ln>
+                <a:solidFill>
+                  <a:schemeClr val="bg1"/>
+                </a:solidFill>
+                <a:latin typeface="나눔바른고딕OTF" panose="02020603020101020101" pitchFamily="18" charset="-127"/>
+                <a:ea typeface="나눔바른고딕OTF" panose="02020603020101020101" pitchFamily="18" charset="-127"/>
+              </a:rPr>
+              <a:t>수강 </a:t>
+            </a:r>
+            <a:r>
+              <a:rPr lang="ko-KR" altLang="en-US" sz="1600" b="1" dirty="0">
+                <a:ln>
+                  <a:solidFill>
+                    <a:schemeClr val="tx1">
+                      <a:alpha val="0"/>
+                    </a:schemeClr>
+                  </a:solidFill>
+                </a:ln>
+                <a:solidFill>
+                  <a:schemeClr val="bg1"/>
+                </a:solidFill>
+                <a:latin typeface="나눔바른고딕OTF" panose="02020603020101020101" pitchFamily="18" charset="-127"/>
+                <a:ea typeface="나눔바른고딕OTF" panose="02020603020101020101" pitchFamily="18" charset="-127"/>
+              </a:rPr>
+              <a:t>방법</a:t>
+            </a:r>
+            <a:endParaRPr lang="en-US" altLang="ko-KR" sz="1600" b="1" dirty="0">
+              <a:ln>
+                <a:solidFill>
+                  <a:schemeClr val="tx1">
+                    <a:alpha val="0"/>
+                  </a:schemeClr>
+                </a:solidFill>
+              </a:ln>
+              <a:solidFill>
+                <a:schemeClr val="bg1"/>
+              </a:solidFill>
+              <a:latin typeface="나눔바른고딕OTF" panose="02020603020101020101" pitchFamily="18" charset="-127"/>
+              <a:ea typeface="나눔바른고딕OTF" panose="02020603020101020101" pitchFamily="18" charset="-127"/>
+            </a:endParaRPr>
+          </a:p>
+        </p:txBody>
+      </p:sp>
     </p:spTree>
     <p:extLst>
       <p:ext uri="{BB962C8B-B14F-4D97-AF65-F5344CB8AC3E}">
